--- a/05 - Policy Improvement/slides.pptx
+++ b/05 - Policy Improvement/slides.pptx
@@ -3944,6 +3944,175 @@
     </pc:docChg>
   </pc:docChgLst>
   <pc:docChgLst>
+    <pc:chgData name="Riccardo Berta" userId="c8694f89-bba4-4576-b0a8-456619ca5a8c" providerId="ADAL" clId="{0F224E75-CFB0-994A-998D-4867A3C3D5B8}"/>
+    <pc:docChg chg="custSel modSld">
+      <pc:chgData name="Riccardo Berta" userId="c8694f89-bba4-4576-b0a8-456619ca5a8c" providerId="ADAL" clId="{0F224E75-CFB0-994A-998D-4867A3C3D5B8}" dt="2022-12-05T09:02:20.005" v="93"/>
+      <pc:docMkLst>
+        <pc:docMk/>
+      </pc:docMkLst>
+      <pc:sldChg chg="addSp">
+        <pc:chgData name="Riccardo Berta" userId="c8694f89-bba4-4576-b0a8-456619ca5a8c" providerId="ADAL" clId="{0F224E75-CFB0-994A-998D-4867A3C3D5B8}" dt="2022-12-05T09:02:20.005" v="93"/>
+        <pc:sldMkLst>
+          <pc:docMk/>
+          <pc:sldMk cId="2610884299" sldId="269"/>
+        </pc:sldMkLst>
+        <pc:inkChg chg="add">
+          <ac:chgData name="Riccardo Berta" userId="c8694f89-bba4-4576-b0a8-456619ca5a8c" providerId="ADAL" clId="{0F224E75-CFB0-994A-998D-4867A3C3D5B8}" dt="2022-12-05T09:02:20.005" v="93"/>
+          <ac:inkMkLst>
+            <pc:docMk/>
+            <pc:sldMk cId="2610884299" sldId="269"/>
+            <ac:inkMk id="2" creationId="{1C0F551B-44AB-C0A2-3E7C-B49F1642A5EE}"/>
+          </ac:inkMkLst>
+        </pc:inkChg>
+      </pc:sldChg>
+      <pc:sldChg chg="addSp">
+        <pc:chgData name="Riccardo Berta" userId="c8694f89-bba4-4576-b0a8-456619ca5a8c" providerId="ADAL" clId="{0F224E75-CFB0-994A-998D-4867A3C3D5B8}" dt="2022-12-05T09:02:20.005" v="93"/>
+        <pc:sldMkLst>
+          <pc:docMk/>
+          <pc:sldMk cId="2689217830" sldId="270"/>
+        </pc:sldMkLst>
+        <pc:inkChg chg="add">
+          <ac:chgData name="Riccardo Berta" userId="c8694f89-bba4-4576-b0a8-456619ca5a8c" providerId="ADAL" clId="{0F224E75-CFB0-994A-998D-4867A3C3D5B8}" dt="2022-12-05T09:02:20.005" v="93"/>
+          <ac:inkMkLst>
+            <pc:docMk/>
+            <pc:sldMk cId="2689217830" sldId="270"/>
+            <ac:inkMk id="2" creationId="{11B24000-DDAB-2390-0487-A46D7E6DE709}"/>
+          </ac:inkMkLst>
+        </pc:inkChg>
+      </pc:sldChg>
+      <pc:sldChg chg="addSp delSp modSp mod">
+        <pc:chgData name="Riccardo Berta" userId="c8694f89-bba4-4576-b0a8-456619ca5a8c" providerId="ADAL" clId="{0F224E75-CFB0-994A-998D-4867A3C3D5B8}" dt="2022-12-05T09:02:20.005" v="93"/>
+        <pc:sldMkLst>
+          <pc:docMk/>
+          <pc:sldMk cId="3320434858" sldId="272"/>
+        </pc:sldMkLst>
+        <pc:picChg chg="add mod">
+          <ac:chgData name="Riccardo Berta" userId="c8694f89-bba4-4576-b0a8-456619ca5a8c" providerId="ADAL" clId="{0F224E75-CFB0-994A-998D-4867A3C3D5B8}" dt="2022-12-05T06:53:24.309" v="67" actId="1035"/>
+          <ac:picMkLst>
+            <pc:docMk/>
+            <pc:sldMk cId="3320434858" sldId="272"/>
+            <ac:picMk id="2" creationId="{DEC6FBB5-B182-C15C-4F28-E0628D86053D}"/>
+          </ac:picMkLst>
+        </pc:picChg>
+        <pc:picChg chg="del">
+          <ac:chgData name="Riccardo Berta" userId="c8694f89-bba4-4576-b0a8-456619ca5a8c" providerId="ADAL" clId="{0F224E75-CFB0-994A-998D-4867A3C3D5B8}" dt="2022-12-05T06:53:45.070" v="70" actId="478"/>
+          <ac:picMkLst>
+            <pc:docMk/>
+            <pc:sldMk cId="3320434858" sldId="272"/>
+            <ac:picMk id="3" creationId="{7C05429C-8434-BE89-5670-26AF4215D7EE}"/>
+          </ac:picMkLst>
+        </pc:picChg>
+        <pc:picChg chg="del">
+          <ac:chgData name="Riccardo Berta" userId="c8694f89-bba4-4576-b0a8-456619ca5a8c" providerId="ADAL" clId="{0F224E75-CFB0-994A-998D-4867A3C3D5B8}" dt="2022-12-05T06:52:56.128" v="57" actId="478"/>
+          <ac:picMkLst>
+            <pc:docMk/>
+            <pc:sldMk cId="3320434858" sldId="272"/>
+            <ac:picMk id="5" creationId="{D9528D03-29A2-C473-6B57-135D188AFBD4}"/>
+          </ac:picMkLst>
+        </pc:picChg>
+        <pc:picChg chg="add mod">
+          <ac:chgData name="Riccardo Berta" userId="c8694f89-bba4-4576-b0a8-456619ca5a8c" providerId="ADAL" clId="{0F224E75-CFB0-994A-998D-4867A3C3D5B8}" dt="2022-12-05T06:54:05.992" v="92" actId="1038"/>
+          <ac:picMkLst>
+            <pc:docMk/>
+            <pc:sldMk cId="3320434858" sldId="272"/>
+            <ac:picMk id="6" creationId="{65AF9C4A-F188-66B6-407D-F7F6CC86AA32}"/>
+          </ac:picMkLst>
+        </pc:picChg>
+        <pc:inkChg chg="add">
+          <ac:chgData name="Riccardo Berta" userId="c8694f89-bba4-4576-b0a8-456619ca5a8c" providerId="ADAL" clId="{0F224E75-CFB0-994A-998D-4867A3C3D5B8}" dt="2022-12-05T09:02:20.005" v="93"/>
+          <ac:inkMkLst>
+            <pc:docMk/>
+            <pc:sldMk cId="3320434858" sldId="272"/>
+            <ac:inkMk id="3" creationId="{A21FA8B3-D5C9-BE6D-A093-05A69248EBB2}"/>
+          </ac:inkMkLst>
+        </pc:inkChg>
+      </pc:sldChg>
+      <pc:sldChg chg="addSp delSp modSp mod">
+        <pc:chgData name="Riccardo Berta" userId="c8694f89-bba4-4576-b0a8-456619ca5a8c" providerId="ADAL" clId="{0F224E75-CFB0-994A-998D-4867A3C3D5B8}" dt="2022-12-05T06:52:59.303" v="58" actId="21"/>
+        <pc:sldMkLst>
+          <pc:docMk/>
+          <pc:sldMk cId="1073505695" sldId="280"/>
+        </pc:sldMkLst>
+        <pc:spChg chg="mod">
+          <ac:chgData name="Riccardo Berta" userId="c8694f89-bba4-4576-b0a8-456619ca5a8c" providerId="ADAL" clId="{0F224E75-CFB0-994A-998D-4867A3C3D5B8}" dt="2022-12-05T06:43:53.177" v="55" actId="20577"/>
+          <ac:spMkLst>
+            <pc:docMk/>
+            <pc:sldMk cId="1073505695" sldId="280"/>
+            <ac:spMk id="84" creationId="{00000000-0000-0000-0000-000000000000}"/>
+          </ac:spMkLst>
+        </pc:spChg>
+        <pc:picChg chg="add del mod">
+          <ac:chgData name="Riccardo Berta" userId="c8694f89-bba4-4576-b0a8-456619ca5a8c" providerId="ADAL" clId="{0F224E75-CFB0-994A-998D-4867A3C3D5B8}" dt="2022-12-05T06:52:59.303" v="58" actId="21"/>
+          <ac:picMkLst>
+            <pc:docMk/>
+            <pc:sldMk cId="1073505695" sldId="280"/>
+            <ac:picMk id="3" creationId="{2C376B40-45B7-6F93-FAC1-3992CCC0BDA7}"/>
+          </ac:picMkLst>
+        </pc:picChg>
+      </pc:sldChg>
+      <pc:sldChg chg="modSp mod">
+        <pc:chgData name="Riccardo Berta" userId="c8694f89-bba4-4576-b0a8-456619ca5a8c" providerId="ADAL" clId="{0F224E75-CFB0-994A-998D-4867A3C3D5B8}" dt="2022-11-30T07:11:21.827" v="3" actId="14"/>
+        <pc:sldMkLst>
+          <pc:docMk/>
+          <pc:sldMk cId="4044708769" sldId="298"/>
+        </pc:sldMkLst>
+        <pc:spChg chg="mod">
+          <ac:chgData name="Riccardo Berta" userId="c8694f89-bba4-4576-b0a8-456619ca5a8c" providerId="ADAL" clId="{0F224E75-CFB0-994A-998D-4867A3C3D5B8}" dt="2022-11-30T07:11:21.827" v="3" actId="14"/>
+          <ac:spMkLst>
+            <pc:docMk/>
+            <pc:sldMk cId="4044708769" sldId="298"/>
+            <ac:spMk id="84" creationId="{00000000-0000-0000-0000-000000000000}"/>
+          </ac:spMkLst>
+        </pc:spChg>
+      </pc:sldChg>
+      <pc:sldChg chg="modSp mod">
+        <pc:chgData name="Riccardo Berta" userId="c8694f89-bba4-4576-b0a8-456619ca5a8c" providerId="ADAL" clId="{0F224E75-CFB0-994A-998D-4867A3C3D5B8}" dt="2022-11-30T07:49:17.167" v="6" actId="20577"/>
+        <pc:sldMkLst>
+          <pc:docMk/>
+          <pc:sldMk cId="3972952492" sldId="302"/>
+        </pc:sldMkLst>
+        <pc:spChg chg="mod">
+          <ac:chgData name="Riccardo Berta" userId="c8694f89-bba4-4576-b0a8-456619ca5a8c" providerId="ADAL" clId="{0F224E75-CFB0-994A-998D-4867A3C3D5B8}" dt="2022-11-30T07:49:17.167" v="6" actId="20577"/>
+          <ac:spMkLst>
+            <pc:docMk/>
+            <pc:sldMk cId="3972952492" sldId="302"/>
+            <ac:spMk id="84" creationId="{00000000-0000-0000-0000-000000000000}"/>
+          </ac:spMkLst>
+        </pc:spChg>
+      </pc:sldChg>
+      <pc:sldChg chg="modSp mod">
+        <pc:chgData name="Riccardo Berta" userId="c8694f89-bba4-4576-b0a8-456619ca5a8c" providerId="ADAL" clId="{0F224E75-CFB0-994A-998D-4867A3C3D5B8}" dt="2022-12-05T06:35:31.722" v="37" actId="20577"/>
+        <pc:sldMkLst>
+          <pc:docMk/>
+          <pc:sldMk cId="3441338737" sldId="313"/>
+        </pc:sldMkLst>
+        <pc:spChg chg="mod">
+          <ac:chgData name="Riccardo Berta" userId="c8694f89-bba4-4576-b0a8-456619ca5a8c" providerId="ADAL" clId="{0F224E75-CFB0-994A-998D-4867A3C3D5B8}" dt="2022-12-05T06:35:31.722" v="37" actId="20577"/>
+          <ac:spMkLst>
+            <pc:docMk/>
+            <pc:sldMk cId="3441338737" sldId="313"/>
+            <ac:spMk id="84" creationId="{00000000-0000-0000-0000-000000000000}"/>
+          </ac:spMkLst>
+        </pc:spChg>
+      </pc:sldChg>
+      <pc:sldChg chg="modSp mod">
+        <pc:chgData name="Riccardo Berta" userId="c8694f89-bba4-4576-b0a8-456619ca5a8c" providerId="ADAL" clId="{0F224E75-CFB0-994A-998D-4867A3C3D5B8}" dt="2022-12-05T06:37:43.625" v="54" actId="15"/>
+        <pc:sldMkLst>
+          <pc:docMk/>
+          <pc:sldMk cId="2414582803" sldId="314"/>
+        </pc:sldMkLst>
+        <pc:spChg chg="mod">
+          <ac:chgData name="Riccardo Berta" userId="c8694f89-bba4-4576-b0a8-456619ca5a8c" providerId="ADAL" clId="{0F224E75-CFB0-994A-998D-4867A3C3D5B8}" dt="2022-12-05T06:37:43.625" v="54" actId="15"/>
+          <ac:spMkLst>
+            <pc:docMk/>
+            <pc:sldMk cId="2414582803" sldId="314"/>
+            <ac:spMk id="84" creationId="{00000000-0000-0000-0000-000000000000}"/>
+          </ac:spMkLst>
+        </pc:spChg>
+      </pc:sldChg>
+    </pc:docChg>
+  </pc:docChgLst>
+  <pc:docChgLst>
     <pc:chgData name="Riccardo Berta" userId="c8694f89-bba4-4576-b0a8-456619ca5a8c" providerId="ADAL" clId="{4967B734-A465-2844-BA15-7FBACE49D2F8}"/>
     <pc:docChg chg="undo redo custSel addSld delSld modSld sldOrd">
       <pc:chgData name="Riccardo Berta" userId="c8694f89-bba4-4576-b0a8-456619ca5a8c" providerId="ADAL" clId="{4967B734-A465-2844-BA15-7FBACE49D2F8}" dt="2022-10-10T05:41:52.141" v="2700" actId="1036"/>
@@ -4921,175 +5090,6 @@
           </pc:sldLayoutMkLst>
         </pc:sldLayoutChg>
       </pc:sldMasterChg>
-    </pc:docChg>
-  </pc:docChgLst>
-  <pc:docChgLst>
-    <pc:chgData name="Riccardo Berta" userId="c8694f89-bba4-4576-b0a8-456619ca5a8c" providerId="ADAL" clId="{0F224E75-CFB0-994A-998D-4867A3C3D5B8}"/>
-    <pc:docChg chg="custSel modSld">
-      <pc:chgData name="Riccardo Berta" userId="c8694f89-bba4-4576-b0a8-456619ca5a8c" providerId="ADAL" clId="{0F224E75-CFB0-994A-998D-4867A3C3D5B8}" dt="2022-12-05T09:02:20.005" v="93"/>
-      <pc:docMkLst>
-        <pc:docMk/>
-      </pc:docMkLst>
-      <pc:sldChg chg="addSp">
-        <pc:chgData name="Riccardo Berta" userId="c8694f89-bba4-4576-b0a8-456619ca5a8c" providerId="ADAL" clId="{0F224E75-CFB0-994A-998D-4867A3C3D5B8}" dt="2022-12-05T09:02:20.005" v="93"/>
-        <pc:sldMkLst>
-          <pc:docMk/>
-          <pc:sldMk cId="2610884299" sldId="269"/>
-        </pc:sldMkLst>
-        <pc:inkChg chg="add">
-          <ac:chgData name="Riccardo Berta" userId="c8694f89-bba4-4576-b0a8-456619ca5a8c" providerId="ADAL" clId="{0F224E75-CFB0-994A-998D-4867A3C3D5B8}" dt="2022-12-05T09:02:20.005" v="93"/>
-          <ac:inkMkLst>
-            <pc:docMk/>
-            <pc:sldMk cId="2610884299" sldId="269"/>
-            <ac:inkMk id="2" creationId="{1C0F551B-44AB-C0A2-3E7C-B49F1642A5EE}"/>
-          </ac:inkMkLst>
-        </pc:inkChg>
-      </pc:sldChg>
-      <pc:sldChg chg="addSp">
-        <pc:chgData name="Riccardo Berta" userId="c8694f89-bba4-4576-b0a8-456619ca5a8c" providerId="ADAL" clId="{0F224E75-CFB0-994A-998D-4867A3C3D5B8}" dt="2022-12-05T09:02:20.005" v="93"/>
-        <pc:sldMkLst>
-          <pc:docMk/>
-          <pc:sldMk cId="2689217830" sldId="270"/>
-        </pc:sldMkLst>
-        <pc:inkChg chg="add">
-          <ac:chgData name="Riccardo Berta" userId="c8694f89-bba4-4576-b0a8-456619ca5a8c" providerId="ADAL" clId="{0F224E75-CFB0-994A-998D-4867A3C3D5B8}" dt="2022-12-05T09:02:20.005" v="93"/>
-          <ac:inkMkLst>
-            <pc:docMk/>
-            <pc:sldMk cId="2689217830" sldId="270"/>
-            <ac:inkMk id="2" creationId="{11B24000-DDAB-2390-0487-A46D7E6DE709}"/>
-          </ac:inkMkLst>
-        </pc:inkChg>
-      </pc:sldChg>
-      <pc:sldChg chg="addSp delSp modSp mod">
-        <pc:chgData name="Riccardo Berta" userId="c8694f89-bba4-4576-b0a8-456619ca5a8c" providerId="ADAL" clId="{0F224E75-CFB0-994A-998D-4867A3C3D5B8}" dt="2022-12-05T09:02:20.005" v="93"/>
-        <pc:sldMkLst>
-          <pc:docMk/>
-          <pc:sldMk cId="3320434858" sldId="272"/>
-        </pc:sldMkLst>
-        <pc:picChg chg="add mod">
-          <ac:chgData name="Riccardo Berta" userId="c8694f89-bba4-4576-b0a8-456619ca5a8c" providerId="ADAL" clId="{0F224E75-CFB0-994A-998D-4867A3C3D5B8}" dt="2022-12-05T06:53:24.309" v="67" actId="1035"/>
-          <ac:picMkLst>
-            <pc:docMk/>
-            <pc:sldMk cId="3320434858" sldId="272"/>
-            <ac:picMk id="2" creationId="{DEC6FBB5-B182-C15C-4F28-E0628D86053D}"/>
-          </ac:picMkLst>
-        </pc:picChg>
-        <pc:picChg chg="del">
-          <ac:chgData name="Riccardo Berta" userId="c8694f89-bba4-4576-b0a8-456619ca5a8c" providerId="ADAL" clId="{0F224E75-CFB0-994A-998D-4867A3C3D5B8}" dt="2022-12-05T06:53:45.070" v="70" actId="478"/>
-          <ac:picMkLst>
-            <pc:docMk/>
-            <pc:sldMk cId="3320434858" sldId="272"/>
-            <ac:picMk id="3" creationId="{7C05429C-8434-BE89-5670-26AF4215D7EE}"/>
-          </ac:picMkLst>
-        </pc:picChg>
-        <pc:picChg chg="del">
-          <ac:chgData name="Riccardo Berta" userId="c8694f89-bba4-4576-b0a8-456619ca5a8c" providerId="ADAL" clId="{0F224E75-CFB0-994A-998D-4867A3C3D5B8}" dt="2022-12-05T06:52:56.128" v="57" actId="478"/>
-          <ac:picMkLst>
-            <pc:docMk/>
-            <pc:sldMk cId="3320434858" sldId="272"/>
-            <ac:picMk id="5" creationId="{D9528D03-29A2-C473-6B57-135D188AFBD4}"/>
-          </ac:picMkLst>
-        </pc:picChg>
-        <pc:picChg chg="add mod">
-          <ac:chgData name="Riccardo Berta" userId="c8694f89-bba4-4576-b0a8-456619ca5a8c" providerId="ADAL" clId="{0F224E75-CFB0-994A-998D-4867A3C3D5B8}" dt="2022-12-05T06:54:05.992" v="92" actId="1038"/>
-          <ac:picMkLst>
-            <pc:docMk/>
-            <pc:sldMk cId="3320434858" sldId="272"/>
-            <ac:picMk id="6" creationId="{65AF9C4A-F188-66B6-407D-F7F6CC86AA32}"/>
-          </ac:picMkLst>
-        </pc:picChg>
-        <pc:inkChg chg="add">
-          <ac:chgData name="Riccardo Berta" userId="c8694f89-bba4-4576-b0a8-456619ca5a8c" providerId="ADAL" clId="{0F224E75-CFB0-994A-998D-4867A3C3D5B8}" dt="2022-12-05T09:02:20.005" v="93"/>
-          <ac:inkMkLst>
-            <pc:docMk/>
-            <pc:sldMk cId="3320434858" sldId="272"/>
-            <ac:inkMk id="3" creationId="{A21FA8B3-D5C9-BE6D-A093-05A69248EBB2}"/>
-          </ac:inkMkLst>
-        </pc:inkChg>
-      </pc:sldChg>
-      <pc:sldChg chg="addSp delSp modSp mod">
-        <pc:chgData name="Riccardo Berta" userId="c8694f89-bba4-4576-b0a8-456619ca5a8c" providerId="ADAL" clId="{0F224E75-CFB0-994A-998D-4867A3C3D5B8}" dt="2022-12-05T06:52:59.303" v="58" actId="21"/>
-        <pc:sldMkLst>
-          <pc:docMk/>
-          <pc:sldMk cId="1073505695" sldId="280"/>
-        </pc:sldMkLst>
-        <pc:spChg chg="mod">
-          <ac:chgData name="Riccardo Berta" userId="c8694f89-bba4-4576-b0a8-456619ca5a8c" providerId="ADAL" clId="{0F224E75-CFB0-994A-998D-4867A3C3D5B8}" dt="2022-12-05T06:43:53.177" v="55" actId="20577"/>
-          <ac:spMkLst>
-            <pc:docMk/>
-            <pc:sldMk cId="1073505695" sldId="280"/>
-            <ac:spMk id="84" creationId="{00000000-0000-0000-0000-000000000000}"/>
-          </ac:spMkLst>
-        </pc:spChg>
-        <pc:picChg chg="add del mod">
-          <ac:chgData name="Riccardo Berta" userId="c8694f89-bba4-4576-b0a8-456619ca5a8c" providerId="ADAL" clId="{0F224E75-CFB0-994A-998D-4867A3C3D5B8}" dt="2022-12-05T06:52:59.303" v="58" actId="21"/>
-          <ac:picMkLst>
-            <pc:docMk/>
-            <pc:sldMk cId="1073505695" sldId="280"/>
-            <ac:picMk id="3" creationId="{2C376B40-45B7-6F93-FAC1-3992CCC0BDA7}"/>
-          </ac:picMkLst>
-        </pc:picChg>
-      </pc:sldChg>
-      <pc:sldChg chg="modSp mod">
-        <pc:chgData name="Riccardo Berta" userId="c8694f89-bba4-4576-b0a8-456619ca5a8c" providerId="ADAL" clId="{0F224E75-CFB0-994A-998D-4867A3C3D5B8}" dt="2022-11-30T07:11:21.827" v="3" actId="14"/>
-        <pc:sldMkLst>
-          <pc:docMk/>
-          <pc:sldMk cId="4044708769" sldId="298"/>
-        </pc:sldMkLst>
-        <pc:spChg chg="mod">
-          <ac:chgData name="Riccardo Berta" userId="c8694f89-bba4-4576-b0a8-456619ca5a8c" providerId="ADAL" clId="{0F224E75-CFB0-994A-998D-4867A3C3D5B8}" dt="2022-11-30T07:11:21.827" v="3" actId="14"/>
-          <ac:spMkLst>
-            <pc:docMk/>
-            <pc:sldMk cId="4044708769" sldId="298"/>
-            <ac:spMk id="84" creationId="{00000000-0000-0000-0000-000000000000}"/>
-          </ac:spMkLst>
-        </pc:spChg>
-      </pc:sldChg>
-      <pc:sldChg chg="modSp mod">
-        <pc:chgData name="Riccardo Berta" userId="c8694f89-bba4-4576-b0a8-456619ca5a8c" providerId="ADAL" clId="{0F224E75-CFB0-994A-998D-4867A3C3D5B8}" dt="2022-11-30T07:49:17.167" v="6" actId="20577"/>
-        <pc:sldMkLst>
-          <pc:docMk/>
-          <pc:sldMk cId="3972952492" sldId="302"/>
-        </pc:sldMkLst>
-        <pc:spChg chg="mod">
-          <ac:chgData name="Riccardo Berta" userId="c8694f89-bba4-4576-b0a8-456619ca5a8c" providerId="ADAL" clId="{0F224E75-CFB0-994A-998D-4867A3C3D5B8}" dt="2022-11-30T07:49:17.167" v="6" actId="20577"/>
-          <ac:spMkLst>
-            <pc:docMk/>
-            <pc:sldMk cId="3972952492" sldId="302"/>
-            <ac:spMk id="84" creationId="{00000000-0000-0000-0000-000000000000}"/>
-          </ac:spMkLst>
-        </pc:spChg>
-      </pc:sldChg>
-      <pc:sldChg chg="modSp mod">
-        <pc:chgData name="Riccardo Berta" userId="c8694f89-bba4-4576-b0a8-456619ca5a8c" providerId="ADAL" clId="{0F224E75-CFB0-994A-998D-4867A3C3D5B8}" dt="2022-12-05T06:35:31.722" v="37" actId="20577"/>
-        <pc:sldMkLst>
-          <pc:docMk/>
-          <pc:sldMk cId="3441338737" sldId="313"/>
-        </pc:sldMkLst>
-        <pc:spChg chg="mod">
-          <ac:chgData name="Riccardo Berta" userId="c8694f89-bba4-4576-b0a8-456619ca5a8c" providerId="ADAL" clId="{0F224E75-CFB0-994A-998D-4867A3C3D5B8}" dt="2022-12-05T06:35:31.722" v="37" actId="20577"/>
-          <ac:spMkLst>
-            <pc:docMk/>
-            <pc:sldMk cId="3441338737" sldId="313"/>
-            <ac:spMk id="84" creationId="{00000000-0000-0000-0000-000000000000}"/>
-          </ac:spMkLst>
-        </pc:spChg>
-      </pc:sldChg>
-      <pc:sldChg chg="modSp mod">
-        <pc:chgData name="Riccardo Berta" userId="c8694f89-bba4-4576-b0a8-456619ca5a8c" providerId="ADAL" clId="{0F224E75-CFB0-994A-998D-4867A3C3D5B8}" dt="2022-12-05T06:37:43.625" v="54" actId="15"/>
-        <pc:sldMkLst>
-          <pc:docMk/>
-          <pc:sldMk cId="2414582803" sldId="314"/>
-        </pc:sldMkLst>
-        <pc:spChg chg="mod">
-          <ac:chgData name="Riccardo Berta" userId="c8694f89-bba4-4576-b0a8-456619ca5a8c" providerId="ADAL" clId="{0F224E75-CFB0-994A-998D-4867A3C3D5B8}" dt="2022-12-05T06:37:43.625" v="54" actId="15"/>
-          <ac:spMkLst>
-            <pc:docMk/>
-            <pc:sldMk cId="2414582803" sldId="314"/>
-            <ac:spMk id="84" creationId="{00000000-0000-0000-0000-000000000000}"/>
-          </ac:spMkLst>
-        </pc:spChg>
-      </pc:sldChg>
     </pc:docChg>
   </pc:docChgLst>
 </pc:chgInfo>
@@ -13380,7 +13380,15 @@
           <a:p>
             <a:r>
               <a:rPr lang="en-GB" sz="1800" dirty="0"/>
-              <a:t>It often overestimates the value function (</a:t>
+              <a:t>It </a:t>
+            </a:r>
+            <a:r>
+              <a:rPr lang="en-GB" sz="1800" b="1" dirty="0"/>
+              <a:t>overestimates</a:t>
+            </a:r>
+            <a:r>
+              <a:rPr lang="en-GB" sz="1800" dirty="0"/>
+              <a:t> the value function (</a:t>
             </a:r>
             <a:r>
               <a:rPr lang="en-GB" sz="1800" b="1" dirty="0"/>
@@ -15343,7 +15351,7 @@
           </a:p>
           <a:p>
             <a:pPr lvl="1"/>
-            <a:endParaRPr lang="en-GB" sz="2000" dirty="0"/>
+            <a:endParaRPr lang="en-GB" sz="2400" dirty="0"/>
           </a:p>
           <a:p>
             <a:r>
@@ -15408,16 +15416,15 @@
           </p:cNvPicPr>
           <p:nvPr/>
         </p:nvPicPr>
-        <p:blipFill>
+        <p:blipFill rotWithShape="1">
           <a:blip r:embed="rId4"/>
-          <a:stretch>
-            <a:fillRect/>
-          </a:stretch>
+          <a:srcRect b="11829"/>
+          <a:stretch/>
         </p:blipFill>
         <p:spPr>
           <a:xfrm>
-            <a:off x="1103896" y="5298448"/>
-            <a:ext cx="1927323" cy="524660"/>
+            <a:off x="1096896" y="5307240"/>
+            <a:ext cx="1927323" cy="462597"/>
           </a:xfrm>
           <a:prstGeom prst="rect">
             <a:avLst/>
@@ -15551,7 +15558,15 @@
           <a:p>
             <a:r>
               <a:rPr lang="en-GB" sz="1600" dirty="0"/>
-              <a:t>The environment is noisy, but the actions the agent selects make a difference in its performance</a:t>
+              <a:t>The environment is noisy, but the actions the agent selects </a:t>
+            </a:r>
+            <a:r>
+              <a:rPr lang="en-GB" sz="1600" b="1" dirty="0"/>
+              <a:t>make a difference </a:t>
+            </a:r>
+            <a:r>
+              <a:rPr lang="en-GB" sz="1600" dirty="0"/>
+              <a:t>in its performance</a:t>
             </a:r>
           </a:p>
           <a:p>

--- a/05 - Policy Improvement/slides.pptx
+++ b/05 - Policy Improvement/slides.pptx
@@ -3944,6 +3944,986 @@
     </pc:docChg>
   </pc:docChgLst>
   <pc:docChgLst>
+    <pc:chgData name="Riccardo Berta" userId="c8694f89-bba4-4576-b0a8-456619ca5a8c" providerId="ADAL" clId="{4967B734-A465-2844-BA15-7FBACE49D2F8}"/>
+    <pc:docChg chg="undo redo custSel addSld delSld modSld sldOrd">
+      <pc:chgData name="Riccardo Berta" userId="c8694f89-bba4-4576-b0a8-456619ca5a8c" providerId="ADAL" clId="{4967B734-A465-2844-BA15-7FBACE49D2F8}" dt="2022-10-10T05:41:52.141" v="2700" actId="1036"/>
+      <pc:docMkLst>
+        <pc:docMk/>
+      </pc:docMkLst>
+      <pc:sldChg chg="modSp mod">
+        <pc:chgData name="Riccardo Berta" userId="c8694f89-bba4-4576-b0a8-456619ca5a8c" providerId="ADAL" clId="{4967B734-A465-2844-BA15-7FBACE49D2F8}" dt="2022-10-04T09:21:06.296" v="1514" actId="790"/>
+        <pc:sldMkLst>
+          <pc:docMk/>
+          <pc:sldMk cId="0" sldId="256"/>
+        </pc:sldMkLst>
+        <pc:spChg chg="mod">
+          <ac:chgData name="Riccardo Berta" userId="c8694f89-bba4-4576-b0a8-456619ca5a8c" providerId="ADAL" clId="{4967B734-A465-2844-BA15-7FBACE49D2F8}" dt="2022-10-04T09:21:06.296" v="1514" actId="790"/>
+          <ac:spMkLst>
+            <pc:docMk/>
+            <pc:sldMk cId="0" sldId="256"/>
+            <ac:spMk id="62" creationId="{00000000-0000-0000-0000-000000000000}"/>
+          </ac:spMkLst>
+        </pc:spChg>
+      </pc:sldChg>
+      <pc:sldChg chg="delSp modSp mod">
+        <pc:chgData name="Riccardo Berta" userId="c8694f89-bba4-4576-b0a8-456619ca5a8c" providerId="ADAL" clId="{4967B734-A465-2844-BA15-7FBACE49D2F8}" dt="2022-10-05T05:37:06.487" v="2566" actId="20577"/>
+        <pc:sldMkLst>
+          <pc:docMk/>
+          <pc:sldMk cId="0" sldId="257"/>
+        </pc:sldMkLst>
+        <pc:spChg chg="mod">
+          <ac:chgData name="Riccardo Berta" userId="c8694f89-bba4-4576-b0a8-456619ca5a8c" providerId="ADAL" clId="{4967B734-A465-2844-BA15-7FBACE49D2F8}" dt="2022-10-04T06:59:58.583" v="222" actId="20577"/>
+          <ac:spMkLst>
+            <pc:docMk/>
+            <pc:sldMk cId="0" sldId="257"/>
+            <ac:spMk id="83" creationId="{00000000-0000-0000-0000-000000000000}"/>
+          </ac:spMkLst>
+        </pc:spChg>
+        <pc:spChg chg="mod">
+          <ac:chgData name="Riccardo Berta" userId="c8694f89-bba4-4576-b0a8-456619ca5a8c" providerId="ADAL" clId="{4967B734-A465-2844-BA15-7FBACE49D2F8}" dt="2022-10-05T05:37:06.487" v="2566" actId="20577"/>
+          <ac:spMkLst>
+            <pc:docMk/>
+            <pc:sldMk cId="0" sldId="257"/>
+            <ac:spMk id="84" creationId="{00000000-0000-0000-0000-000000000000}"/>
+          </ac:spMkLst>
+        </pc:spChg>
+        <pc:picChg chg="del">
+          <ac:chgData name="Riccardo Berta" userId="c8694f89-bba4-4576-b0a8-456619ca5a8c" providerId="ADAL" clId="{4967B734-A465-2844-BA15-7FBACE49D2F8}" dt="2022-10-04T06:53:54.793" v="41" actId="478"/>
+          <ac:picMkLst>
+            <pc:docMk/>
+            <pc:sldMk cId="0" sldId="257"/>
+            <ac:picMk id="2" creationId="{1E81BD5B-9F1C-4180-0225-A6FA7F7521E2}"/>
+          </ac:picMkLst>
+        </pc:picChg>
+      </pc:sldChg>
+      <pc:sldChg chg="del">
+        <pc:chgData name="Riccardo Berta" userId="c8694f89-bba4-4576-b0a8-456619ca5a8c" providerId="ADAL" clId="{4967B734-A465-2844-BA15-7FBACE49D2F8}" dt="2022-10-04T06:54:03.310" v="50" actId="2696"/>
+        <pc:sldMkLst>
+          <pc:docMk/>
+          <pc:sldMk cId="3018556184" sldId="259"/>
+        </pc:sldMkLst>
+      </pc:sldChg>
+      <pc:sldChg chg="del">
+        <pc:chgData name="Riccardo Berta" userId="c8694f89-bba4-4576-b0a8-456619ca5a8c" providerId="ADAL" clId="{4967B734-A465-2844-BA15-7FBACE49D2F8}" dt="2022-10-04T06:54:03.809" v="51" actId="2696"/>
+        <pc:sldMkLst>
+          <pc:docMk/>
+          <pc:sldMk cId="723946338" sldId="261"/>
+        </pc:sldMkLst>
+      </pc:sldChg>
+      <pc:sldChg chg="modSp mod">
+        <pc:chgData name="Riccardo Berta" userId="c8694f89-bba4-4576-b0a8-456619ca5a8c" providerId="ADAL" clId="{4967B734-A465-2844-BA15-7FBACE49D2F8}" dt="2022-10-04T09:53:48.313" v="2176" actId="1076"/>
+        <pc:sldMkLst>
+          <pc:docMk/>
+          <pc:sldMk cId="0" sldId="264"/>
+        </pc:sldMkLst>
+        <pc:spChg chg="mod">
+          <ac:chgData name="Riccardo Berta" userId="c8694f89-bba4-4576-b0a8-456619ca5a8c" providerId="ADAL" clId="{4967B734-A465-2844-BA15-7FBACE49D2F8}" dt="2022-10-04T09:53:48.313" v="2176" actId="1076"/>
+          <ac:spMkLst>
+            <pc:docMk/>
+            <pc:sldMk cId="0" sldId="264"/>
+            <ac:spMk id="84" creationId="{00000000-0000-0000-0000-000000000000}"/>
+          </ac:spMkLst>
+        </pc:spChg>
+      </pc:sldChg>
+      <pc:sldChg chg="del">
+        <pc:chgData name="Riccardo Berta" userId="c8694f89-bba4-4576-b0a8-456619ca5a8c" providerId="ADAL" clId="{4967B734-A465-2844-BA15-7FBACE49D2F8}" dt="2022-10-04T06:54:04.269" v="52" actId="2696"/>
+        <pc:sldMkLst>
+          <pc:docMk/>
+          <pc:sldMk cId="2752186034" sldId="265"/>
+        </pc:sldMkLst>
+      </pc:sldChg>
+      <pc:sldChg chg="addSp modSp add mod">
+        <pc:chgData name="Riccardo Berta" userId="c8694f89-bba4-4576-b0a8-456619ca5a8c" providerId="ADAL" clId="{4967B734-A465-2844-BA15-7FBACE49D2F8}" dt="2022-10-05T05:38:43.218" v="2573" actId="20577"/>
+        <pc:sldMkLst>
+          <pc:docMk/>
+          <pc:sldMk cId="4260925133" sldId="265"/>
+        </pc:sldMkLst>
+        <pc:spChg chg="mod">
+          <ac:chgData name="Riccardo Berta" userId="c8694f89-bba4-4576-b0a8-456619ca5a8c" providerId="ADAL" clId="{4967B734-A465-2844-BA15-7FBACE49D2F8}" dt="2022-10-04T07:03:57.181" v="300" actId="20577"/>
+          <ac:spMkLst>
+            <pc:docMk/>
+            <pc:sldMk cId="4260925133" sldId="265"/>
+            <ac:spMk id="83" creationId="{00000000-0000-0000-0000-000000000000}"/>
+          </ac:spMkLst>
+        </pc:spChg>
+        <pc:spChg chg="mod">
+          <ac:chgData name="Riccardo Berta" userId="c8694f89-bba4-4576-b0a8-456619ca5a8c" providerId="ADAL" clId="{4967B734-A465-2844-BA15-7FBACE49D2F8}" dt="2022-10-05T05:38:43.218" v="2573" actId="20577"/>
+          <ac:spMkLst>
+            <pc:docMk/>
+            <pc:sldMk cId="4260925133" sldId="265"/>
+            <ac:spMk id="84" creationId="{00000000-0000-0000-0000-000000000000}"/>
+          </ac:spMkLst>
+        </pc:spChg>
+        <pc:picChg chg="add mod">
+          <ac:chgData name="Riccardo Berta" userId="c8694f89-bba4-4576-b0a8-456619ca5a8c" providerId="ADAL" clId="{4967B734-A465-2844-BA15-7FBACE49D2F8}" dt="2022-10-04T07:04:48.519" v="307" actId="167"/>
+          <ac:picMkLst>
+            <pc:docMk/>
+            <pc:sldMk cId="4260925133" sldId="265"/>
+            <ac:picMk id="3" creationId="{674E15D2-3951-6F58-7582-C0EB4A615F1D}"/>
+          </ac:picMkLst>
+        </pc:picChg>
+      </pc:sldChg>
+      <pc:sldChg chg="addSp delSp modSp add mod">
+        <pc:chgData name="Riccardo Berta" userId="c8694f89-bba4-4576-b0a8-456619ca5a8c" providerId="ADAL" clId="{4967B734-A465-2844-BA15-7FBACE49D2F8}" dt="2022-10-05T05:43:30.967" v="2628" actId="20577"/>
+        <pc:sldMkLst>
+          <pc:docMk/>
+          <pc:sldMk cId="2074499598" sldId="266"/>
+        </pc:sldMkLst>
+        <pc:spChg chg="mod">
+          <ac:chgData name="Riccardo Berta" userId="c8694f89-bba4-4576-b0a8-456619ca5a8c" providerId="ADAL" clId="{4967B734-A465-2844-BA15-7FBACE49D2F8}" dt="2022-10-04T08:27:30.224" v="813" actId="20577"/>
+          <ac:spMkLst>
+            <pc:docMk/>
+            <pc:sldMk cId="2074499598" sldId="266"/>
+            <ac:spMk id="83" creationId="{00000000-0000-0000-0000-000000000000}"/>
+          </ac:spMkLst>
+        </pc:spChg>
+        <pc:spChg chg="mod">
+          <ac:chgData name="Riccardo Berta" userId="c8694f89-bba4-4576-b0a8-456619ca5a8c" providerId="ADAL" clId="{4967B734-A465-2844-BA15-7FBACE49D2F8}" dt="2022-10-05T05:43:30.967" v="2628" actId="20577"/>
+          <ac:spMkLst>
+            <pc:docMk/>
+            <pc:sldMk cId="2074499598" sldId="266"/>
+            <ac:spMk id="84" creationId="{00000000-0000-0000-0000-000000000000}"/>
+          </ac:spMkLst>
+        </pc:spChg>
+        <pc:picChg chg="add del mod">
+          <ac:chgData name="Riccardo Berta" userId="c8694f89-bba4-4576-b0a8-456619ca5a8c" providerId="ADAL" clId="{4967B734-A465-2844-BA15-7FBACE49D2F8}" dt="2022-10-04T08:28:52.112" v="847" actId="478"/>
+          <ac:picMkLst>
+            <pc:docMk/>
+            <pc:sldMk cId="2074499598" sldId="266"/>
+            <ac:picMk id="3" creationId="{44D37D90-9379-A202-D5CB-57A361B7ED10}"/>
+          </ac:picMkLst>
+        </pc:picChg>
+      </pc:sldChg>
+      <pc:sldChg chg="addSp delSp modSp add mod ord">
+        <pc:chgData name="Riccardo Berta" userId="c8694f89-bba4-4576-b0a8-456619ca5a8c" providerId="ADAL" clId="{4967B734-A465-2844-BA15-7FBACE49D2F8}" dt="2022-10-05T05:40:18.404" v="2582" actId="20577"/>
+        <pc:sldMkLst>
+          <pc:docMk/>
+          <pc:sldMk cId="2259674710" sldId="267"/>
+        </pc:sldMkLst>
+        <pc:spChg chg="mod">
+          <ac:chgData name="Riccardo Berta" userId="c8694f89-bba4-4576-b0a8-456619ca5a8c" providerId="ADAL" clId="{4967B734-A465-2844-BA15-7FBACE49D2F8}" dt="2022-10-04T07:10:58.043" v="468" actId="20577"/>
+          <ac:spMkLst>
+            <pc:docMk/>
+            <pc:sldMk cId="2259674710" sldId="267"/>
+            <ac:spMk id="83" creationId="{00000000-0000-0000-0000-000000000000}"/>
+          </ac:spMkLst>
+        </pc:spChg>
+        <pc:spChg chg="mod">
+          <ac:chgData name="Riccardo Berta" userId="c8694f89-bba4-4576-b0a8-456619ca5a8c" providerId="ADAL" clId="{4967B734-A465-2844-BA15-7FBACE49D2F8}" dt="2022-10-05T05:40:18.404" v="2582" actId="20577"/>
+          <ac:spMkLst>
+            <pc:docMk/>
+            <pc:sldMk cId="2259674710" sldId="267"/>
+            <ac:spMk id="84" creationId="{00000000-0000-0000-0000-000000000000}"/>
+          </ac:spMkLst>
+        </pc:spChg>
+        <pc:grpChg chg="add mod">
+          <ac:chgData name="Riccardo Berta" userId="c8694f89-bba4-4576-b0a8-456619ca5a8c" providerId="ADAL" clId="{4967B734-A465-2844-BA15-7FBACE49D2F8}" dt="2022-10-04T07:10:46.067" v="451" actId="1076"/>
+          <ac:grpSpMkLst>
+            <pc:docMk/>
+            <pc:sldMk cId="2259674710" sldId="267"/>
+            <ac:grpSpMk id="8" creationId="{76E119E0-3152-62BD-BDB3-39042BF2F1A5}"/>
+          </ac:grpSpMkLst>
+        </pc:grpChg>
+        <pc:grpChg chg="add mod">
+          <ac:chgData name="Riccardo Berta" userId="c8694f89-bba4-4576-b0a8-456619ca5a8c" providerId="ADAL" clId="{4967B734-A465-2844-BA15-7FBACE49D2F8}" dt="2022-10-04T07:10:41.433" v="450" actId="1076"/>
+          <ac:grpSpMkLst>
+            <pc:docMk/>
+            <pc:sldMk cId="2259674710" sldId="267"/>
+            <ac:grpSpMk id="13" creationId="{06C159A0-B8B5-40E9-02ED-983116530DFD}"/>
+          </ac:grpSpMkLst>
+        </pc:grpChg>
+        <pc:picChg chg="add del mod">
+          <ac:chgData name="Riccardo Berta" userId="c8694f89-bba4-4576-b0a8-456619ca5a8c" providerId="ADAL" clId="{4967B734-A465-2844-BA15-7FBACE49D2F8}" dt="2022-10-04T07:09:16.200" v="426" actId="478"/>
+          <ac:picMkLst>
+            <pc:docMk/>
+            <pc:sldMk cId="2259674710" sldId="267"/>
+            <ac:picMk id="3" creationId="{2ABEDA67-0163-D4F3-A664-9064A870FA11}"/>
+          </ac:picMkLst>
+        </pc:picChg>
+        <pc:picChg chg="add mod">
+          <ac:chgData name="Riccardo Berta" userId="c8694f89-bba4-4576-b0a8-456619ca5a8c" providerId="ADAL" clId="{4967B734-A465-2844-BA15-7FBACE49D2F8}" dt="2022-10-04T07:09:56.780" v="438" actId="164"/>
+          <ac:picMkLst>
+            <pc:docMk/>
+            <pc:sldMk cId="2259674710" sldId="267"/>
+            <ac:picMk id="5" creationId="{32BFCBAB-B883-C97F-EB56-9BCA8EFD7C98}"/>
+          </ac:picMkLst>
+        </pc:picChg>
+        <pc:picChg chg="add mod">
+          <ac:chgData name="Riccardo Berta" userId="c8694f89-bba4-4576-b0a8-456619ca5a8c" providerId="ADAL" clId="{4967B734-A465-2844-BA15-7FBACE49D2F8}" dt="2022-10-04T07:09:56.780" v="438" actId="164"/>
+          <ac:picMkLst>
+            <pc:docMk/>
+            <pc:sldMk cId="2259674710" sldId="267"/>
+            <ac:picMk id="7" creationId="{40DBC67E-51C8-0100-997A-3D832D4D8980}"/>
+          </ac:picMkLst>
+        </pc:picChg>
+        <pc:picChg chg="add mod">
+          <ac:chgData name="Riccardo Berta" userId="c8694f89-bba4-4576-b0a8-456619ca5a8c" providerId="ADAL" clId="{4967B734-A465-2844-BA15-7FBACE49D2F8}" dt="2022-10-04T07:10:38.910" v="449" actId="164"/>
+          <ac:picMkLst>
+            <pc:docMk/>
+            <pc:sldMk cId="2259674710" sldId="267"/>
+            <ac:picMk id="10" creationId="{CE457A6C-F4AE-07DF-22FD-0203427E5E4D}"/>
+          </ac:picMkLst>
+        </pc:picChg>
+        <pc:picChg chg="add mod">
+          <ac:chgData name="Riccardo Berta" userId="c8694f89-bba4-4576-b0a8-456619ca5a8c" providerId="ADAL" clId="{4967B734-A465-2844-BA15-7FBACE49D2F8}" dt="2022-10-04T07:10:38.910" v="449" actId="164"/>
+          <ac:picMkLst>
+            <pc:docMk/>
+            <pc:sldMk cId="2259674710" sldId="267"/>
+            <ac:picMk id="12" creationId="{C697C6E3-A578-4BB5-2F96-37B0F860D0FA}"/>
+          </ac:picMkLst>
+        </pc:picChg>
+      </pc:sldChg>
+      <pc:sldChg chg="addSp delSp modSp add mod ord">
+        <pc:chgData name="Riccardo Berta" userId="c8694f89-bba4-4576-b0a8-456619ca5a8c" providerId="ADAL" clId="{4967B734-A465-2844-BA15-7FBACE49D2F8}" dt="2022-10-04T08:21:03.314" v="615" actId="20577"/>
+        <pc:sldMkLst>
+          <pc:docMk/>
+          <pc:sldMk cId="2756532613" sldId="268"/>
+        </pc:sldMkLst>
+        <pc:spChg chg="mod">
+          <ac:chgData name="Riccardo Berta" userId="c8694f89-bba4-4576-b0a8-456619ca5a8c" providerId="ADAL" clId="{4967B734-A465-2844-BA15-7FBACE49D2F8}" dt="2022-10-04T08:19:34.413" v="566" actId="20577"/>
+          <ac:spMkLst>
+            <pc:docMk/>
+            <pc:sldMk cId="2756532613" sldId="268"/>
+            <ac:spMk id="83" creationId="{00000000-0000-0000-0000-000000000000}"/>
+          </ac:spMkLst>
+        </pc:spChg>
+        <pc:spChg chg="mod">
+          <ac:chgData name="Riccardo Berta" userId="c8694f89-bba4-4576-b0a8-456619ca5a8c" providerId="ADAL" clId="{4967B734-A465-2844-BA15-7FBACE49D2F8}" dt="2022-10-04T08:21:03.314" v="615" actId="20577"/>
+          <ac:spMkLst>
+            <pc:docMk/>
+            <pc:sldMk cId="2756532613" sldId="268"/>
+            <ac:spMk id="84" creationId="{00000000-0000-0000-0000-000000000000}"/>
+          </ac:spMkLst>
+        </pc:spChg>
+        <pc:picChg chg="add del mod">
+          <ac:chgData name="Riccardo Berta" userId="c8694f89-bba4-4576-b0a8-456619ca5a8c" providerId="ADAL" clId="{4967B734-A465-2844-BA15-7FBACE49D2F8}" dt="2022-10-04T08:20:02.584" v="570" actId="21"/>
+          <ac:picMkLst>
+            <pc:docMk/>
+            <pc:sldMk cId="2756532613" sldId="268"/>
+            <ac:picMk id="3" creationId="{98442946-176C-875C-17DD-8426B4357AF0}"/>
+          </ac:picMkLst>
+        </pc:picChg>
+      </pc:sldChg>
+      <pc:sldChg chg="addSp delSp modSp add mod ord">
+        <pc:chgData name="Riccardo Berta" userId="c8694f89-bba4-4576-b0a8-456619ca5a8c" providerId="ADAL" clId="{4967B734-A465-2844-BA15-7FBACE49D2F8}" dt="2022-10-04T08:22:30.428" v="629" actId="20577"/>
+        <pc:sldMkLst>
+          <pc:docMk/>
+          <pc:sldMk cId="3950372499" sldId="269"/>
+        </pc:sldMkLst>
+        <pc:spChg chg="add del mod">
+          <ac:chgData name="Riccardo Berta" userId="c8694f89-bba4-4576-b0a8-456619ca5a8c" providerId="ADAL" clId="{4967B734-A465-2844-BA15-7FBACE49D2F8}" dt="2022-10-04T08:21:20.713" v="620" actId="478"/>
+          <ac:spMkLst>
+            <pc:docMk/>
+            <pc:sldMk cId="3950372499" sldId="269"/>
+            <ac:spMk id="4" creationId="{39E4D033-B0C4-D65C-AF4F-60006E851E46}"/>
+          </ac:spMkLst>
+        </pc:spChg>
+        <pc:spChg chg="mod">
+          <ac:chgData name="Riccardo Berta" userId="c8694f89-bba4-4576-b0a8-456619ca5a8c" providerId="ADAL" clId="{4967B734-A465-2844-BA15-7FBACE49D2F8}" dt="2022-10-04T08:22:30.428" v="629" actId="20577"/>
+          <ac:spMkLst>
+            <pc:docMk/>
+            <pc:sldMk cId="3950372499" sldId="269"/>
+            <ac:spMk id="83" creationId="{00000000-0000-0000-0000-000000000000}"/>
+          </ac:spMkLst>
+        </pc:spChg>
+        <pc:spChg chg="del">
+          <ac:chgData name="Riccardo Berta" userId="c8694f89-bba4-4576-b0a8-456619ca5a8c" providerId="ADAL" clId="{4967B734-A465-2844-BA15-7FBACE49D2F8}" dt="2022-10-04T08:21:12.185" v="617" actId="478"/>
+          <ac:spMkLst>
+            <pc:docMk/>
+            <pc:sldMk cId="3950372499" sldId="269"/>
+            <ac:spMk id="84" creationId="{00000000-0000-0000-0000-000000000000}"/>
+          </ac:spMkLst>
+        </pc:spChg>
+        <pc:picChg chg="add del mod modCrop">
+          <ac:chgData name="Riccardo Berta" userId="c8694f89-bba4-4576-b0a8-456619ca5a8c" providerId="ADAL" clId="{4967B734-A465-2844-BA15-7FBACE49D2F8}" dt="2022-10-04T08:22:28.190" v="625" actId="1076"/>
+          <ac:picMkLst>
+            <pc:docMk/>
+            <pc:sldMk cId="3950372499" sldId="269"/>
+            <ac:picMk id="2" creationId="{DD7459EB-2FB9-EE3F-1B0C-BEEC31DF7753}"/>
+          </ac:picMkLst>
+        </pc:picChg>
+      </pc:sldChg>
+      <pc:sldChg chg="addSp delSp modSp add mod">
+        <pc:chgData name="Riccardo Berta" userId="c8694f89-bba4-4576-b0a8-456619ca5a8c" providerId="ADAL" clId="{4967B734-A465-2844-BA15-7FBACE49D2F8}" dt="2022-10-04T08:30:10.946" v="871" actId="1076"/>
+        <pc:sldMkLst>
+          <pc:docMk/>
+          <pc:sldMk cId="3668836689" sldId="270"/>
+        </pc:sldMkLst>
+        <pc:spChg chg="add del mod">
+          <ac:chgData name="Riccardo Berta" userId="c8694f89-bba4-4576-b0a8-456619ca5a8c" providerId="ADAL" clId="{4967B734-A465-2844-BA15-7FBACE49D2F8}" dt="2022-10-04T08:28:59.088" v="849" actId="478"/>
+          <ac:spMkLst>
+            <pc:docMk/>
+            <pc:sldMk cId="3668836689" sldId="270"/>
+            <ac:spMk id="3" creationId="{ADD0BEAE-9DF8-C7CC-E5FD-45BD4BBED0AD}"/>
+          </ac:spMkLst>
+        </pc:spChg>
+        <pc:spChg chg="mod">
+          <ac:chgData name="Riccardo Berta" userId="c8694f89-bba4-4576-b0a8-456619ca5a8c" providerId="ADAL" clId="{4967B734-A465-2844-BA15-7FBACE49D2F8}" dt="2022-10-04T08:29:04.981" v="863" actId="20577"/>
+          <ac:spMkLst>
+            <pc:docMk/>
+            <pc:sldMk cId="3668836689" sldId="270"/>
+            <ac:spMk id="83" creationId="{00000000-0000-0000-0000-000000000000}"/>
+          </ac:spMkLst>
+        </pc:spChg>
+        <pc:spChg chg="del">
+          <ac:chgData name="Riccardo Berta" userId="c8694f89-bba4-4576-b0a8-456619ca5a8c" providerId="ADAL" clId="{4967B734-A465-2844-BA15-7FBACE49D2F8}" dt="2022-10-04T08:28:56.705" v="848" actId="478"/>
+          <ac:spMkLst>
+            <pc:docMk/>
+            <pc:sldMk cId="3668836689" sldId="270"/>
+            <ac:spMk id="84" creationId="{00000000-0000-0000-0000-000000000000}"/>
+          </ac:spMkLst>
+        </pc:spChg>
+        <pc:picChg chg="add mod modCrop">
+          <ac:chgData name="Riccardo Berta" userId="c8694f89-bba4-4576-b0a8-456619ca5a8c" providerId="ADAL" clId="{4967B734-A465-2844-BA15-7FBACE49D2F8}" dt="2022-10-04T08:30:10.946" v="871" actId="1076"/>
+          <ac:picMkLst>
+            <pc:docMk/>
+            <pc:sldMk cId="3668836689" sldId="270"/>
+            <ac:picMk id="4" creationId="{577B3EB2-1884-58A5-AA7F-C288CC12280D}"/>
+          </ac:picMkLst>
+        </pc:picChg>
+      </pc:sldChg>
+      <pc:sldChg chg="addSp modSp add mod">
+        <pc:chgData name="Riccardo Berta" userId="c8694f89-bba4-4576-b0a8-456619ca5a8c" providerId="ADAL" clId="{4967B734-A465-2844-BA15-7FBACE49D2F8}" dt="2022-10-04T08:33:08.776" v="912" actId="1076"/>
+        <pc:sldMkLst>
+          <pc:docMk/>
+          <pc:sldMk cId="1894295752" sldId="271"/>
+        </pc:sldMkLst>
+        <pc:spChg chg="mod">
+          <ac:chgData name="Riccardo Berta" userId="c8694f89-bba4-4576-b0a8-456619ca5a8c" providerId="ADAL" clId="{4967B734-A465-2844-BA15-7FBACE49D2F8}" dt="2022-10-04T08:30:25.791" v="874" actId="20577"/>
+          <ac:spMkLst>
+            <pc:docMk/>
+            <pc:sldMk cId="1894295752" sldId="271"/>
+            <ac:spMk id="83" creationId="{00000000-0000-0000-0000-000000000000}"/>
+          </ac:spMkLst>
+        </pc:spChg>
+        <pc:spChg chg="mod">
+          <ac:chgData name="Riccardo Berta" userId="c8694f89-bba4-4576-b0a8-456619ca5a8c" providerId="ADAL" clId="{4967B734-A465-2844-BA15-7FBACE49D2F8}" dt="2022-10-04T08:33:01.838" v="909" actId="1035"/>
+          <ac:spMkLst>
+            <pc:docMk/>
+            <pc:sldMk cId="1894295752" sldId="271"/>
+            <ac:spMk id="84" creationId="{00000000-0000-0000-0000-000000000000}"/>
+          </ac:spMkLst>
+        </pc:spChg>
+        <pc:picChg chg="add mod">
+          <ac:chgData name="Riccardo Berta" userId="c8694f89-bba4-4576-b0a8-456619ca5a8c" providerId="ADAL" clId="{4967B734-A465-2844-BA15-7FBACE49D2F8}" dt="2022-10-04T08:33:08.776" v="912" actId="1076"/>
+          <ac:picMkLst>
+            <pc:docMk/>
+            <pc:sldMk cId="1894295752" sldId="271"/>
+            <ac:picMk id="3" creationId="{B5A2D85B-25EA-51CE-30EE-5FCC2A5BCEE7}"/>
+          </ac:picMkLst>
+        </pc:picChg>
+      </pc:sldChg>
+      <pc:sldChg chg="del">
+        <pc:chgData name="Riccardo Berta" userId="c8694f89-bba4-4576-b0a8-456619ca5a8c" providerId="ADAL" clId="{4967B734-A465-2844-BA15-7FBACE49D2F8}" dt="2022-10-04T06:54:05.175" v="54" actId="2696"/>
+        <pc:sldMkLst>
+          <pc:docMk/>
+          <pc:sldMk cId="1942012932" sldId="271"/>
+        </pc:sldMkLst>
+      </pc:sldChg>
+      <pc:sldChg chg="addSp modSp add mod">
+        <pc:chgData name="Riccardo Berta" userId="c8694f89-bba4-4576-b0a8-456619ca5a8c" providerId="ADAL" clId="{4967B734-A465-2844-BA15-7FBACE49D2F8}" dt="2022-10-05T05:45:21.155" v="2636" actId="20577"/>
+        <pc:sldMkLst>
+          <pc:docMk/>
+          <pc:sldMk cId="732868139" sldId="272"/>
+        </pc:sldMkLst>
+        <pc:spChg chg="mod">
+          <ac:chgData name="Riccardo Berta" userId="c8694f89-bba4-4576-b0a8-456619ca5a8c" providerId="ADAL" clId="{4967B734-A465-2844-BA15-7FBACE49D2F8}" dt="2022-10-04T08:33:38.186" v="939" actId="20577"/>
+          <ac:spMkLst>
+            <pc:docMk/>
+            <pc:sldMk cId="732868139" sldId="272"/>
+            <ac:spMk id="83" creationId="{00000000-0000-0000-0000-000000000000}"/>
+          </ac:spMkLst>
+        </pc:spChg>
+        <pc:spChg chg="mod">
+          <ac:chgData name="Riccardo Berta" userId="c8694f89-bba4-4576-b0a8-456619ca5a8c" providerId="ADAL" clId="{4967B734-A465-2844-BA15-7FBACE49D2F8}" dt="2022-10-05T05:45:21.155" v="2636" actId="20577"/>
+          <ac:spMkLst>
+            <pc:docMk/>
+            <pc:sldMk cId="732868139" sldId="272"/>
+            <ac:spMk id="84" creationId="{00000000-0000-0000-0000-000000000000}"/>
+          </ac:spMkLst>
+        </pc:spChg>
+        <pc:picChg chg="add mod">
+          <ac:chgData name="Riccardo Berta" userId="c8694f89-bba4-4576-b0a8-456619ca5a8c" providerId="ADAL" clId="{4967B734-A465-2844-BA15-7FBACE49D2F8}" dt="2022-10-04T08:36:29.105" v="1008" actId="1076"/>
+          <ac:picMkLst>
+            <pc:docMk/>
+            <pc:sldMk cId="732868139" sldId="272"/>
+            <ac:picMk id="3" creationId="{06C364F7-5AEB-D00D-6586-D30FF7199764}"/>
+          </ac:picMkLst>
+        </pc:picChg>
+      </pc:sldChg>
+      <pc:sldChg chg="addSp delSp modSp add mod">
+        <pc:chgData name="Riccardo Berta" userId="c8694f89-bba4-4576-b0a8-456619ca5a8c" providerId="ADAL" clId="{4967B734-A465-2844-BA15-7FBACE49D2F8}" dt="2022-10-04T08:54:59.469" v="1509" actId="20577"/>
+        <pc:sldMkLst>
+          <pc:docMk/>
+          <pc:sldMk cId="3859598341" sldId="273"/>
+        </pc:sldMkLst>
+        <pc:spChg chg="add del">
+          <ac:chgData name="Riccardo Berta" userId="c8694f89-bba4-4576-b0a8-456619ca5a8c" providerId="ADAL" clId="{4967B734-A465-2844-BA15-7FBACE49D2F8}" dt="2022-10-04T08:40:47.038" v="1073" actId="478"/>
+          <ac:spMkLst>
+            <pc:docMk/>
+            <pc:sldMk cId="3859598341" sldId="273"/>
+            <ac:spMk id="5" creationId="{4BD7BBB3-7BD1-8528-AAC5-76102E39DEBE}"/>
+          </ac:spMkLst>
+        </pc:spChg>
+        <pc:spChg chg="mod">
+          <ac:chgData name="Riccardo Berta" userId="c8694f89-bba4-4576-b0a8-456619ca5a8c" providerId="ADAL" clId="{4967B734-A465-2844-BA15-7FBACE49D2F8}" dt="2022-10-04T08:54:59.469" v="1509" actId="20577"/>
+          <ac:spMkLst>
+            <pc:docMk/>
+            <pc:sldMk cId="3859598341" sldId="273"/>
+            <ac:spMk id="83" creationId="{00000000-0000-0000-0000-000000000000}"/>
+          </ac:spMkLst>
+        </pc:spChg>
+        <pc:spChg chg="mod">
+          <ac:chgData name="Riccardo Berta" userId="c8694f89-bba4-4576-b0a8-456619ca5a8c" providerId="ADAL" clId="{4967B734-A465-2844-BA15-7FBACE49D2F8}" dt="2022-10-04T08:50:37.924" v="1412" actId="113"/>
+          <ac:spMkLst>
+            <pc:docMk/>
+            <pc:sldMk cId="3859598341" sldId="273"/>
+            <ac:spMk id="84" creationId="{00000000-0000-0000-0000-000000000000}"/>
+          </ac:spMkLst>
+        </pc:spChg>
+        <pc:picChg chg="add del mod">
+          <ac:chgData name="Riccardo Berta" userId="c8694f89-bba4-4576-b0a8-456619ca5a8c" providerId="ADAL" clId="{4967B734-A465-2844-BA15-7FBACE49D2F8}" dt="2022-10-04T08:40:42.684" v="1072" actId="478"/>
+          <ac:picMkLst>
+            <pc:docMk/>
+            <pc:sldMk cId="3859598341" sldId="273"/>
+            <ac:picMk id="3" creationId="{20386706-AA10-6FE6-3018-AE4EEDC01050}"/>
+          </ac:picMkLst>
+        </pc:picChg>
+        <pc:picChg chg="add mod">
+          <ac:chgData name="Riccardo Berta" userId="c8694f89-bba4-4576-b0a8-456619ca5a8c" providerId="ADAL" clId="{4967B734-A465-2844-BA15-7FBACE49D2F8}" dt="2022-10-04T08:50:21.355" v="1410" actId="1076"/>
+          <ac:picMkLst>
+            <pc:docMk/>
+            <pc:sldMk cId="3859598341" sldId="273"/>
+            <ac:picMk id="7" creationId="{3AA9CA5E-B11C-5354-F133-CC2410A67F28}"/>
+          </ac:picMkLst>
+        </pc:picChg>
+      </pc:sldChg>
+      <pc:sldChg chg="addSp modSp add mod">
+        <pc:chgData name="Riccardo Berta" userId="c8694f89-bba4-4576-b0a8-456619ca5a8c" providerId="ADAL" clId="{4967B734-A465-2844-BA15-7FBACE49D2F8}" dt="2022-10-04T08:55:10.050" v="1510" actId="1076"/>
+        <pc:sldMkLst>
+          <pc:docMk/>
+          <pc:sldMk cId="2213323745" sldId="274"/>
+        </pc:sldMkLst>
+        <pc:spChg chg="mod">
+          <ac:chgData name="Riccardo Berta" userId="c8694f89-bba4-4576-b0a8-456619ca5a8c" providerId="ADAL" clId="{4967B734-A465-2844-BA15-7FBACE49D2F8}" dt="2022-10-04T08:54:47.815" v="1503" actId="20577"/>
+          <ac:spMkLst>
+            <pc:docMk/>
+            <pc:sldMk cId="2213323745" sldId="274"/>
+            <ac:spMk id="83" creationId="{00000000-0000-0000-0000-000000000000}"/>
+          </ac:spMkLst>
+        </pc:spChg>
+        <pc:spChg chg="mod">
+          <ac:chgData name="Riccardo Berta" userId="c8694f89-bba4-4576-b0a8-456619ca5a8c" providerId="ADAL" clId="{4967B734-A465-2844-BA15-7FBACE49D2F8}" dt="2022-10-04T08:54:36.556" v="1475" actId="5793"/>
+          <ac:spMkLst>
+            <pc:docMk/>
+            <pc:sldMk cId="2213323745" sldId="274"/>
+            <ac:spMk id="84" creationId="{00000000-0000-0000-0000-000000000000}"/>
+          </ac:spMkLst>
+        </pc:spChg>
+        <pc:picChg chg="add mod">
+          <ac:chgData name="Riccardo Berta" userId="c8694f89-bba4-4576-b0a8-456619ca5a8c" providerId="ADAL" clId="{4967B734-A465-2844-BA15-7FBACE49D2F8}" dt="2022-10-04T08:55:10.050" v="1510" actId="1076"/>
+          <ac:picMkLst>
+            <pc:docMk/>
+            <pc:sldMk cId="2213323745" sldId="274"/>
+            <ac:picMk id="3" creationId="{DC8EA310-4CEB-F6CD-8EBA-90EBC000E7D0}"/>
+          </ac:picMkLst>
+        </pc:picChg>
+      </pc:sldChg>
+      <pc:sldChg chg="del">
+        <pc:chgData name="Riccardo Berta" userId="c8694f89-bba4-4576-b0a8-456619ca5a8c" providerId="ADAL" clId="{4967B734-A465-2844-BA15-7FBACE49D2F8}" dt="2022-10-04T06:54:05.569" v="55" actId="2696"/>
+        <pc:sldMkLst>
+          <pc:docMk/>
+          <pc:sldMk cId="2759966790" sldId="274"/>
+        </pc:sldMkLst>
+      </pc:sldChg>
+      <pc:sldChg chg="addSp modSp add mod">
+        <pc:chgData name="Riccardo Berta" userId="c8694f89-bba4-4576-b0a8-456619ca5a8c" providerId="ADAL" clId="{4967B734-A465-2844-BA15-7FBACE49D2F8}" dt="2022-10-10T05:36:43.547" v="2688" actId="20577"/>
+        <pc:sldMkLst>
+          <pc:docMk/>
+          <pc:sldMk cId="303121765" sldId="275"/>
+        </pc:sldMkLst>
+        <pc:spChg chg="mod">
+          <ac:chgData name="Riccardo Berta" userId="c8694f89-bba4-4576-b0a8-456619ca5a8c" providerId="ADAL" clId="{4967B734-A465-2844-BA15-7FBACE49D2F8}" dt="2022-10-04T08:56:19.042" v="1513"/>
+          <ac:spMkLst>
+            <pc:docMk/>
+            <pc:sldMk cId="303121765" sldId="275"/>
+            <ac:spMk id="83" creationId="{00000000-0000-0000-0000-000000000000}"/>
+          </ac:spMkLst>
+        </pc:spChg>
+        <pc:spChg chg="mod">
+          <ac:chgData name="Riccardo Berta" userId="c8694f89-bba4-4576-b0a8-456619ca5a8c" providerId="ADAL" clId="{4967B734-A465-2844-BA15-7FBACE49D2F8}" dt="2022-10-10T05:36:43.547" v="2688" actId="20577"/>
+          <ac:spMkLst>
+            <pc:docMk/>
+            <pc:sldMk cId="303121765" sldId="275"/>
+            <ac:spMk id="84" creationId="{00000000-0000-0000-0000-000000000000}"/>
+          </ac:spMkLst>
+        </pc:spChg>
+        <pc:picChg chg="add mod">
+          <ac:chgData name="Riccardo Berta" userId="c8694f89-bba4-4576-b0a8-456619ca5a8c" providerId="ADAL" clId="{4967B734-A465-2844-BA15-7FBACE49D2F8}" dt="2022-10-04T09:29:01.183" v="1661" actId="1076"/>
+          <ac:picMkLst>
+            <pc:docMk/>
+            <pc:sldMk cId="303121765" sldId="275"/>
+            <ac:picMk id="3" creationId="{1558432E-BB9A-36EE-DEE9-411FA3BCAAC6}"/>
+          </ac:picMkLst>
+        </pc:picChg>
+        <pc:picChg chg="add mod">
+          <ac:chgData name="Riccardo Berta" userId="c8694f89-bba4-4576-b0a8-456619ca5a8c" providerId="ADAL" clId="{4967B734-A465-2844-BA15-7FBACE49D2F8}" dt="2022-10-04T09:29:10.609" v="1671" actId="1076"/>
+          <ac:picMkLst>
+            <pc:docMk/>
+            <pc:sldMk cId="303121765" sldId="275"/>
+            <ac:picMk id="5" creationId="{AFA7E6B6-E78E-79EF-CB15-0348F1C7B395}"/>
+          </ac:picMkLst>
+        </pc:picChg>
+      </pc:sldChg>
+      <pc:sldChg chg="del">
+        <pc:chgData name="Riccardo Berta" userId="c8694f89-bba4-4576-b0a8-456619ca5a8c" providerId="ADAL" clId="{4967B734-A465-2844-BA15-7FBACE49D2F8}" dt="2022-10-04T06:54:06.082" v="56" actId="2696"/>
+        <pc:sldMkLst>
+          <pc:docMk/>
+          <pc:sldMk cId="3965473342" sldId="275"/>
+        </pc:sldMkLst>
+      </pc:sldChg>
+      <pc:sldChg chg="addSp modSp add mod">
+        <pc:chgData name="Riccardo Berta" userId="c8694f89-bba4-4576-b0a8-456619ca5a8c" providerId="ADAL" clId="{4967B734-A465-2844-BA15-7FBACE49D2F8}" dt="2022-10-04T09:35:09.338" v="1844" actId="113"/>
+        <pc:sldMkLst>
+          <pc:docMk/>
+          <pc:sldMk cId="2020526202" sldId="276"/>
+        </pc:sldMkLst>
+        <pc:spChg chg="mod">
+          <ac:chgData name="Riccardo Berta" userId="c8694f89-bba4-4576-b0a8-456619ca5a8c" providerId="ADAL" clId="{4967B734-A465-2844-BA15-7FBACE49D2F8}" dt="2022-10-04T09:29:30.015" v="1699" actId="20577"/>
+          <ac:spMkLst>
+            <pc:docMk/>
+            <pc:sldMk cId="2020526202" sldId="276"/>
+            <ac:spMk id="83" creationId="{00000000-0000-0000-0000-000000000000}"/>
+          </ac:spMkLst>
+        </pc:spChg>
+        <pc:spChg chg="mod">
+          <ac:chgData name="Riccardo Berta" userId="c8694f89-bba4-4576-b0a8-456619ca5a8c" providerId="ADAL" clId="{4967B734-A465-2844-BA15-7FBACE49D2F8}" dt="2022-10-04T09:35:09.338" v="1844" actId="113"/>
+          <ac:spMkLst>
+            <pc:docMk/>
+            <pc:sldMk cId="2020526202" sldId="276"/>
+            <ac:spMk id="84" creationId="{00000000-0000-0000-0000-000000000000}"/>
+          </ac:spMkLst>
+        </pc:spChg>
+        <pc:picChg chg="add mod">
+          <ac:chgData name="Riccardo Berta" userId="c8694f89-bba4-4576-b0a8-456619ca5a8c" providerId="ADAL" clId="{4967B734-A465-2844-BA15-7FBACE49D2F8}" dt="2022-10-04T09:34:22.336" v="1806" actId="1076"/>
+          <ac:picMkLst>
+            <pc:docMk/>
+            <pc:sldMk cId="2020526202" sldId="276"/>
+            <ac:picMk id="3" creationId="{88ECFE04-FF14-52F4-A978-DE862D655546}"/>
+          </ac:picMkLst>
+        </pc:picChg>
+      </pc:sldChg>
+      <pc:sldChg chg="del">
+        <pc:chgData name="Riccardo Berta" userId="c8694f89-bba4-4576-b0a8-456619ca5a8c" providerId="ADAL" clId="{4967B734-A465-2844-BA15-7FBACE49D2F8}" dt="2022-10-04T06:54:06.650" v="57" actId="2696"/>
+        <pc:sldMkLst>
+          <pc:docMk/>
+          <pc:sldMk cId="3364334937" sldId="276"/>
+        </pc:sldMkLst>
+      </pc:sldChg>
+      <pc:sldChg chg="del">
+        <pc:chgData name="Riccardo Berta" userId="c8694f89-bba4-4576-b0a8-456619ca5a8c" providerId="ADAL" clId="{4967B734-A465-2844-BA15-7FBACE49D2F8}" dt="2022-10-04T06:54:07.117" v="58" actId="2696"/>
+        <pc:sldMkLst>
+          <pc:docMk/>
+          <pc:sldMk cId="2920432797" sldId="277"/>
+        </pc:sldMkLst>
+      </pc:sldChg>
+      <pc:sldChg chg="addSp modSp add mod">
+        <pc:chgData name="Riccardo Berta" userId="c8694f89-bba4-4576-b0a8-456619ca5a8c" providerId="ADAL" clId="{4967B734-A465-2844-BA15-7FBACE49D2F8}" dt="2022-10-10T05:38:42.742" v="2693" actId="20577"/>
+        <pc:sldMkLst>
+          <pc:docMk/>
+          <pc:sldMk cId="3156887330" sldId="277"/>
+        </pc:sldMkLst>
+        <pc:spChg chg="mod">
+          <ac:chgData name="Riccardo Berta" userId="c8694f89-bba4-4576-b0a8-456619ca5a8c" providerId="ADAL" clId="{4967B734-A465-2844-BA15-7FBACE49D2F8}" dt="2022-10-04T09:34:47.105" v="1828" actId="20577"/>
+          <ac:spMkLst>
+            <pc:docMk/>
+            <pc:sldMk cId="3156887330" sldId="277"/>
+            <ac:spMk id="83" creationId="{00000000-0000-0000-0000-000000000000}"/>
+          </ac:spMkLst>
+        </pc:spChg>
+        <pc:spChg chg="mod">
+          <ac:chgData name="Riccardo Berta" userId="c8694f89-bba4-4576-b0a8-456619ca5a8c" providerId="ADAL" clId="{4967B734-A465-2844-BA15-7FBACE49D2F8}" dt="2022-10-10T05:38:42.742" v="2693" actId="20577"/>
+          <ac:spMkLst>
+            <pc:docMk/>
+            <pc:sldMk cId="3156887330" sldId="277"/>
+            <ac:spMk id="84" creationId="{00000000-0000-0000-0000-000000000000}"/>
+          </ac:spMkLst>
+        </pc:spChg>
+        <pc:picChg chg="add mod">
+          <ac:chgData name="Riccardo Berta" userId="c8694f89-bba4-4576-b0a8-456619ca5a8c" providerId="ADAL" clId="{4967B734-A465-2844-BA15-7FBACE49D2F8}" dt="2022-10-04T09:39:19.764" v="1943" actId="1076"/>
+          <ac:picMkLst>
+            <pc:docMk/>
+            <pc:sldMk cId="3156887330" sldId="277"/>
+            <ac:picMk id="3" creationId="{EC767993-3E78-5F54-36E2-E40875AD49A1}"/>
+          </ac:picMkLst>
+        </pc:picChg>
+      </pc:sldChg>
+      <pc:sldChg chg="addSp modSp add mod">
+        <pc:chgData name="Riccardo Berta" userId="c8694f89-bba4-4576-b0a8-456619ca5a8c" providerId="ADAL" clId="{4967B734-A465-2844-BA15-7FBACE49D2F8}" dt="2022-10-04T09:50:43.485" v="2061" actId="1076"/>
+        <pc:sldMkLst>
+          <pc:docMk/>
+          <pc:sldMk cId="1586284290" sldId="278"/>
+        </pc:sldMkLst>
+        <pc:spChg chg="mod">
+          <ac:chgData name="Riccardo Berta" userId="c8694f89-bba4-4576-b0a8-456619ca5a8c" providerId="ADAL" clId="{4967B734-A465-2844-BA15-7FBACE49D2F8}" dt="2022-10-04T09:39:46.696" v="1972" actId="20577"/>
+          <ac:spMkLst>
+            <pc:docMk/>
+            <pc:sldMk cId="1586284290" sldId="278"/>
+            <ac:spMk id="83" creationId="{00000000-0000-0000-0000-000000000000}"/>
+          </ac:spMkLst>
+        </pc:spChg>
+        <pc:spChg chg="mod">
+          <ac:chgData name="Riccardo Berta" userId="c8694f89-bba4-4576-b0a8-456619ca5a8c" providerId="ADAL" clId="{4967B734-A465-2844-BA15-7FBACE49D2F8}" dt="2022-10-04T09:50:25.842" v="2059" actId="20577"/>
+          <ac:spMkLst>
+            <pc:docMk/>
+            <pc:sldMk cId="1586284290" sldId="278"/>
+            <ac:spMk id="84" creationId="{00000000-0000-0000-0000-000000000000}"/>
+          </ac:spMkLst>
+        </pc:spChg>
+        <pc:picChg chg="add mod modCrop">
+          <ac:chgData name="Riccardo Berta" userId="c8694f89-bba4-4576-b0a8-456619ca5a8c" providerId="ADAL" clId="{4967B734-A465-2844-BA15-7FBACE49D2F8}" dt="2022-10-04T09:48:54.619" v="2028" actId="1076"/>
+          <ac:picMkLst>
+            <pc:docMk/>
+            <pc:sldMk cId="1586284290" sldId="278"/>
+            <ac:picMk id="3" creationId="{EC904396-95B0-3596-C30B-F4DAD67A93A0}"/>
+          </ac:picMkLst>
+        </pc:picChg>
+        <pc:picChg chg="add mod">
+          <ac:chgData name="Riccardo Berta" userId="c8694f89-bba4-4576-b0a8-456619ca5a8c" providerId="ADAL" clId="{4967B734-A465-2844-BA15-7FBACE49D2F8}" dt="2022-10-04T09:50:43.485" v="2061" actId="1076"/>
+          <ac:picMkLst>
+            <pc:docMk/>
+            <pc:sldMk cId="1586284290" sldId="278"/>
+            <ac:picMk id="5" creationId="{F263AB65-02BC-B30C-60E2-24FB398F2F09}"/>
+          </ac:picMkLst>
+        </pc:picChg>
+      </pc:sldChg>
+      <pc:sldChg chg="del">
+        <pc:chgData name="Riccardo Berta" userId="c8694f89-bba4-4576-b0a8-456619ca5a8c" providerId="ADAL" clId="{4967B734-A465-2844-BA15-7FBACE49D2F8}" dt="2022-10-04T06:54:07.594" v="59" actId="2696"/>
+        <pc:sldMkLst>
+          <pc:docMk/>
+          <pc:sldMk cId="3024273348" sldId="278"/>
+        </pc:sldMkLst>
+      </pc:sldChg>
+      <pc:sldChg chg="del">
+        <pc:chgData name="Riccardo Berta" userId="c8694f89-bba4-4576-b0a8-456619ca5a8c" providerId="ADAL" clId="{4967B734-A465-2844-BA15-7FBACE49D2F8}" dt="2022-10-04T06:54:08.017" v="60" actId="2696"/>
+        <pc:sldMkLst>
+          <pc:docMk/>
+          <pc:sldMk cId="2505677359" sldId="279"/>
+        </pc:sldMkLst>
+      </pc:sldChg>
+      <pc:sldChg chg="modSp add mod">
+        <pc:chgData name="Riccardo Berta" userId="c8694f89-bba4-4576-b0a8-456619ca5a8c" providerId="ADAL" clId="{4967B734-A465-2844-BA15-7FBACE49D2F8}" dt="2022-10-04T09:56:29.719" v="2268" actId="404"/>
+        <pc:sldMkLst>
+          <pc:docMk/>
+          <pc:sldMk cId="2677523252" sldId="279"/>
+        </pc:sldMkLst>
+        <pc:spChg chg="mod">
+          <ac:chgData name="Riccardo Berta" userId="c8694f89-bba4-4576-b0a8-456619ca5a8c" providerId="ADAL" clId="{4967B734-A465-2844-BA15-7FBACE49D2F8}" dt="2022-10-04T09:51:16.166" v="2076" actId="20577"/>
+          <ac:spMkLst>
+            <pc:docMk/>
+            <pc:sldMk cId="2677523252" sldId="279"/>
+            <ac:spMk id="83" creationId="{00000000-0000-0000-0000-000000000000}"/>
+          </ac:spMkLst>
+        </pc:spChg>
+        <pc:spChg chg="mod">
+          <ac:chgData name="Riccardo Berta" userId="c8694f89-bba4-4576-b0a8-456619ca5a8c" providerId="ADAL" clId="{4967B734-A465-2844-BA15-7FBACE49D2F8}" dt="2022-10-04T09:56:29.719" v="2268" actId="404"/>
+          <ac:spMkLst>
+            <pc:docMk/>
+            <pc:sldMk cId="2677523252" sldId="279"/>
+            <ac:spMk id="84" creationId="{00000000-0000-0000-0000-000000000000}"/>
+          </ac:spMkLst>
+        </pc:spChg>
+      </pc:sldChg>
+      <pc:sldChg chg="addSp delSp modSp add mod">
+        <pc:chgData name="Riccardo Berta" userId="c8694f89-bba4-4576-b0a8-456619ca5a8c" providerId="ADAL" clId="{4967B734-A465-2844-BA15-7FBACE49D2F8}" dt="2022-10-10T05:41:52.141" v="2700" actId="1036"/>
+        <pc:sldMkLst>
+          <pc:docMk/>
+          <pc:sldMk cId="635836889" sldId="280"/>
+        </pc:sldMkLst>
+        <pc:spChg chg="add del mod">
+          <ac:chgData name="Riccardo Berta" userId="c8694f89-bba4-4576-b0a8-456619ca5a8c" providerId="ADAL" clId="{4967B734-A465-2844-BA15-7FBACE49D2F8}" dt="2022-10-04T10:06:24.142" v="2388"/>
+          <ac:spMkLst>
+            <pc:docMk/>
+            <pc:sldMk cId="635836889" sldId="280"/>
+            <ac:spMk id="4" creationId="{CD5234B4-8570-26AF-D55A-23B29365C2EC}"/>
+          </ac:spMkLst>
+        </pc:spChg>
+        <pc:spChg chg="mod">
+          <ac:chgData name="Riccardo Berta" userId="c8694f89-bba4-4576-b0a8-456619ca5a8c" providerId="ADAL" clId="{4967B734-A465-2844-BA15-7FBACE49D2F8}" dt="2022-10-04T10:04:00.493" v="2348" actId="20577"/>
+          <ac:spMkLst>
+            <pc:docMk/>
+            <pc:sldMk cId="635836889" sldId="280"/>
+            <ac:spMk id="83" creationId="{00000000-0000-0000-0000-000000000000}"/>
+          </ac:spMkLst>
+        </pc:spChg>
+        <pc:spChg chg="mod">
+          <ac:chgData name="Riccardo Berta" userId="c8694f89-bba4-4576-b0a8-456619ca5a8c" providerId="ADAL" clId="{4967B734-A465-2844-BA15-7FBACE49D2F8}" dt="2022-10-10T05:41:42.757" v="2695" actId="20577"/>
+          <ac:spMkLst>
+            <pc:docMk/>
+            <pc:sldMk cId="635836889" sldId="280"/>
+            <ac:spMk id="84" creationId="{00000000-0000-0000-0000-000000000000}"/>
+          </ac:spMkLst>
+        </pc:spChg>
+        <pc:picChg chg="add mod">
+          <ac:chgData name="Riccardo Berta" userId="c8694f89-bba4-4576-b0a8-456619ca5a8c" providerId="ADAL" clId="{4967B734-A465-2844-BA15-7FBACE49D2F8}" dt="2022-10-10T05:41:52.141" v="2700" actId="1036"/>
+          <ac:picMkLst>
+            <pc:docMk/>
+            <pc:sldMk cId="635836889" sldId="280"/>
+            <ac:picMk id="3" creationId="{9D698964-6810-0A38-210E-1AC551FB61ED}"/>
+          </ac:picMkLst>
+        </pc:picChg>
+      </pc:sldChg>
+      <pc:sldChg chg="del">
+        <pc:chgData name="Riccardo Berta" userId="c8694f89-bba4-4576-b0a8-456619ca5a8c" providerId="ADAL" clId="{4967B734-A465-2844-BA15-7FBACE49D2F8}" dt="2022-10-04T06:54:08.481" v="61" actId="2696"/>
+        <pc:sldMkLst>
+          <pc:docMk/>
+          <pc:sldMk cId="3525330065" sldId="280"/>
+        </pc:sldMkLst>
+      </pc:sldChg>
+      <pc:sldChg chg="del">
+        <pc:chgData name="Riccardo Berta" userId="c8694f89-bba4-4576-b0a8-456619ca5a8c" providerId="ADAL" clId="{4967B734-A465-2844-BA15-7FBACE49D2F8}" dt="2022-10-04T06:54:08.911" v="62" actId="2696"/>
+        <pc:sldMkLst>
+          <pc:docMk/>
+          <pc:sldMk cId="349541788" sldId="281"/>
+        </pc:sldMkLst>
+      </pc:sldChg>
+      <pc:sldChg chg="addSp modSp add mod">
+        <pc:chgData name="Riccardo Berta" userId="c8694f89-bba4-4576-b0a8-456619ca5a8c" providerId="ADAL" clId="{4967B734-A465-2844-BA15-7FBACE49D2F8}" dt="2022-10-04T10:06:15.809" v="2385" actId="1076"/>
+        <pc:sldMkLst>
+          <pc:docMk/>
+          <pc:sldMk cId="2288803032" sldId="281"/>
+        </pc:sldMkLst>
+        <pc:spChg chg="mod">
+          <ac:chgData name="Riccardo Berta" userId="c8694f89-bba4-4576-b0a8-456619ca5a8c" providerId="ADAL" clId="{4967B734-A465-2844-BA15-7FBACE49D2F8}" dt="2022-10-04T10:04:07.647" v="2351" actId="20577"/>
+          <ac:spMkLst>
+            <pc:docMk/>
+            <pc:sldMk cId="2288803032" sldId="281"/>
+            <ac:spMk id="83" creationId="{00000000-0000-0000-0000-000000000000}"/>
+          </ac:spMkLst>
+        </pc:spChg>
+        <pc:spChg chg="mod">
+          <ac:chgData name="Riccardo Berta" userId="c8694f89-bba4-4576-b0a8-456619ca5a8c" providerId="ADAL" clId="{4967B734-A465-2844-BA15-7FBACE49D2F8}" dt="2022-10-04T10:06:05.744" v="2382" actId="113"/>
+          <ac:spMkLst>
+            <pc:docMk/>
+            <pc:sldMk cId="2288803032" sldId="281"/>
+            <ac:spMk id="84" creationId="{00000000-0000-0000-0000-000000000000}"/>
+          </ac:spMkLst>
+        </pc:spChg>
+        <pc:picChg chg="add mod">
+          <ac:chgData name="Riccardo Berta" userId="c8694f89-bba4-4576-b0a8-456619ca5a8c" providerId="ADAL" clId="{4967B734-A465-2844-BA15-7FBACE49D2F8}" dt="2022-10-04T10:06:15.809" v="2385" actId="1076"/>
+          <ac:picMkLst>
+            <pc:docMk/>
+            <pc:sldMk cId="2288803032" sldId="281"/>
+            <ac:picMk id="3" creationId="{54E22ADE-C1D5-4C60-42F1-3C4C79C16916}"/>
+          </ac:picMkLst>
+        </pc:picChg>
+      </pc:sldChg>
+      <pc:sldChg chg="addSp delSp modSp add mod">
+        <pc:chgData name="Riccardo Berta" userId="c8694f89-bba4-4576-b0a8-456619ca5a8c" providerId="ADAL" clId="{4967B734-A465-2844-BA15-7FBACE49D2F8}" dt="2022-10-04T10:16:31.835" v="2463" actId="20577"/>
+        <pc:sldMkLst>
+          <pc:docMk/>
+          <pc:sldMk cId="663506827" sldId="282"/>
+        </pc:sldMkLst>
+        <pc:spChg chg="mod">
+          <ac:chgData name="Riccardo Berta" userId="c8694f89-bba4-4576-b0a8-456619ca5a8c" providerId="ADAL" clId="{4967B734-A465-2844-BA15-7FBACE49D2F8}" dt="2022-10-04T10:16:31.835" v="2463" actId="20577"/>
+          <ac:spMkLst>
+            <pc:docMk/>
+            <pc:sldMk cId="663506827" sldId="282"/>
+            <ac:spMk id="83" creationId="{00000000-0000-0000-0000-000000000000}"/>
+          </ac:spMkLst>
+        </pc:spChg>
+        <pc:spChg chg="mod">
+          <ac:chgData name="Riccardo Berta" userId="c8694f89-bba4-4576-b0a8-456619ca5a8c" providerId="ADAL" clId="{4967B734-A465-2844-BA15-7FBACE49D2F8}" dt="2022-10-04T10:07:50.041" v="2416" actId="1076"/>
+          <ac:spMkLst>
+            <pc:docMk/>
+            <pc:sldMk cId="663506827" sldId="282"/>
+            <ac:spMk id="84" creationId="{00000000-0000-0000-0000-000000000000}"/>
+          </ac:spMkLst>
+        </pc:spChg>
+        <pc:picChg chg="del">
+          <ac:chgData name="Riccardo Berta" userId="c8694f89-bba4-4576-b0a8-456619ca5a8c" providerId="ADAL" clId="{4967B734-A465-2844-BA15-7FBACE49D2F8}" dt="2022-10-04T10:06:28.259" v="2391" actId="478"/>
+          <ac:picMkLst>
+            <pc:docMk/>
+            <pc:sldMk cId="663506827" sldId="282"/>
+            <ac:picMk id="3" creationId="{54E22ADE-C1D5-4C60-42F1-3C4C79C16916}"/>
+          </ac:picMkLst>
+        </pc:picChg>
+        <pc:picChg chg="add mod">
+          <ac:chgData name="Riccardo Berta" userId="c8694f89-bba4-4576-b0a8-456619ca5a8c" providerId="ADAL" clId="{4967B734-A465-2844-BA15-7FBACE49D2F8}" dt="2022-10-04T10:07:56.607" v="2418" actId="1076"/>
+          <ac:picMkLst>
+            <pc:docMk/>
+            <pc:sldMk cId="663506827" sldId="282"/>
+            <ac:picMk id="4" creationId="{CB17357D-3BA1-B6CF-F4B0-06F6D3C3026E}"/>
+          </ac:picMkLst>
+        </pc:picChg>
+      </pc:sldChg>
+      <pc:sldChg chg="del">
+        <pc:chgData name="Riccardo Berta" userId="c8694f89-bba4-4576-b0a8-456619ca5a8c" providerId="ADAL" clId="{4967B734-A465-2844-BA15-7FBACE49D2F8}" dt="2022-10-04T06:54:09.464" v="63" actId="2696"/>
+        <pc:sldMkLst>
+          <pc:docMk/>
+          <pc:sldMk cId="2584172506" sldId="282"/>
+        </pc:sldMkLst>
+      </pc:sldChg>
+      <pc:sldChg chg="addSp delSp modSp add mod">
+        <pc:chgData name="Riccardo Berta" userId="c8694f89-bba4-4576-b0a8-456619ca5a8c" providerId="ADAL" clId="{4967B734-A465-2844-BA15-7FBACE49D2F8}" dt="2022-10-04T10:17:39.088" v="2550" actId="20577"/>
+        <pc:sldMkLst>
+          <pc:docMk/>
+          <pc:sldMk cId="2423864326" sldId="283"/>
+        </pc:sldMkLst>
+        <pc:spChg chg="mod">
+          <ac:chgData name="Riccardo Berta" userId="c8694f89-bba4-4576-b0a8-456619ca5a8c" providerId="ADAL" clId="{4967B734-A465-2844-BA15-7FBACE49D2F8}" dt="2022-10-04T10:16:35.426" v="2465" actId="20577"/>
+          <ac:spMkLst>
+            <pc:docMk/>
+            <pc:sldMk cId="2423864326" sldId="283"/>
+            <ac:spMk id="83" creationId="{00000000-0000-0000-0000-000000000000}"/>
+          </ac:spMkLst>
+        </pc:spChg>
+        <pc:spChg chg="mod">
+          <ac:chgData name="Riccardo Berta" userId="c8694f89-bba4-4576-b0a8-456619ca5a8c" providerId="ADAL" clId="{4967B734-A465-2844-BA15-7FBACE49D2F8}" dt="2022-10-04T10:17:39.088" v="2550" actId="20577"/>
+          <ac:spMkLst>
+            <pc:docMk/>
+            <pc:sldMk cId="2423864326" sldId="283"/>
+            <ac:spMk id="84" creationId="{00000000-0000-0000-0000-000000000000}"/>
+          </ac:spMkLst>
+        </pc:spChg>
+        <pc:picChg chg="add mod">
+          <ac:chgData name="Riccardo Berta" userId="c8694f89-bba4-4576-b0a8-456619ca5a8c" providerId="ADAL" clId="{4967B734-A465-2844-BA15-7FBACE49D2F8}" dt="2022-10-04T10:16:40.395" v="2467" actId="1076"/>
+          <ac:picMkLst>
+            <pc:docMk/>
+            <pc:sldMk cId="2423864326" sldId="283"/>
+            <ac:picMk id="3" creationId="{A9220B9F-26DE-F97C-B182-0C5B8ACF52A6}"/>
+          </ac:picMkLst>
+        </pc:picChg>
+        <pc:picChg chg="del">
+          <ac:chgData name="Riccardo Berta" userId="c8694f89-bba4-4576-b0a8-456619ca5a8c" providerId="ADAL" clId="{4967B734-A465-2844-BA15-7FBACE49D2F8}" dt="2022-10-04T10:08:28.635" v="2424" actId="478"/>
+          <ac:picMkLst>
+            <pc:docMk/>
+            <pc:sldMk cId="2423864326" sldId="283"/>
+            <ac:picMk id="4" creationId="{CB17357D-3BA1-B6CF-F4B0-06F6D3C3026E}"/>
+          </ac:picMkLst>
+        </pc:picChg>
+        <pc:picChg chg="add del mod">
+          <ac:chgData name="Riccardo Berta" userId="c8694f89-bba4-4576-b0a8-456619ca5a8c" providerId="ADAL" clId="{4967B734-A465-2844-BA15-7FBACE49D2F8}" dt="2022-10-04T10:15:22.510" v="2440" actId="21"/>
+          <ac:picMkLst>
+            <pc:docMk/>
+            <pc:sldMk cId="2423864326" sldId="283"/>
+            <ac:picMk id="6" creationId="{47EEA959-CD75-423F-FF11-1B537B275B90}"/>
+          </ac:picMkLst>
+        </pc:picChg>
+      </pc:sldChg>
+      <pc:sldChg chg="del">
+        <pc:chgData name="Riccardo Berta" userId="c8694f89-bba4-4576-b0a8-456619ca5a8c" providerId="ADAL" clId="{4967B734-A465-2844-BA15-7FBACE49D2F8}" dt="2022-10-04T06:54:09.892" v="64" actId="2696"/>
+        <pc:sldMkLst>
+          <pc:docMk/>
+          <pc:sldMk cId="2548826204" sldId="283"/>
+        </pc:sldMkLst>
+      </pc:sldChg>
+      <pc:sldChg chg="add del">
+        <pc:chgData name="Riccardo Berta" userId="c8694f89-bba4-4576-b0a8-456619ca5a8c" providerId="ADAL" clId="{4967B734-A465-2844-BA15-7FBACE49D2F8}" dt="2022-10-04T10:14:48.405" v="2429"/>
+        <pc:sldMkLst>
+          <pc:docMk/>
+          <pc:sldMk cId="196183857" sldId="284"/>
+        </pc:sldMkLst>
+      </pc:sldChg>
+      <pc:sldChg chg="addSp delSp modSp add mod">
+        <pc:chgData name="Riccardo Berta" userId="c8694f89-bba4-4576-b0a8-456619ca5a8c" providerId="ADAL" clId="{4967B734-A465-2844-BA15-7FBACE49D2F8}" dt="2022-10-04T10:16:23.053" v="2461" actId="1076"/>
+        <pc:sldMkLst>
+          <pc:docMk/>
+          <pc:sldMk cId="852930802" sldId="284"/>
+        </pc:sldMkLst>
+        <pc:spChg chg="mod">
+          <ac:chgData name="Riccardo Berta" userId="c8694f89-bba4-4576-b0a8-456619ca5a8c" providerId="ADAL" clId="{4967B734-A465-2844-BA15-7FBACE49D2F8}" dt="2022-10-04T10:15:10.060" v="2434" actId="20577"/>
+          <ac:spMkLst>
+            <pc:docMk/>
+            <pc:sldMk cId="852930802" sldId="284"/>
+            <ac:spMk id="83" creationId="{00000000-0000-0000-0000-000000000000}"/>
+          </ac:spMkLst>
+        </pc:spChg>
+        <pc:spChg chg="mod">
+          <ac:chgData name="Riccardo Berta" userId="c8694f89-bba4-4576-b0a8-456619ca5a8c" providerId="ADAL" clId="{4967B734-A465-2844-BA15-7FBACE49D2F8}" dt="2022-10-04T10:16:02.996" v="2458" actId="20577"/>
+          <ac:spMkLst>
+            <pc:docMk/>
+            <pc:sldMk cId="852930802" sldId="284"/>
+            <ac:spMk id="84" creationId="{00000000-0000-0000-0000-000000000000}"/>
+          </ac:spMkLst>
+        </pc:spChg>
+        <pc:picChg chg="add mod">
+          <ac:chgData name="Riccardo Berta" userId="c8694f89-bba4-4576-b0a8-456619ca5a8c" providerId="ADAL" clId="{4967B734-A465-2844-BA15-7FBACE49D2F8}" dt="2022-10-04T10:16:23.053" v="2461" actId="1076"/>
+          <ac:picMkLst>
+            <pc:docMk/>
+            <pc:sldMk cId="852930802" sldId="284"/>
+            <ac:picMk id="2" creationId="{DF568B29-4E99-A3CF-2B9A-96B190172962}"/>
+          </ac:picMkLst>
+        </pc:picChg>
+        <pc:picChg chg="del">
+          <ac:chgData name="Riccardo Berta" userId="c8694f89-bba4-4576-b0a8-456619ca5a8c" providerId="ADAL" clId="{4967B734-A465-2844-BA15-7FBACE49D2F8}" dt="2022-10-04T10:15:11.873" v="2435" actId="478"/>
+          <ac:picMkLst>
+            <pc:docMk/>
+            <pc:sldMk cId="852930802" sldId="284"/>
+            <ac:picMk id="3" creationId="{54E22ADE-C1D5-4C60-42F1-3C4C79C16916}"/>
+          </ac:picMkLst>
+        </pc:picChg>
+      </pc:sldChg>
+      <pc:sldChg chg="del">
+        <pc:chgData name="Riccardo Berta" userId="c8694f89-bba4-4576-b0a8-456619ca5a8c" providerId="ADAL" clId="{4967B734-A465-2844-BA15-7FBACE49D2F8}" dt="2022-10-04T06:54:10.321" v="65" actId="2696"/>
+        <pc:sldMkLst>
+          <pc:docMk/>
+          <pc:sldMk cId="3494619461" sldId="284"/>
+        </pc:sldMkLst>
+      </pc:sldChg>
+      <pc:sldChg chg="del">
+        <pc:chgData name="Riccardo Berta" userId="c8694f89-bba4-4576-b0a8-456619ca5a8c" providerId="ADAL" clId="{4967B734-A465-2844-BA15-7FBACE49D2F8}" dt="2022-10-04T06:54:10.985" v="66" actId="2696"/>
+        <pc:sldMkLst>
+          <pc:docMk/>
+          <pc:sldMk cId="3458162749" sldId="285"/>
+        </pc:sldMkLst>
+      </pc:sldChg>
+      <pc:sldChg chg="del">
+        <pc:chgData name="Riccardo Berta" userId="c8694f89-bba4-4576-b0a8-456619ca5a8c" providerId="ADAL" clId="{4967B734-A465-2844-BA15-7FBACE49D2F8}" dt="2022-10-04T06:54:13.372" v="69" actId="2696"/>
+        <pc:sldMkLst>
+          <pc:docMk/>
+          <pc:sldMk cId="3186725423" sldId="286"/>
+        </pc:sldMkLst>
+      </pc:sldChg>
+      <pc:sldChg chg="del">
+        <pc:chgData name="Riccardo Berta" userId="c8694f89-bba4-4576-b0a8-456619ca5a8c" providerId="ADAL" clId="{4967B734-A465-2844-BA15-7FBACE49D2F8}" dt="2022-10-04T06:54:04.705" v="53" actId="2696"/>
+        <pc:sldMkLst>
+          <pc:docMk/>
+          <pc:sldMk cId="1166550415" sldId="288"/>
+        </pc:sldMkLst>
+      </pc:sldChg>
+      <pc:sldChg chg="del">
+        <pc:chgData name="Riccardo Berta" userId="c8694f89-bba4-4576-b0a8-456619ca5a8c" providerId="ADAL" clId="{4967B734-A465-2844-BA15-7FBACE49D2F8}" dt="2022-10-04T06:54:12.030" v="67" actId="2696"/>
+        <pc:sldMkLst>
+          <pc:docMk/>
+          <pc:sldMk cId="0" sldId="344"/>
+        </pc:sldMkLst>
+      </pc:sldChg>
+      <pc:sldChg chg="del">
+        <pc:chgData name="Riccardo Berta" userId="c8694f89-bba4-4576-b0a8-456619ca5a8c" providerId="ADAL" clId="{4967B734-A465-2844-BA15-7FBACE49D2F8}" dt="2022-10-04T06:54:12.601" v="68" actId="2696"/>
+        <pc:sldMkLst>
+          <pc:docMk/>
+          <pc:sldMk cId="615642029" sldId="403"/>
+        </pc:sldMkLst>
+      </pc:sldChg>
+      <pc:sldMasterChg chg="delSldLayout">
+        <pc:chgData name="Riccardo Berta" userId="c8694f89-bba4-4576-b0a8-456619ca5a8c" providerId="ADAL" clId="{4967B734-A465-2844-BA15-7FBACE49D2F8}" dt="2022-10-04T06:54:12.601" v="68" actId="2696"/>
+        <pc:sldMasterMkLst>
+          <pc:docMk/>
+          <pc:sldMasterMk cId="0" sldId="2147483659"/>
+        </pc:sldMasterMkLst>
+        <pc:sldLayoutChg chg="del">
+          <pc:chgData name="Riccardo Berta" userId="c8694f89-bba4-4576-b0a8-456619ca5a8c" providerId="ADAL" clId="{4967B734-A465-2844-BA15-7FBACE49D2F8}" dt="2022-10-04T06:54:12.601" v="68" actId="2696"/>
+          <pc:sldLayoutMkLst>
+            <pc:docMk/>
+            <pc:sldMasterMk cId="0" sldId="2147483659"/>
+            <pc:sldLayoutMk cId="2937273629" sldId="2147483660"/>
+          </pc:sldLayoutMkLst>
+        </pc:sldLayoutChg>
+      </pc:sldMasterChg>
+    </pc:docChg>
+  </pc:docChgLst>
+  <pc:docChgLst>
     <pc:chgData name="Riccardo Berta" userId="c8694f89-bba4-4576-b0a8-456619ca5a8c" providerId="ADAL" clId="{0F224E75-CFB0-994A-998D-4867A3C3D5B8}"/>
     <pc:docChg chg="custSel modSld">
       <pc:chgData name="Riccardo Berta" userId="c8694f89-bba4-4576-b0a8-456619ca5a8c" providerId="ADAL" clId="{0F224E75-CFB0-994A-998D-4867A3C3D5B8}" dt="2022-12-05T09:02:20.005" v="93"/>
@@ -4110,986 +5090,6 @@
           </ac:spMkLst>
         </pc:spChg>
       </pc:sldChg>
-    </pc:docChg>
-  </pc:docChgLst>
-  <pc:docChgLst>
-    <pc:chgData name="Riccardo Berta" userId="c8694f89-bba4-4576-b0a8-456619ca5a8c" providerId="ADAL" clId="{4967B734-A465-2844-BA15-7FBACE49D2F8}"/>
-    <pc:docChg chg="undo redo custSel addSld delSld modSld sldOrd">
-      <pc:chgData name="Riccardo Berta" userId="c8694f89-bba4-4576-b0a8-456619ca5a8c" providerId="ADAL" clId="{4967B734-A465-2844-BA15-7FBACE49D2F8}" dt="2022-10-10T05:41:52.141" v="2700" actId="1036"/>
-      <pc:docMkLst>
-        <pc:docMk/>
-      </pc:docMkLst>
-      <pc:sldChg chg="modSp mod">
-        <pc:chgData name="Riccardo Berta" userId="c8694f89-bba4-4576-b0a8-456619ca5a8c" providerId="ADAL" clId="{4967B734-A465-2844-BA15-7FBACE49D2F8}" dt="2022-10-04T09:21:06.296" v="1514" actId="790"/>
-        <pc:sldMkLst>
-          <pc:docMk/>
-          <pc:sldMk cId="0" sldId="256"/>
-        </pc:sldMkLst>
-        <pc:spChg chg="mod">
-          <ac:chgData name="Riccardo Berta" userId="c8694f89-bba4-4576-b0a8-456619ca5a8c" providerId="ADAL" clId="{4967B734-A465-2844-BA15-7FBACE49D2F8}" dt="2022-10-04T09:21:06.296" v="1514" actId="790"/>
-          <ac:spMkLst>
-            <pc:docMk/>
-            <pc:sldMk cId="0" sldId="256"/>
-            <ac:spMk id="62" creationId="{00000000-0000-0000-0000-000000000000}"/>
-          </ac:spMkLst>
-        </pc:spChg>
-      </pc:sldChg>
-      <pc:sldChg chg="delSp modSp mod">
-        <pc:chgData name="Riccardo Berta" userId="c8694f89-bba4-4576-b0a8-456619ca5a8c" providerId="ADAL" clId="{4967B734-A465-2844-BA15-7FBACE49D2F8}" dt="2022-10-05T05:37:06.487" v="2566" actId="20577"/>
-        <pc:sldMkLst>
-          <pc:docMk/>
-          <pc:sldMk cId="0" sldId="257"/>
-        </pc:sldMkLst>
-        <pc:spChg chg="mod">
-          <ac:chgData name="Riccardo Berta" userId="c8694f89-bba4-4576-b0a8-456619ca5a8c" providerId="ADAL" clId="{4967B734-A465-2844-BA15-7FBACE49D2F8}" dt="2022-10-04T06:59:58.583" v="222" actId="20577"/>
-          <ac:spMkLst>
-            <pc:docMk/>
-            <pc:sldMk cId="0" sldId="257"/>
-            <ac:spMk id="83" creationId="{00000000-0000-0000-0000-000000000000}"/>
-          </ac:spMkLst>
-        </pc:spChg>
-        <pc:spChg chg="mod">
-          <ac:chgData name="Riccardo Berta" userId="c8694f89-bba4-4576-b0a8-456619ca5a8c" providerId="ADAL" clId="{4967B734-A465-2844-BA15-7FBACE49D2F8}" dt="2022-10-05T05:37:06.487" v="2566" actId="20577"/>
-          <ac:spMkLst>
-            <pc:docMk/>
-            <pc:sldMk cId="0" sldId="257"/>
-            <ac:spMk id="84" creationId="{00000000-0000-0000-0000-000000000000}"/>
-          </ac:spMkLst>
-        </pc:spChg>
-        <pc:picChg chg="del">
-          <ac:chgData name="Riccardo Berta" userId="c8694f89-bba4-4576-b0a8-456619ca5a8c" providerId="ADAL" clId="{4967B734-A465-2844-BA15-7FBACE49D2F8}" dt="2022-10-04T06:53:54.793" v="41" actId="478"/>
-          <ac:picMkLst>
-            <pc:docMk/>
-            <pc:sldMk cId="0" sldId="257"/>
-            <ac:picMk id="2" creationId="{1E81BD5B-9F1C-4180-0225-A6FA7F7521E2}"/>
-          </ac:picMkLst>
-        </pc:picChg>
-      </pc:sldChg>
-      <pc:sldChg chg="del">
-        <pc:chgData name="Riccardo Berta" userId="c8694f89-bba4-4576-b0a8-456619ca5a8c" providerId="ADAL" clId="{4967B734-A465-2844-BA15-7FBACE49D2F8}" dt="2022-10-04T06:54:03.310" v="50" actId="2696"/>
-        <pc:sldMkLst>
-          <pc:docMk/>
-          <pc:sldMk cId="3018556184" sldId="259"/>
-        </pc:sldMkLst>
-      </pc:sldChg>
-      <pc:sldChg chg="del">
-        <pc:chgData name="Riccardo Berta" userId="c8694f89-bba4-4576-b0a8-456619ca5a8c" providerId="ADAL" clId="{4967B734-A465-2844-BA15-7FBACE49D2F8}" dt="2022-10-04T06:54:03.809" v="51" actId="2696"/>
-        <pc:sldMkLst>
-          <pc:docMk/>
-          <pc:sldMk cId="723946338" sldId="261"/>
-        </pc:sldMkLst>
-      </pc:sldChg>
-      <pc:sldChg chg="modSp mod">
-        <pc:chgData name="Riccardo Berta" userId="c8694f89-bba4-4576-b0a8-456619ca5a8c" providerId="ADAL" clId="{4967B734-A465-2844-BA15-7FBACE49D2F8}" dt="2022-10-04T09:53:48.313" v="2176" actId="1076"/>
-        <pc:sldMkLst>
-          <pc:docMk/>
-          <pc:sldMk cId="0" sldId="264"/>
-        </pc:sldMkLst>
-        <pc:spChg chg="mod">
-          <ac:chgData name="Riccardo Berta" userId="c8694f89-bba4-4576-b0a8-456619ca5a8c" providerId="ADAL" clId="{4967B734-A465-2844-BA15-7FBACE49D2F8}" dt="2022-10-04T09:53:48.313" v="2176" actId="1076"/>
-          <ac:spMkLst>
-            <pc:docMk/>
-            <pc:sldMk cId="0" sldId="264"/>
-            <ac:spMk id="84" creationId="{00000000-0000-0000-0000-000000000000}"/>
-          </ac:spMkLst>
-        </pc:spChg>
-      </pc:sldChg>
-      <pc:sldChg chg="del">
-        <pc:chgData name="Riccardo Berta" userId="c8694f89-bba4-4576-b0a8-456619ca5a8c" providerId="ADAL" clId="{4967B734-A465-2844-BA15-7FBACE49D2F8}" dt="2022-10-04T06:54:04.269" v="52" actId="2696"/>
-        <pc:sldMkLst>
-          <pc:docMk/>
-          <pc:sldMk cId="2752186034" sldId="265"/>
-        </pc:sldMkLst>
-      </pc:sldChg>
-      <pc:sldChg chg="addSp modSp add mod">
-        <pc:chgData name="Riccardo Berta" userId="c8694f89-bba4-4576-b0a8-456619ca5a8c" providerId="ADAL" clId="{4967B734-A465-2844-BA15-7FBACE49D2F8}" dt="2022-10-05T05:38:43.218" v="2573" actId="20577"/>
-        <pc:sldMkLst>
-          <pc:docMk/>
-          <pc:sldMk cId="4260925133" sldId="265"/>
-        </pc:sldMkLst>
-        <pc:spChg chg="mod">
-          <ac:chgData name="Riccardo Berta" userId="c8694f89-bba4-4576-b0a8-456619ca5a8c" providerId="ADAL" clId="{4967B734-A465-2844-BA15-7FBACE49D2F8}" dt="2022-10-04T07:03:57.181" v="300" actId="20577"/>
-          <ac:spMkLst>
-            <pc:docMk/>
-            <pc:sldMk cId="4260925133" sldId="265"/>
-            <ac:spMk id="83" creationId="{00000000-0000-0000-0000-000000000000}"/>
-          </ac:spMkLst>
-        </pc:spChg>
-        <pc:spChg chg="mod">
-          <ac:chgData name="Riccardo Berta" userId="c8694f89-bba4-4576-b0a8-456619ca5a8c" providerId="ADAL" clId="{4967B734-A465-2844-BA15-7FBACE49D2F8}" dt="2022-10-05T05:38:43.218" v="2573" actId="20577"/>
-          <ac:spMkLst>
-            <pc:docMk/>
-            <pc:sldMk cId="4260925133" sldId="265"/>
-            <ac:spMk id="84" creationId="{00000000-0000-0000-0000-000000000000}"/>
-          </ac:spMkLst>
-        </pc:spChg>
-        <pc:picChg chg="add mod">
-          <ac:chgData name="Riccardo Berta" userId="c8694f89-bba4-4576-b0a8-456619ca5a8c" providerId="ADAL" clId="{4967B734-A465-2844-BA15-7FBACE49D2F8}" dt="2022-10-04T07:04:48.519" v="307" actId="167"/>
-          <ac:picMkLst>
-            <pc:docMk/>
-            <pc:sldMk cId="4260925133" sldId="265"/>
-            <ac:picMk id="3" creationId="{674E15D2-3951-6F58-7582-C0EB4A615F1D}"/>
-          </ac:picMkLst>
-        </pc:picChg>
-      </pc:sldChg>
-      <pc:sldChg chg="addSp delSp modSp add mod">
-        <pc:chgData name="Riccardo Berta" userId="c8694f89-bba4-4576-b0a8-456619ca5a8c" providerId="ADAL" clId="{4967B734-A465-2844-BA15-7FBACE49D2F8}" dt="2022-10-05T05:43:30.967" v="2628" actId="20577"/>
-        <pc:sldMkLst>
-          <pc:docMk/>
-          <pc:sldMk cId="2074499598" sldId="266"/>
-        </pc:sldMkLst>
-        <pc:spChg chg="mod">
-          <ac:chgData name="Riccardo Berta" userId="c8694f89-bba4-4576-b0a8-456619ca5a8c" providerId="ADAL" clId="{4967B734-A465-2844-BA15-7FBACE49D2F8}" dt="2022-10-04T08:27:30.224" v="813" actId="20577"/>
-          <ac:spMkLst>
-            <pc:docMk/>
-            <pc:sldMk cId="2074499598" sldId="266"/>
-            <ac:spMk id="83" creationId="{00000000-0000-0000-0000-000000000000}"/>
-          </ac:spMkLst>
-        </pc:spChg>
-        <pc:spChg chg="mod">
-          <ac:chgData name="Riccardo Berta" userId="c8694f89-bba4-4576-b0a8-456619ca5a8c" providerId="ADAL" clId="{4967B734-A465-2844-BA15-7FBACE49D2F8}" dt="2022-10-05T05:43:30.967" v="2628" actId="20577"/>
-          <ac:spMkLst>
-            <pc:docMk/>
-            <pc:sldMk cId="2074499598" sldId="266"/>
-            <ac:spMk id="84" creationId="{00000000-0000-0000-0000-000000000000}"/>
-          </ac:spMkLst>
-        </pc:spChg>
-        <pc:picChg chg="add del mod">
-          <ac:chgData name="Riccardo Berta" userId="c8694f89-bba4-4576-b0a8-456619ca5a8c" providerId="ADAL" clId="{4967B734-A465-2844-BA15-7FBACE49D2F8}" dt="2022-10-04T08:28:52.112" v="847" actId="478"/>
-          <ac:picMkLst>
-            <pc:docMk/>
-            <pc:sldMk cId="2074499598" sldId="266"/>
-            <ac:picMk id="3" creationId="{44D37D90-9379-A202-D5CB-57A361B7ED10}"/>
-          </ac:picMkLst>
-        </pc:picChg>
-      </pc:sldChg>
-      <pc:sldChg chg="addSp delSp modSp add mod ord">
-        <pc:chgData name="Riccardo Berta" userId="c8694f89-bba4-4576-b0a8-456619ca5a8c" providerId="ADAL" clId="{4967B734-A465-2844-BA15-7FBACE49D2F8}" dt="2022-10-05T05:40:18.404" v="2582" actId="20577"/>
-        <pc:sldMkLst>
-          <pc:docMk/>
-          <pc:sldMk cId="2259674710" sldId="267"/>
-        </pc:sldMkLst>
-        <pc:spChg chg="mod">
-          <ac:chgData name="Riccardo Berta" userId="c8694f89-bba4-4576-b0a8-456619ca5a8c" providerId="ADAL" clId="{4967B734-A465-2844-BA15-7FBACE49D2F8}" dt="2022-10-04T07:10:58.043" v="468" actId="20577"/>
-          <ac:spMkLst>
-            <pc:docMk/>
-            <pc:sldMk cId="2259674710" sldId="267"/>
-            <ac:spMk id="83" creationId="{00000000-0000-0000-0000-000000000000}"/>
-          </ac:spMkLst>
-        </pc:spChg>
-        <pc:spChg chg="mod">
-          <ac:chgData name="Riccardo Berta" userId="c8694f89-bba4-4576-b0a8-456619ca5a8c" providerId="ADAL" clId="{4967B734-A465-2844-BA15-7FBACE49D2F8}" dt="2022-10-05T05:40:18.404" v="2582" actId="20577"/>
-          <ac:spMkLst>
-            <pc:docMk/>
-            <pc:sldMk cId="2259674710" sldId="267"/>
-            <ac:spMk id="84" creationId="{00000000-0000-0000-0000-000000000000}"/>
-          </ac:spMkLst>
-        </pc:spChg>
-        <pc:grpChg chg="add mod">
-          <ac:chgData name="Riccardo Berta" userId="c8694f89-bba4-4576-b0a8-456619ca5a8c" providerId="ADAL" clId="{4967B734-A465-2844-BA15-7FBACE49D2F8}" dt="2022-10-04T07:10:46.067" v="451" actId="1076"/>
-          <ac:grpSpMkLst>
-            <pc:docMk/>
-            <pc:sldMk cId="2259674710" sldId="267"/>
-            <ac:grpSpMk id="8" creationId="{76E119E0-3152-62BD-BDB3-39042BF2F1A5}"/>
-          </ac:grpSpMkLst>
-        </pc:grpChg>
-        <pc:grpChg chg="add mod">
-          <ac:chgData name="Riccardo Berta" userId="c8694f89-bba4-4576-b0a8-456619ca5a8c" providerId="ADAL" clId="{4967B734-A465-2844-BA15-7FBACE49D2F8}" dt="2022-10-04T07:10:41.433" v="450" actId="1076"/>
-          <ac:grpSpMkLst>
-            <pc:docMk/>
-            <pc:sldMk cId="2259674710" sldId="267"/>
-            <ac:grpSpMk id="13" creationId="{06C159A0-B8B5-40E9-02ED-983116530DFD}"/>
-          </ac:grpSpMkLst>
-        </pc:grpChg>
-        <pc:picChg chg="add del mod">
-          <ac:chgData name="Riccardo Berta" userId="c8694f89-bba4-4576-b0a8-456619ca5a8c" providerId="ADAL" clId="{4967B734-A465-2844-BA15-7FBACE49D2F8}" dt="2022-10-04T07:09:16.200" v="426" actId="478"/>
-          <ac:picMkLst>
-            <pc:docMk/>
-            <pc:sldMk cId="2259674710" sldId="267"/>
-            <ac:picMk id="3" creationId="{2ABEDA67-0163-D4F3-A664-9064A870FA11}"/>
-          </ac:picMkLst>
-        </pc:picChg>
-        <pc:picChg chg="add mod">
-          <ac:chgData name="Riccardo Berta" userId="c8694f89-bba4-4576-b0a8-456619ca5a8c" providerId="ADAL" clId="{4967B734-A465-2844-BA15-7FBACE49D2F8}" dt="2022-10-04T07:09:56.780" v="438" actId="164"/>
-          <ac:picMkLst>
-            <pc:docMk/>
-            <pc:sldMk cId="2259674710" sldId="267"/>
-            <ac:picMk id="5" creationId="{32BFCBAB-B883-C97F-EB56-9BCA8EFD7C98}"/>
-          </ac:picMkLst>
-        </pc:picChg>
-        <pc:picChg chg="add mod">
-          <ac:chgData name="Riccardo Berta" userId="c8694f89-bba4-4576-b0a8-456619ca5a8c" providerId="ADAL" clId="{4967B734-A465-2844-BA15-7FBACE49D2F8}" dt="2022-10-04T07:09:56.780" v="438" actId="164"/>
-          <ac:picMkLst>
-            <pc:docMk/>
-            <pc:sldMk cId="2259674710" sldId="267"/>
-            <ac:picMk id="7" creationId="{40DBC67E-51C8-0100-997A-3D832D4D8980}"/>
-          </ac:picMkLst>
-        </pc:picChg>
-        <pc:picChg chg="add mod">
-          <ac:chgData name="Riccardo Berta" userId="c8694f89-bba4-4576-b0a8-456619ca5a8c" providerId="ADAL" clId="{4967B734-A465-2844-BA15-7FBACE49D2F8}" dt="2022-10-04T07:10:38.910" v="449" actId="164"/>
-          <ac:picMkLst>
-            <pc:docMk/>
-            <pc:sldMk cId="2259674710" sldId="267"/>
-            <ac:picMk id="10" creationId="{CE457A6C-F4AE-07DF-22FD-0203427E5E4D}"/>
-          </ac:picMkLst>
-        </pc:picChg>
-        <pc:picChg chg="add mod">
-          <ac:chgData name="Riccardo Berta" userId="c8694f89-bba4-4576-b0a8-456619ca5a8c" providerId="ADAL" clId="{4967B734-A465-2844-BA15-7FBACE49D2F8}" dt="2022-10-04T07:10:38.910" v="449" actId="164"/>
-          <ac:picMkLst>
-            <pc:docMk/>
-            <pc:sldMk cId="2259674710" sldId="267"/>
-            <ac:picMk id="12" creationId="{C697C6E3-A578-4BB5-2F96-37B0F860D0FA}"/>
-          </ac:picMkLst>
-        </pc:picChg>
-      </pc:sldChg>
-      <pc:sldChg chg="addSp delSp modSp add mod ord">
-        <pc:chgData name="Riccardo Berta" userId="c8694f89-bba4-4576-b0a8-456619ca5a8c" providerId="ADAL" clId="{4967B734-A465-2844-BA15-7FBACE49D2F8}" dt="2022-10-04T08:21:03.314" v="615" actId="20577"/>
-        <pc:sldMkLst>
-          <pc:docMk/>
-          <pc:sldMk cId="2756532613" sldId="268"/>
-        </pc:sldMkLst>
-        <pc:spChg chg="mod">
-          <ac:chgData name="Riccardo Berta" userId="c8694f89-bba4-4576-b0a8-456619ca5a8c" providerId="ADAL" clId="{4967B734-A465-2844-BA15-7FBACE49D2F8}" dt="2022-10-04T08:19:34.413" v="566" actId="20577"/>
-          <ac:spMkLst>
-            <pc:docMk/>
-            <pc:sldMk cId="2756532613" sldId="268"/>
-            <ac:spMk id="83" creationId="{00000000-0000-0000-0000-000000000000}"/>
-          </ac:spMkLst>
-        </pc:spChg>
-        <pc:spChg chg="mod">
-          <ac:chgData name="Riccardo Berta" userId="c8694f89-bba4-4576-b0a8-456619ca5a8c" providerId="ADAL" clId="{4967B734-A465-2844-BA15-7FBACE49D2F8}" dt="2022-10-04T08:21:03.314" v="615" actId="20577"/>
-          <ac:spMkLst>
-            <pc:docMk/>
-            <pc:sldMk cId="2756532613" sldId="268"/>
-            <ac:spMk id="84" creationId="{00000000-0000-0000-0000-000000000000}"/>
-          </ac:spMkLst>
-        </pc:spChg>
-        <pc:picChg chg="add del mod">
-          <ac:chgData name="Riccardo Berta" userId="c8694f89-bba4-4576-b0a8-456619ca5a8c" providerId="ADAL" clId="{4967B734-A465-2844-BA15-7FBACE49D2F8}" dt="2022-10-04T08:20:02.584" v="570" actId="21"/>
-          <ac:picMkLst>
-            <pc:docMk/>
-            <pc:sldMk cId="2756532613" sldId="268"/>
-            <ac:picMk id="3" creationId="{98442946-176C-875C-17DD-8426B4357AF0}"/>
-          </ac:picMkLst>
-        </pc:picChg>
-      </pc:sldChg>
-      <pc:sldChg chg="addSp delSp modSp add mod ord">
-        <pc:chgData name="Riccardo Berta" userId="c8694f89-bba4-4576-b0a8-456619ca5a8c" providerId="ADAL" clId="{4967B734-A465-2844-BA15-7FBACE49D2F8}" dt="2022-10-04T08:22:30.428" v="629" actId="20577"/>
-        <pc:sldMkLst>
-          <pc:docMk/>
-          <pc:sldMk cId="3950372499" sldId="269"/>
-        </pc:sldMkLst>
-        <pc:spChg chg="add del mod">
-          <ac:chgData name="Riccardo Berta" userId="c8694f89-bba4-4576-b0a8-456619ca5a8c" providerId="ADAL" clId="{4967B734-A465-2844-BA15-7FBACE49D2F8}" dt="2022-10-04T08:21:20.713" v="620" actId="478"/>
-          <ac:spMkLst>
-            <pc:docMk/>
-            <pc:sldMk cId="3950372499" sldId="269"/>
-            <ac:spMk id="4" creationId="{39E4D033-B0C4-D65C-AF4F-60006E851E46}"/>
-          </ac:spMkLst>
-        </pc:spChg>
-        <pc:spChg chg="mod">
-          <ac:chgData name="Riccardo Berta" userId="c8694f89-bba4-4576-b0a8-456619ca5a8c" providerId="ADAL" clId="{4967B734-A465-2844-BA15-7FBACE49D2F8}" dt="2022-10-04T08:22:30.428" v="629" actId="20577"/>
-          <ac:spMkLst>
-            <pc:docMk/>
-            <pc:sldMk cId="3950372499" sldId="269"/>
-            <ac:spMk id="83" creationId="{00000000-0000-0000-0000-000000000000}"/>
-          </ac:spMkLst>
-        </pc:spChg>
-        <pc:spChg chg="del">
-          <ac:chgData name="Riccardo Berta" userId="c8694f89-bba4-4576-b0a8-456619ca5a8c" providerId="ADAL" clId="{4967B734-A465-2844-BA15-7FBACE49D2F8}" dt="2022-10-04T08:21:12.185" v="617" actId="478"/>
-          <ac:spMkLst>
-            <pc:docMk/>
-            <pc:sldMk cId="3950372499" sldId="269"/>
-            <ac:spMk id="84" creationId="{00000000-0000-0000-0000-000000000000}"/>
-          </ac:spMkLst>
-        </pc:spChg>
-        <pc:picChg chg="add del mod modCrop">
-          <ac:chgData name="Riccardo Berta" userId="c8694f89-bba4-4576-b0a8-456619ca5a8c" providerId="ADAL" clId="{4967B734-A465-2844-BA15-7FBACE49D2F8}" dt="2022-10-04T08:22:28.190" v="625" actId="1076"/>
-          <ac:picMkLst>
-            <pc:docMk/>
-            <pc:sldMk cId="3950372499" sldId="269"/>
-            <ac:picMk id="2" creationId="{DD7459EB-2FB9-EE3F-1B0C-BEEC31DF7753}"/>
-          </ac:picMkLst>
-        </pc:picChg>
-      </pc:sldChg>
-      <pc:sldChg chg="addSp delSp modSp add mod">
-        <pc:chgData name="Riccardo Berta" userId="c8694f89-bba4-4576-b0a8-456619ca5a8c" providerId="ADAL" clId="{4967B734-A465-2844-BA15-7FBACE49D2F8}" dt="2022-10-04T08:30:10.946" v="871" actId="1076"/>
-        <pc:sldMkLst>
-          <pc:docMk/>
-          <pc:sldMk cId="3668836689" sldId="270"/>
-        </pc:sldMkLst>
-        <pc:spChg chg="add del mod">
-          <ac:chgData name="Riccardo Berta" userId="c8694f89-bba4-4576-b0a8-456619ca5a8c" providerId="ADAL" clId="{4967B734-A465-2844-BA15-7FBACE49D2F8}" dt="2022-10-04T08:28:59.088" v="849" actId="478"/>
-          <ac:spMkLst>
-            <pc:docMk/>
-            <pc:sldMk cId="3668836689" sldId="270"/>
-            <ac:spMk id="3" creationId="{ADD0BEAE-9DF8-C7CC-E5FD-45BD4BBED0AD}"/>
-          </ac:spMkLst>
-        </pc:spChg>
-        <pc:spChg chg="mod">
-          <ac:chgData name="Riccardo Berta" userId="c8694f89-bba4-4576-b0a8-456619ca5a8c" providerId="ADAL" clId="{4967B734-A465-2844-BA15-7FBACE49D2F8}" dt="2022-10-04T08:29:04.981" v="863" actId="20577"/>
-          <ac:spMkLst>
-            <pc:docMk/>
-            <pc:sldMk cId="3668836689" sldId="270"/>
-            <ac:spMk id="83" creationId="{00000000-0000-0000-0000-000000000000}"/>
-          </ac:spMkLst>
-        </pc:spChg>
-        <pc:spChg chg="del">
-          <ac:chgData name="Riccardo Berta" userId="c8694f89-bba4-4576-b0a8-456619ca5a8c" providerId="ADAL" clId="{4967B734-A465-2844-BA15-7FBACE49D2F8}" dt="2022-10-04T08:28:56.705" v="848" actId="478"/>
-          <ac:spMkLst>
-            <pc:docMk/>
-            <pc:sldMk cId="3668836689" sldId="270"/>
-            <ac:spMk id="84" creationId="{00000000-0000-0000-0000-000000000000}"/>
-          </ac:spMkLst>
-        </pc:spChg>
-        <pc:picChg chg="add mod modCrop">
-          <ac:chgData name="Riccardo Berta" userId="c8694f89-bba4-4576-b0a8-456619ca5a8c" providerId="ADAL" clId="{4967B734-A465-2844-BA15-7FBACE49D2F8}" dt="2022-10-04T08:30:10.946" v="871" actId="1076"/>
-          <ac:picMkLst>
-            <pc:docMk/>
-            <pc:sldMk cId="3668836689" sldId="270"/>
-            <ac:picMk id="4" creationId="{577B3EB2-1884-58A5-AA7F-C288CC12280D}"/>
-          </ac:picMkLst>
-        </pc:picChg>
-      </pc:sldChg>
-      <pc:sldChg chg="addSp modSp add mod">
-        <pc:chgData name="Riccardo Berta" userId="c8694f89-bba4-4576-b0a8-456619ca5a8c" providerId="ADAL" clId="{4967B734-A465-2844-BA15-7FBACE49D2F8}" dt="2022-10-04T08:33:08.776" v="912" actId="1076"/>
-        <pc:sldMkLst>
-          <pc:docMk/>
-          <pc:sldMk cId="1894295752" sldId="271"/>
-        </pc:sldMkLst>
-        <pc:spChg chg="mod">
-          <ac:chgData name="Riccardo Berta" userId="c8694f89-bba4-4576-b0a8-456619ca5a8c" providerId="ADAL" clId="{4967B734-A465-2844-BA15-7FBACE49D2F8}" dt="2022-10-04T08:30:25.791" v="874" actId="20577"/>
-          <ac:spMkLst>
-            <pc:docMk/>
-            <pc:sldMk cId="1894295752" sldId="271"/>
-            <ac:spMk id="83" creationId="{00000000-0000-0000-0000-000000000000}"/>
-          </ac:spMkLst>
-        </pc:spChg>
-        <pc:spChg chg="mod">
-          <ac:chgData name="Riccardo Berta" userId="c8694f89-bba4-4576-b0a8-456619ca5a8c" providerId="ADAL" clId="{4967B734-A465-2844-BA15-7FBACE49D2F8}" dt="2022-10-04T08:33:01.838" v="909" actId="1035"/>
-          <ac:spMkLst>
-            <pc:docMk/>
-            <pc:sldMk cId="1894295752" sldId="271"/>
-            <ac:spMk id="84" creationId="{00000000-0000-0000-0000-000000000000}"/>
-          </ac:spMkLst>
-        </pc:spChg>
-        <pc:picChg chg="add mod">
-          <ac:chgData name="Riccardo Berta" userId="c8694f89-bba4-4576-b0a8-456619ca5a8c" providerId="ADAL" clId="{4967B734-A465-2844-BA15-7FBACE49D2F8}" dt="2022-10-04T08:33:08.776" v="912" actId="1076"/>
-          <ac:picMkLst>
-            <pc:docMk/>
-            <pc:sldMk cId="1894295752" sldId="271"/>
-            <ac:picMk id="3" creationId="{B5A2D85B-25EA-51CE-30EE-5FCC2A5BCEE7}"/>
-          </ac:picMkLst>
-        </pc:picChg>
-      </pc:sldChg>
-      <pc:sldChg chg="del">
-        <pc:chgData name="Riccardo Berta" userId="c8694f89-bba4-4576-b0a8-456619ca5a8c" providerId="ADAL" clId="{4967B734-A465-2844-BA15-7FBACE49D2F8}" dt="2022-10-04T06:54:05.175" v="54" actId="2696"/>
-        <pc:sldMkLst>
-          <pc:docMk/>
-          <pc:sldMk cId="1942012932" sldId="271"/>
-        </pc:sldMkLst>
-      </pc:sldChg>
-      <pc:sldChg chg="addSp modSp add mod">
-        <pc:chgData name="Riccardo Berta" userId="c8694f89-bba4-4576-b0a8-456619ca5a8c" providerId="ADAL" clId="{4967B734-A465-2844-BA15-7FBACE49D2F8}" dt="2022-10-05T05:45:21.155" v="2636" actId="20577"/>
-        <pc:sldMkLst>
-          <pc:docMk/>
-          <pc:sldMk cId="732868139" sldId="272"/>
-        </pc:sldMkLst>
-        <pc:spChg chg="mod">
-          <ac:chgData name="Riccardo Berta" userId="c8694f89-bba4-4576-b0a8-456619ca5a8c" providerId="ADAL" clId="{4967B734-A465-2844-BA15-7FBACE49D2F8}" dt="2022-10-04T08:33:38.186" v="939" actId="20577"/>
-          <ac:spMkLst>
-            <pc:docMk/>
-            <pc:sldMk cId="732868139" sldId="272"/>
-            <ac:spMk id="83" creationId="{00000000-0000-0000-0000-000000000000}"/>
-          </ac:spMkLst>
-        </pc:spChg>
-        <pc:spChg chg="mod">
-          <ac:chgData name="Riccardo Berta" userId="c8694f89-bba4-4576-b0a8-456619ca5a8c" providerId="ADAL" clId="{4967B734-A465-2844-BA15-7FBACE49D2F8}" dt="2022-10-05T05:45:21.155" v="2636" actId="20577"/>
-          <ac:spMkLst>
-            <pc:docMk/>
-            <pc:sldMk cId="732868139" sldId="272"/>
-            <ac:spMk id="84" creationId="{00000000-0000-0000-0000-000000000000}"/>
-          </ac:spMkLst>
-        </pc:spChg>
-        <pc:picChg chg="add mod">
-          <ac:chgData name="Riccardo Berta" userId="c8694f89-bba4-4576-b0a8-456619ca5a8c" providerId="ADAL" clId="{4967B734-A465-2844-BA15-7FBACE49D2F8}" dt="2022-10-04T08:36:29.105" v="1008" actId="1076"/>
-          <ac:picMkLst>
-            <pc:docMk/>
-            <pc:sldMk cId="732868139" sldId="272"/>
-            <ac:picMk id="3" creationId="{06C364F7-5AEB-D00D-6586-D30FF7199764}"/>
-          </ac:picMkLst>
-        </pc:picChg>
-      </pc:sldChg>
-      <pc:sldChg chg="addSp delSp modSp add mod">
-        <pc:chgData name="Riccardo Berta" userId="c8694f89-bba4-4576-b0a8-456619ca5a8c" providerId="ADAL" clId="{4967B734-A465-2844-BA15-7FBACE49D2F8}" dt="2022-10-04T08:54:59.469" v="1509" actId="20577"/>
-        <pc:sldMkLst>
-          <pc:docMk/>
-          <pc:sldMk cId="3859598341" sldId="273"/>
-        </pc:sldMkLst>
-        <pc:spChg chg="add del">
-          <ac:chgData name="Riccardo Berta" userId="c8694f89-bba4-4576-b0a8-456619ca5a8c" providerId="ADAL" clId="{4967B734-A465-2844-BA15-7FBACE49D2F8}" dt="2022-10-04T08:40:47.038" v="1073" actId="478"/>
-          <ac:spMkLst>
-            <pc:docMk/>
-            <pc:sldMk cId="3859598341" sldId="273"/>
-            <ac:spMk id="5" creationId="{4BD7BBB3-7BD1-8528-AAC5-76102E39DEBE}"/>
-          </ac:spMkLst>
-        </pc:spChg>
-        <pc:spChg chg="mod">
-          <ac:chgData name="Riccardo Berta" userId="c8694f89-bba4-4576-b0a8-456619ca5a8c" providerId="ADAL" clId="{4967B734-A465-2844-BA15-7FBACE49D2F8}" dt="2022-10-04T08:54:59.469" v="1509" actId="20577"/>
-          <ac:spMkLst>
-            <pc:docMk/>
-            <pc:sldMk cId="3859598341" sldId="273"/>
-            <ac:spMk id="83" creationId="{00000000-0000-0000-0000-000000000000}"/>
-          </ac:spMkLst>
-        </pc:spChg>
-        <pc:spChg chg="mod">
-          <ac:chgData name="Riccardo Berta" userId="c8694f89-bba4-4576-b0a8-456619ca5a8c" providerId="ADAL" clId="{4967B734-A465-2844-BA15-7FBACE49D2F8}" dt="2022-10-04T08:50:37.924" v="1412" actId="113"/>
-          <ac:spMkLst>
-            <pc:docMk/>
-            <pc:sldMk cId="3859598341" sldId="273"/>
-            <ac:spMk id="84" creationId="{00000000-0000-0000-0000-000000000000}"/>
-          </ac:spMkLst>
-        </pc:spChg>
-        <pc:picChg chg="add del mod">
-          <ac:chgData name="Riccardo Berta" userId="c8694f89-bba4-4576-b0a8-456619ca5a8c" providerId="ADAL" clId="{4967B734-A465-2844-BA15-7FBACE49D2F8}" dt="2022-10-04T08:40:42.684" v="1072" actId="478"/>
-          <ac:picMkLst>
-            <pc:docMk/>
-            <pc:sldMk cId="3859598341" sldId="273"/>
-            <ac:picMk id="3" creationId="{20386706-AA10-6FE6-3018-AE4EEDC01050}"/>
-          </ac:picMkLst>
-        </pc:picChg>
-        <pc:picChg chg="add mod">
-          <ac:chgData name="Riccardo Berta" userId="c8694f89-bba4-4576-b0a8-456619ca5a8c" providerId="ADAL" clId="{4967B734-A465-2844-BA15-7FBACE49D2F8}" dt="2022-10-04T08:50:21.355" v="1410" actId="1076"/>
-          <ac:picMkLst>
-            <pc:docMk/>
-            <pc:sldMk cId="3859598341" sldId="273"/>
-            <ac:picMk id="7" creationId="{3AA9CA5E-B11C-5354-F133-CC2410A67F28}"/>
-          </ac:picMkLst>
-        </pc:picChg>
-      </pc:sldChg>
-      <pc:sldChg chg="addSp modSp add mod">
-        <pc:chgData name="Riccardo Berta" userId="c8694f89-bba4-4576-b0a8-456619ca5a8c" providerId="ADAL" clId="{4967B734-A465-2844-BA15-7FBACE49D2F8}" dt="2022-10-04T08:55:10.050" v="1510" actId="1076"/>
-        <pc:sldMkLst>
-          <pc:docMk/>
-          <pc:sldMk cId="2213323745" sldId="274"/>
-        </pc:sldMkLst>
-        <pc:spChg chg="mod">
-          <ac:chgData name="Riccardo Berta" userId="c8694f89-bba4-4576-b0a8-456619ca5a8c" providerId="ADAL" clId="{4967B734-A465-2844-BA15-7FBACE49D2F8}" dt="2022-10-04T08:54:47.815" v="1503" actId="20577"/>
-          <ac:spMkLst>
-            <pc:docMk/>
-            <pc:sldMk cId="2213323745" sldId="274"/>
-            <ac:spMk id="83" creationId="{00000000-0000-0000-0000-000000000000}"/>
-          </ac:spMkLst>
-        </pc:spChg>
-        <pc:spChg chg="mod">
-          <ac:chgData name="Riccardo Berta" userId="c8694f89-bba4-4576-b0a8-456619ca5a8c" providerId="ADAL" clId="{4967B734-A465-2844-BA15-7FBACE49D2F8}" dt="2022-10-04T08:54:36.556" v="1475" actId="5793"/>
-          <ac:spMkLst>
-            <pc:docMk/>
-            <pc:sldMk cId="2213323745" sldId="274"/>
-            <ac:spMk id="84" creationId="{00000000-0000-0000-0000-000000000000}"/>
-          </ac:spMkLst>
-        </pc:spChg>
-        <pc:picChg chg="add mod">
-          <ac:chgData name="Riccardo Berta" userId="c8694f89-bba4-4576-b0a8-456619ca5a8c" providerId="ADAL" clId="{4967B734-A465-2844-BA15-7FBACE49D2F8}" dt="2022-10-04T08:55:10.050" v="1510" actId="1076"/>
-          <ac:picMkLst>
-            <pc:docMk/>
-            <pc:sldMk cId="2213323745" sldId="274"/>
-            <ac:picMk id="3" creationId="{DC8EA310-4CEB-F6CD-8EBA-90EBC000E7D0}"/>
-          </ac:picMkLst>
-        </pc:picChg>
-      </pc:sldChg>
-      <pc:sldChg chg="del">
-        <pc:chgData name="Riccardo Berta" userId="c8694f89-bba4-4576-b0a8-456619ca5a8c" providerId="ADAL" clId="{4967B734-A465-2844-BA15-7FBACE49D2F8}" dt="2022-10-04T06:54:05.569" v="55" actId="2696"/>
-        <pc:sldMkLst>
-          <pc:docMk/>
-          <pc:sldMk cId="2759966790" sldId="274"/>
-        </pc:sldMkLst>
-      </pc:sldChg>
-      <pc:sldChg chg="addSp modSp add mod">
-        <pc:chgData name="Riccardo Berta" userId="c8694f89-bba4-4576-b0a8-456619ca5a8c" providerId="ADAL" clId="{4967B734-A465-2844-BA15-7FBACE49D2F8}" dt="2022-10-10T05:36:43.547" v="2688" actId="20577"/>
-        <pc:sldMkLst>
-          <pc:docMk/>
-          <pc:sldMk cId="303121765" sldId="275"/>
-        </pc:sldMkLst>
-        <pc:spChg chg="mod">
-          <ac:chgData name="Riccardo Berta" userId="c8694f89-bba4-4576-b0a8-456619ca5a8c" providerId="ADAL" clId="{4967B734-A465-2844-BA15-7FBACE49D2F8}" dt="2022-10-04T08:56:19.042" v="1513"/>
-          <ac:spMkLst>
-            <pc:docMk/>
-            <pc:sldMk cId="303121765" sldId="275"/>
-            <ac:spMk id="83" creationId="{00000000-0000-0000-0000-000000000000}"/>
-          </ac:spMkLst>
-        </pc:spChg>
-        <pc:spChg chg="mod">
-          <ac:chgData name="Riccardo Berta" userId="c8694f89-bba4-4576-b0a8-456619ca5a8c" providerId="ADAL" clId="{4967B734-A465-2844-BA15-7FBACE49D2F8}" dt="2022-10-10T05:36:43.547" v="2688" actId="20577"/>
-          <ac:spMkLst>
-            <pc:docMk/>
-            <pc:sldMk cId="303121765" sldId="275"/>
-            <ac:spMk id="84" creationId="{00000000-0000-0000-0000-000000000000}"/>
-          </ac:spMkLst>
-        </pc:spChg>
-        <pc:picChg chg="add mod">
-          <ac:chgData name="Riccardo Berta" userId="c8694f89-bba4-4576-b0a8-456619ca5a8c" providerId="ADAL" clId="{4967B734-A465-2844-BA15-7FBACE49D2F8}" dt="2022-10-04T09:29:01.183" v="1661" actId="1076"/>
-          <ac:picMkLst>
-            <pc:docMk/>
-            <pc:sldMk cId="303121765" sldId="275"/>
-            <ac:picMk id="3" creationId="{1558432E-BB9A-36EE-DEE9-411FA3BCAAC6}"/>
-          </ac:picMkLst>
-        </pc:picChg>
-        <pc:picChg chg="add mod">
-          <ac:chgData name="Riccardo Berta" userId="c8694f89-bba4-4576-b0a8-456619ca5a8c" providerId="ADAL" clId="{4967B734-A465-2844-BA15-7FBACE49D2F8}" dt="2022-10-04T09:29:10.609" v="1671" actId="1076"/>
-          <ac:picMkLst>
-            <pc:docMk/>
-            <pc:sldMk cId="303121765" sldId="275"/>
-            <ac:picMk id="5" creationId="{AFA7E6B6-E78E-79EF-CB15-0348F1C7B395}"/>
-          </ac:picMkLst>
-        </pc:picChg>
-      </pc:sldChg>
-      <pc:sldChg chg="del">
-        <pc:chgData name="Riccardo Berta" userId="c8694f89-bba4-4576-b0a8-456619ca5a8c" providerId="ADAL" clId="{4967B734-A465-2844-BA15-7FBACE49D2F8}" dt="2022-10-04T06:54:06.082" v="56" actId="2696"/>
-        <pc:sldMkLst>
-          <pc:docMk/>
-          <pc:sldMk cId="3965473342" sldId="275"/>
-        </pc:sldMkLst>
-      </pc:sldChg>
-      <pc:sldChg chg="addSp modSp add mod">
-        <pc:chgData name="Riccardo Berta" userId="c8694f89-bba4-4576-b0a8-456619ca5a8c" providerId="ADAL" clId="{4967B734-A465-2844-BA15-7FBACE49D2F8}" dt="2022-10-04T09:35:09.338" v="1844" actId="113"/>
-        <pc:sldMkLst>
-          <pc:docMk/>
-          <pc:sldMk cId="2020526202" sldId="276"/>
-        </pc:sldMkLst>
-        <pc:spChg chg="mod">
-          <ac:chgData name="Riccardo Berta" userId="c8694f89-bba4-4576-b0a8-456619ca5a8c" providerId="ADAL" clId="{4967B734-A465-2844-BA15-7FBACE49D2F8}" dt="2022-10-04T09:29:30.015" v="1699" actId="20577"/>
-          <ac:spMkLst>
-            <pc:docMk/>
-            <pc:sldMk cId="2020526202" sldId="276"/>
-            <ac:spMk id="83" creationId="{00000000-0000-0000-0000-000000000000}"/>
-          </ac:spMkLst>
-        </pc:spChg>
-        <pc:spChg chg="mod">
-          <ac:chgData name="Riccardo Berta" userId="c8694f89-bba4-4576-b0a8-456619ca5a8c" providerId="ADAL" clId="{4967B734-A465-2844-BA15-7FBACE49D2F8}" dt="2022-10-04T09:35:09.338" v="1844" actId="113"/>
-          <ac:spMkLst>
-            <pc:docMk/>
-            <pc:sldMk cId="2020526202" sldId="276"/>
-            <ac:spMk id="84" creationId="{00000000-0000-0000-0000-000000000000}"/>
-          </ac:spMkLst>
-        </pc:spChg>
-        <pc:picChg chg="add mod">
-          <ac:chgData name="Riccardo Berta" userId="c8694f89-bba4-4576-b0a8-456619ca5a8c" providerId="ADAL" clId="{4967B734-A465-2844-BA15-7FBACE49D2F8}" dt="2022-10-04T09:34:22.336" v="1806" actId="1076"/>
-          <ac:picMkLst>
-            <pc:docMk/>
-            <pc:sldMk cId="2020526202" sldId="276"/>
-            <ac:picMk id="3" creationId="{88ECFE04-FF14-52F4-A978-DE862D655546}"/>
-          </ac:picMkLst>
-        </pc:picChg>
-      </pc:sldChg>
-      <pc:sldChg chg="del">
-        <pc:chgData name="Riccardo Berta" userId="c8694f89-bba4-4576-b0a8-456619ca5a8c" providerId="ADAL" clId="{4967B734-A465-2844-BA15-7FBACE49D2F8}" dt="2022-10-04T06:54:06.650" v="57" actId="2696"/>
-        <pc:sldMkLst>
-          <pc:docMk/>
-          <pc:sldMk cId="3364334937" sldId="276"/>
-        </pc:sldMkLst>
-      </pc:sldChg>
-      <pc:sldChg chg="del">
-        <pc:chgData name="Riccardo Berta" userId="c8694f89-bba4-4576-b0a8-456619ca5a8c" providerId="ADAL" clId="{4967B734-A465-2844-BA15-7FBACE49D2F8}" dt="2022-10-04T06:54:07.117" v="58" actId="2696"/>
-        <pc:sldMkLst>
-          <pc:docMk/>
-          <pc:sldMk cId="2920432797" sldId="277"/>
-        </pc:sldMkLst>
-      </pc:sldChg>
-      <pc:sldChg chg="addSp modSp add mod">
-        <pc:chgData name="Riccardo Berta" userId="c8694f89-bba4-4576-b0a8-456619ca5a8c" providerId="ADAL" clId="{4967B734-A465-2844-BA15-7FBACE49D2F8}" dt="2022-10-10T05:38:42.742" v="2693" actId="20577"/>
-        <pc:sldMkLst>
-          <pc:docMk/>
-          <pc:sldMk cId="3156887330" sldId="277"/>
-        </pc:sldMkLst>
-        <pc:spChg chg="mod">
-          <ac:chgData name="Riccardo Berta" userId="c8694f89-bba4-4576-b0a8-456619ca5a8c" providerId="ADAL" clId="{4967B734-A465-2844-BA15-7FBACE49D2F8}" dt="2022-10-04T09:34:47.105" v="1828" actId="20577"/>
-          <ac:spMkLst>
-            <pc:docMk/>
-            <pc:sldMk cId="3156887330" sldId="277"/>
-            <ac:spMk id="83" creationId="{00000000-0000-0000-0000-000000000000}"/>
-          </ac:spMkLst>
-        </pc:spChg>
-        <pc:spChg chg="mod">
-          <ac:chgData name="Riccardo Berta" userId="c8694f89-bba4-4576-b0a8-456619ca5a8c" providerId="ADAL" clId="{4967B734-A465-2844-BA15-7FBACE49D2F8}" dt="2022-10-10T05:38:42.742" v="2693" actId="20577"/>
-          <ac:spMkLst>
-            <pc:docMk/>
-            <pc:sldMk cId="3156887330" sldId="277"/>
-            <ac:spMk id="84" creationId="{00000000-0000-0000-0000-000000000000}"/>
-          </ac:spMkLst>
-        </pc:spChg>
-        <pc:picChg chg="add mod">
-          <ac:chgData name="Riccardo Berta" userId="c8694f89-bba4-4576-b0a8-456619ca5a8c" providerId="ADAL" clId="{4967B734-A465-2844-BA15-7FBACE49D2F8}" dt="2022-10-04T09:39:19.764" v="1943" actId="1076"/>
-          <ac:picMkLst>
-            <pc:docMk/>
-            <pc:sldMk cId="3156887330" sldId="277"/>
-            <ac:picMk id="3" creationId="{EC767993-3E78-5F54-36E2-E40875AD49A1}"/>
-          </ac:picMkLst>
-        </pc:picChg>
-      </pc:sldChg>
-      <pc:sldChg chg="addSp modSp add mod">
-        <pc:chgData name="Riccardo Berta" userId="c8694f89-bba4-4576-b0a8-456619ca5a8c" providerId="ADAL" clId="{4967B734-A465-2844-BA15-7FBACE49D2F8}" dt="2022-10-04T09:50:43.485" v="2061" actId="1076"/>
-        <pc:sldMkLst>
-          <pc:docMk/>
-          <pc:sldMk cId="1586284290" sldId="278"/>
-        </pc:sldMkLst>
-        <pc:spChg chg="mod">
-          <ac:chgData name="Riccardo Berta" userId="c8694f89-bba4-4576-b0a8-456619ca5a8c" providerId="ADAL" clId="{4967B734-A465-2844-BA15-7FBACE49D2F8}" dt="2022-10-04T09:39:46.696" v="1972" actId="20577"/>
-          <ac:spMkLst>
-            <pc:docMk/>
-            <pc:sldMk cId="1586284290" sldId="278"/>
-            <ac:spMk id="83" creationId="{00000000-0000-0000-0000-000000000000}"/>
-          </ac:spMkLst>
-        </pc:spChg>
-        <pc:spChg chg="mod">
-          <ac:chgData name="Riccardo Berta" userId="c8694f89-bba4-4576-b0a8-456619ca5a8c" providerId="ADAL" clId="{4967B734-A465-2844-BA15-7FBACE49D2F8}" dt="2022-10-04T09:50:25.842" v="2059" actId="20577"/>
-          <ac:spMkLst>
-            <pc:docMk/>
-            <pc:sldMk cId="1586284290" sldId="278"/>
-            <ac:spMk id="84" creationId="{00000000-0000-0000-0000-000000000000}"/>
-          </ac:spMkLst>
-        </pc:spChg>
-        <pc:picChg chg="add mod modCrop">
-          <ac:chgData name="Riccardo Berta" userId="c8694f89-bba4-4576-b0a8-456619ca5a8c" providerId="ADAL" clId="{4967B734-A465-2844-BA15-7FBACE49D2F8}" dt="2022-10-04T09:48:54.619" v="2028" actId="1076"/>
-          <ac:picMkLst>
-            <pc:docMk/>
-            <pc:sldMk cId="1586284290" sldId="278"/>
-            <ac:picMk id="3" creationId="{EC904396-95B0-3596-C30B-F4DAD67A93A0}"/>
-          </ac:picMkLst>
-        </pc:picChg>
-        <pc:picChg chg="add mod">
-          <ac:chgData name="Riccardo Berta" userId="c8694f89-bba4-4576-b0a8-456619ca5a8c" providerId="ADAL" clId="{4967B734-A465-2844-BA15-7FBACE49D2F8}" dt="2022-10-04T09:50:43.485" v="2061" actId="1076"/>
-          <ac:picMkLst>
-            <pc:docMk/>
-            <pc:sldMk cId="1586284290" sldId="278"/>
-            <ac:picMk id="5" creationId="{F263AB65-02BC-B30C-60E2-24FB398F2F09}"/>
-          </ac:picMkLst>
-        </pc:picChg>
-      </pc:sldChg>
-      <pc:sldChg chg="del">
-        <pc:chgData name="Riccardo Berta" userId="c8694f89-bba4-4576-b0a8-456619ca5a8c" providerId="ADAL" clId="{4967B734-A465-2844-BA15-7FBACE49D2F8}" dt="2022-10-04T06:54:07.594" v="59" actId="2696"/>
-        <pc:sldMkLst>
-          <pc:docMk/>
-          <pc:sldMk cId="3024273348" sldId="278"/>
-        </pc:sldMkLst>
-      </pc:sldChg>
-      <pc:sldChg chg="del">
-        <pc:chgData name="Riccardo Berta" userId="c8694f89-bba4-4576-b0a8-456619ca5a8c" providerId="ADAL" clId="{4967B734-A465-2844-BA15-7FBACE49D2F8}" dt="2022-10-04T06:54:08.017" v="60" actId="2696"/>
-        <pc:sldMkLst>
-          <pc:docMk/>
-          <pc:sldMk cId="2505677359" sldId="279"/>
-        </pc:sldMkLst>
-      </pc:sldChg>
-      <pc:sldChg chg="modSp add mod">
-        <pc:chgData name="Riccardo Berta" userId="c8694f89-bba4-4576-b0a8-456619ca5a8c" providerId="ADAL" clId="{4967B734-A465-2844-BA15-7FBACE49D2F8}" dt="2022-10-04T09:56:29.719" v="2268" actId="404"/>
-        <pc:sldMkLst>
-          <pc:docMk/>
-          <pc:sldMk cId="2677523252" sldId="279"/>
-        </pc:sldMkLst>
-        <pc:spChg chg="mod">
-          <ac:chgData name="Riccardo Berta" userId="c8694f89-bba4-4576-b0a8-456619ca5a8c" providerId="ADAL" clId="{4967B734-A465-2844-BA15-7FBACE49D2F8}" dt="2022-10-04T09:51:16.166" v="2076" actId="20577"/>
-          <ac:spMkLst>
-            <pc:docMk/>
-            <pc:sldMk cId="2677523252" sldId="279"/>
-            <ac:spMk id="83" creationId="{00000000-0000-0000-0000-000000000000}"/>
-          </ac:spMkLst>
-        </pc:spChg>
-        <pc:spChg chg="mod">
-          <ac:chgData name="Riccardo Berta" userId="c8694f89-bba4-4576-b0a8-456619ca5a8c" providerId="ADAL" clId="{4967B734-A465-2844-BA15-7FBACE49D2F8}" dt="2022-10-04T09:56:29.719" v="2268" actId="404"/>
-          <ac:spMkLst>
-            <pc:docMk/>
-            <pc:sldMk cId="2677523252" sldId="279"/>
-            <ac:spMk id="84" creationId="{00000000-0000-0000-0000-000000000000}"/>
-          </ac:spMkLst>
-        </pc:spChg>
-      </pc:sldChg>
-      <pc:sldChg chg="addSp delSp modSp add mod">
-        <pc:chgData name="Riccardo Berta" userId="c8694f89-bba4-4576-b0a8-456619ca5a8c" providerId="ADAL" clId="{4967B734-A465-2844-BA15-7FBACE49D2F8}" dt="2022-10-10T05:41:52.141" v="2700" actId="1036"/>
-        <pc:sldMkLst>
-          <pc:docMk/>
-          <pc:sldMk cId="635836889" sldId="280"/>
-        </pc:sldMkLst>
-        <pc:spChg chg="add del mod">
-          <ac:chgData name="Riccardo Berta" userId="c8694f89-bba4-4576-b0a8-456619ca5a8c" providerId="ADAL" clId="{4967B734-A465-2844-BA15-7FBACE49D2F8}" dt="2022-10-04T10:06:24.142" v="2388"/>
-          <ac:spMkLst>
-            <pc:docMk/>
-            <pc:sldMk cId="635836889" sldId="280"/>
-            <ac:spMk id="4" creationId="{CD5234B4-8570-26AF-D55A-23B29365C2EC}"/>
-          </ac:spMkLst>
-        </pc:spChg>
-        <pc:spChg chg="mod">
-          <ac:chgData name="Riccardo Berta" userId="c8694f89-bba4-4576-b0a8-456619ca5a8c" providerId="ADAL" clId="{4967B734-A465-2844-BA15-7FBACE49D2F8}" dt="2022-10-04T10:04:00.493" v="2348" actId="20577"/>
-          <ac:spMkLst>
-            <pc:docMk/>
-            <pc:sldMk cId="635836889" sldId="280"/>
-            <ac:spMk id="83" creationId="{00000000-0000-0000-0000-000000000000}"/>
-          </ac:spMkLst>
-        </pc:spChg>
-        <pc:spChg chg="mod">
-          <ac:chgData name="Riccardo Berta" userId="c8694f89-bba4-4576-b0a8-456619ca5a8c" providerId="ADAL" clId="{4967B734-A465-2844-BA15-7FBACE49D2F8}" dt="2022-10-10T05:41:42.757" v="2695" actId="20577"/>
-          <ac:spMkLst>
-            <pc:docMk/>
-            <pc:sldMk cId="635836889" sldId="280"/>
-            <ac:spMk id="84" creationId="{00000000-0000-0000-0000-000000000000}"/>
-          </ac:spMkLst>
-        </pc:spChg>
-        <pc:picChg chg="add mod">
-          <ac:chgData name="Riccardo Berta" userId="c8694f89-bba4-4576-b0a8-456619ca5a8c" providerId="ADAL" clId="{4967B734-A465-2844-BA15-7FBACE49D2F8}" dt="2022-10-10T05:41:52.141" v="2700" actId="1036"/>
-          <ac:picMkLst>
-            <pc:docMk/>
-            <pc:sldMk cId="635836889" sldId="280"/>
-            <ac:picMk id="3" creationId="{9D698964-6810-0A38-210E-1AC551FB61ED}"/>
-          </ac:picMkLst>
-        </pc:picChg>
-      </pc:sldChg>
-      <pc:sldChg chg="del">
-        <pc:chgData name="Riccardo Berta" userId="c8694f89-bba4-4576-b0a8-456619ca5a8c" providerId="ADAL" clId="{4967B734-A465-2844-BA15-7FBACE49D2F8}" dt="2022-10-04T06:54:08.481" v="61" actId="2696"/>
-        <pc:sldMkLst>
-          <pc:docMk/>
-          <pc:sldMk cId="3525330065" sldId="280"/>
-        </pc:sldMkLst>
-      </pc:sldChg>
-      <pc:sldChg chg="del">
-        <pc:chgData name="Riccardo Berta" userId="c8694f89-bba4-4576-b0a8-456619ca5a8c" providerId="ADAL" clId="{4967B734-A465-2844-BA15-7FBACE49D2F8}" dt="2022-10-04T06:54:08.911" v="62" actId="2696"/>
-        <pc:sldMkLst>
-          <pc:docMk/>
-          <pc:sldMk cId="349541788" sldId="281"/>
-        </pc:sldMkLst>
-      </pc:sldChg>
-      <pc:sldChg chg="addSp modSp add mod">
-        <pc:chgData name="Riccardo Berta" userId="c8694f89-bba4-4576-b0a8-456619ca5a8c" providerId="ADAL" clId="{4967B734-A465-2844-BA15-7FBACE49D2F8}" dt="2022-10-04T10:06:15.809" v="2385" actId="1076"/>
-        <pc:sldMkLst>
-          <pc:docMk/>
-          <pc:sldMk cId="2288803032" sldId="281"/>
-        </pc:sldMkLst>
-        <pc:spChg chg="mod">
-          <ac:chgData name="Riccardo Berta" userId="c8694f89-bba4-4576-b0a8-456619ca5a8c" providerId="ADAL" clId="{4967B734-A465-2844-BA15-7FBACE49D2F8}" dt="2022-10-04T10:04:07.647" v="2351" actId="20577"/>
-          <ac:spMkLst>
-            <pc:docMk/>
-            <pc:sldMk cId="2288803032" sldId="281"/>
-            <ac:spMk id="83" creationId="{00000000-0000-0000-0000-000000000000}"/>
-          </ac:spMkLst>
-        </pc:spChg>
-        <pc:spChg chg="mod">
-          <ac:chgData name="Riccardo Berta" userId="c8694f89-bba4-4576-b0a8-456619ca5a8c" providerId="ADAL" clId="{4967B734-A465-2844-BA15-7FBACE49D2F8}" dt="2022-10-04T10:06:05.744" v="2382" actId="113"/>
-          <ac:spMkLst>
-            <pc:docMk/>
-            <pc:sldMk cId="2288803032" sldId="281"/>
-            <ac:spMk id="84" creationId="{00000000-0000-0000-0000-000000000000}"/>
-          </ac:spMkLst>
-        </pc:spChg>
-        <pc:picChg chg="add mod">
-          <ac:chgData name="Riccardo Berta" userId="c8694f89-bba4-4576-b0a8-456619ca5a8c" providerId="ADAL" clId="{4967B734-A465-2844-BA15-7FBACE49D2F8}" dt="2022-10-04T10:06:15.809" v="2385" actId="1076"/>
-          <ac:picMkLst>
-            <pc:docMk/>
-            <pc:sldMk cId="2288803032" sldId="281"/>
-            <ac:picMk id="3" creationId="{54E22ADE-C1D5-4C60-42F1-3C4C79C16916}"/>
-          </ac:picMkLst>
-        </pc:picChg>
-      </pc:sldChg>
-      <pc:sldChg chg="addSp delSp modSp add mod">
-        <pc:chgData name="Riccardo Berta" userId="c8694f89-bba4-4576-b0a8-456619ca5a8c" providerId="ADAL" clId="{4967B734-A465-2844-BA15-7FBACE49D2F8}" dt="2022-10-04T10:16:31.835" v="2463" actId="20577"/>
-        <pc:sldMkLst>
-          <pc:docMk/>
-          <pc:sldMk cId="663506827" sldId="282"/>
-        </pc:sldMkLst>
-        <pc:spChg chg="mod">
-          <ac:chgData name="Riccardo Berta" userId="c8694f89-bba4-4576-b0a8-456619ca5a8c" providerId="ADAL" clId="{4967B734-A465-2844-BA15-7FBACE49D2F8}" dt="2022-10-04T10:16:31.835" v="2463" actId="20577"/>
-          <ac:spMkLst>
-            <pc:docMk/>
-            <pc:sldMk cId="663506827" sldId="282"/>
-            <ac:spMk id="83" creationId="{00000000-0000-0000-0000-000000000000}"/>
-          </ac:spMkLst>
-        </pc:spChg>
-        <pc:spChg chg="mod">
-          <ac:chgData name="Riccardo Berta" userId="c8694f89-bba4-4576-b0a8-456619ca5a8c" providerId="ADAL" clId="{4967B734-A465-2844-BA15-7FBACE49D2F8}" dt="2022-10-04T10:07:50.041" v="2416" actId="1076"/>
-          <ac:spMkLst>
-            <pc:docMk/>
-            <pc:sldMk cId="663506827" sldId="282"/>
-            <ac:spMk id="84" creationId="{00000000-0000-0000-0000-000000000000}"/>
-          </ac:spMkLst>
-        </pc:spChg>
-        <pc:picChg chg="del">
-          <ac:chgData name="Riccardo Berta" userId="c8694f89-bba4-4576-b0a8-456619ca5a8c" providerId="ADAL" clId="{4967B734-A465-2844-BA15-7FBACE49D2F8}" dt="2022-10-04T10:06:28.259" v="2391" actId="478"/>
-          <ac:picMkLst>
-            <pc:docMk/>
-            <pc:sldMk cId="663506827" sldId="282"/>
-            <ac:picMk id="3" creationId="{54E22ADE-C1D5-4C60-42F1-3C4C79C16916}"/>
-          </ac:picMkLst>
-        </pc:picChg>
-        <pc:picChg chg="add mod">
-          <ac:chgData name="Riccardo Berta" userId="c8694f89-bba4-4576-b0a8-456619ca5a8c" providerId="ADAL" clId="{4967B734-A465-2844-BA15-7FBACE49D2F8}" dt="2022-10-04T10:07:56.607" v="2418" actId="1076"/>
-          <ac:picMkLst>
-            <pc:docMk/>
-            <pc:sldMk cId="663506827" sldId="282"/>
-            <ac:picMk id="4" creationId="{CB17357D-3BA1-B6CF-F4B0-06F6D3C3026E}"/>
-          </ac:picMkLst>
-        </pc:picChg>
-      </pc:sldChg>
-      <pc:sldChg chg="del">
-        <pc:chgData name="Riccardo Berta" userId="c8694f89-bba4-4576-b0a8-456619ca5a8c" providerId="ADAL" clId="{4967B734-A465-2844-BA15-7FBACE49D2F8}" dt="2022-10-04T06:54:09.464" v="63" actId="2696"/>
-        <pc:sldMkLst>
-          <pc:docMk/>
-          <pc:sldMk cId="2584172506" sldId="282"/>
-        </pc:sldMkLst>
-      </pc:sldChg>
-      <pc:sldChg chg="addSp delSp modSp add mod">
-        <pc:chgData name="Riccardo Berta" userId="c8694f89-bba4-4576-b0a8-456619ca5a8c" providerId="ADAL" clId="{4967B734-A465-2844-BA15-7FBACE49D2F8}" dt="2022-10-04T10:17:39.088" v="2550" actId="20577"/>
-        <pc:sldMkLst>
-          <pc:docMk/>
-          <pc:sldMk cId="2423864326" sldId="283"/>
-        </pc:sldMkLst>
-        <pc:spChg chg="mod">
-          <ac:chgData name="Riccardo Berta" userId="c8694f89-bba4-4576-b0a8-456619ca5a8c" providerId="ADAL" clId="{4967B734-A465-2844-BA15-7FBACE49D2F8}" dt="2022-10-04T10:16:35.426" v="2465" actId="20577"/>
-          <ac:spMkLst>
-            <pc:docMk/>
-            <pc:sldMk cId="2423864326" sldId="283"/>
-            <ac:spMk id="83" creationId="{00000000-0000-0000-0000-000000000000}"/>
-          </ac:spMkLst>
-        </pc:spChg>
-        <pc:spChg chg="mod">
-          <ac:chgData name="Riccardo Berta" userId="c8694f89-bba4-4576-b0a8-456619ca5a8c" providerId="ADAL" clId="{4967B734-A465-2844-BA15-7FBACE49D2F8}" dt="2022-10-04T10:17:39.088" v="2550" actId="20577"/>
-          <ac:spMkLst>
-            <pc:docMk/>
-            <pc:sldMk cId="2423864326" sldId="283"/>
-            <ac:spMk id="84" creationId="{00000000-0000-0000-0000-000000000000}"/>
-          </ac:spMkLst>
-        </pc:spChg>
-        <pc:picChg chg="add mod">
-          <ac:chgData name="Riccardo Berta" userId="c8694f89-bba4-4576-b0a8-456619ca5a8c" providerId="ADAL" clId="{4967B734-A465-2844-BA15-7FBACE49D2F8}" dt="2022-10-04T10:16:40.395" v="2467" actId="1076"/>
-          <ac:picMkLst>
-            <pc:docMk/>
-            <pc:sldMk cId="2423864326" sldId="283"/>
-            <ac:picMk id="3" creationId="{A9220B9F-26DE-F97C-B182-0C5B8ACF52A6}"/>
-          </ac:picMkLst>
-        </pc:picChg>
-        <pc:picChg chg="del">
-          <ac:chgData name="Riccardo Berta" userId="c8694f89-bba4-4576-b0a8-456619ca5a8c" providerId="ADAL" clId="{4967B734-A465-2844-BA15-7FBACE49D2F8}" dt="2022-10-04T10:08:28.635" v="2424" actId="478"/>
-          <ac:picMkLst>
-            <pc:docMk/>
-            <pc:sldMk cId="2423864326" sldId="283"/>
-            <ac:picMk id="4" creationId="{CB17357D-3BA1-B6CF-F4B0-06F6D3C3026E}"/>
-          </ac:picMkLst>
-        </pc:picChg>
-        <pc:picChg chg="add del mod">
-          <ac:chgData name="Riccardo Berta" userId="c8694f89-bba4-4576-b0a8-456619ca5a8c" providerId="ADAL" clId="{4967B734-A465-2844-BA15-7FBACE49D2F8}" dt="2022-10-04T10:15:22.510" v="2440" actId="21"/>
-          <ac:picMkLst>
-            <pc:docMk/>
-            <pc:sldMk cId="2423864326" sldId="283"/>
-            <ac:picMk id="6" creationId="{47EEA959-CD75-423F-FF11-1B537B275B90}"/>
-          </ac:picMkLst>
-        </pc:picChg>
-      </pc:sldChg>
-      <pc:sldChg chg="del">
-        <pc:chgData name="Riccardo Berta" userId="c8694f89-bba4-4576-b0a8-456619ca5a8c" providerId="ADAL" clId="{4967B734-A465-2844-BA15-7FBACE49D2F8}" dt="2022-10-04T06:54:09.892" v="64" actId="2696"/>
-        <pc:sldMkLst>
-          <pc:docMk/>
-          <pc:sldMk cId="2548826204" sldId="283"/>
-        </pc:sldMkLst>
-      </pc:sldChg>
-      <pc:sldChg chg="add del">
-        <pc:chgData name="Riccardo Berta" userId="c8694f89-bba4-4576-b0a8-456619ca5a8c" providerId="ADAL" clId="{4967B734-A465-2844-BA15-7FBACE49D2F8}" dt="2022-10-04T10:14:48.405" v="2429"/>
-        <pc:sldMkLst>
-          <pc:docMk/>
-          <pc:sldMk cId="196183857" sldId="284"/>
-        </pc:sldMkLst>
-      </pc:sldChg>
-      <pc:sldChg chg="addSp delSp modSp add mod">
-        <pc:chgData name="Riccardo Berta" userId="c8694f89-bba4-4576-b0a8-456619ca5a8c" providerId="ADAL" clId="{4967B734-A465-2844-BA15-7FBACE49D2F8}" dt="2022-10-04T10:16:23.053" v="2461" actId="1076"/>
-        <pc:sldMkLst>
-          <pc:docMk/>
-          <pc:sldMk cId="852930802" sldId="284"/>
-        </pc:sldMkLst>
-        <pc:spChg chg="mod">
-          <ac:chgData name="Riccardo Berta" userId="c8694f89-bba4-4576-b0a8-456619ca5a8c" providerId="ADAL" clId="{4967B734-A465-2844-BA15-7FBACE49D2F8}" dt="2022-10-04T10:15:10.060" v="2434" actId="20577"/>
-          <ac:spMkLst>
-            <pc:docMk/>
-            <pc:sldMk cId="852930802" sldId="284"/>
-            <ac:spMk id="83" creationId="{00000000-0000-0000-0000-000000000000}"/>
-          </ac:spMkLst>
-        </pc:spChg>
-        <pc:spChg chg="mod">
-          <ac:chgData name="Riccardo Berta" userId="c8694f89-bba4-4576-b0a8-456619ca5a8c" providerId="ADAL" clId="{4967B734-A465-2844-BA15-7FBACE49D2F8}" dt="2022-10-04T10:16:02.996" v="2458" actId="20577"/>
-          <ac:spMkLst>
-            <pc:docMk/>
-            <pc:sldMk cId="852930802" sldId="284"/>
-            <ac:spMk id="84" creationId="{00000000-0000-0000-0000-000000000000}"/>
-          </ac:spMkLst>
-        </pc:spChg>
-        <pc:picChg chg="add mod">
-          <ac:chgData name="Riccardo Berta" userId="c8694f89-bba4-4576-b0a8-456619ca5a8c" providerId="ADAL" clId="{4967B734-A465-2844-BA15-7FBACE49D2F8}" dt="2022-10-04T10:16:23.053" v="2461" actId="1076"/>
-          <ac:picMkLst>
-            <pc:docMk/>
-            <pc:sldMk cId="852930802" sldId="284"/>
-            <ac:picMk id="2" creationId="{DF568B29-4E99-A3CF-2B9A-96B190172962}"/>
-          </ac:picMkLst>
-        </pc:picChg>
-        <pc:picChg chg="del">
-          <ac:chgData name="Riccardo Berta" userId="c8694f89-bba4-4576-b0a8-456619ca5a8c" providerId="ADAL" clId="{4967B734-A465-2844-BA15-7FBACE49D2F8}" dt="2022-10-04T10:15:11.873" v="2435" actId="478"/>
-          <ac:picMkLst>
-            <pc:docMk/>
-            <pc:sldMk cId="852930802" sldId="284"/>
-            <ac:picMk id="3" creationId="{54E22ADE-C1D5-4C60-42F1-3C4C79C16916}"/>
-          </ac:picMkLst>
-        </pc:picChg>
-      </pc:sldChg>
-      <pc:sldChg chg="del">
-        <pc:chgData name="Riccardo Berta" userId="c8694f89-bba4-4576-b0a8-456619ca5a8c" providerId="ADAL" clId="{4967B734-A465-2844-BA15-7FBACE49D2F8}" dt="2022-10-04T06:54:10.321" v="65" actId="2696"/>
-        <pc:sldMkLst>
-          <pc:docMk/>
-          <pc:sldMk cId="3494619461" sldId="284"/>
-        </pc:sldMkLst>
-      </pc:sldChg>
-      <pc:sldChg chg="del">
-        <pc:chgData name="Riccardo Berta" userId="c8694f89-bba4-4576-b0a8-456619ca5a8c" providerId="ADAL" clId="{4967B734-A465-2844-BA15-7FBACE49D2F8}" dt="2022-10-04T06:54:10.985" v="66" actId="2696"/>
-        <pc:sldMkLst>
-          <pc:docMk/>
-          <pc:sldMk cId="3458162749" sldId="285"/>
-        </pc:sldMkLst>
-      </pc:sldChg>
-      <pc:sldChg chg="del">
-        <pc:chgData name="Riccardo Berta" userId="c8694f89-bba4-4576-b0a8-456619ca5a8c" providerId="ADAL" clId="{4967B734-A465-2844-BA15-7FBACE49D2F8}" dt="2022-10-04T06:54:13.372" v="69" actId="2696"/>
-        <pc:sldMkLst>
-          <pc:docMk/>
-          <pc:sldMk cId="3186725423" sldId="286"/>
-        </pc:sldMkLst>
-      </pc:sldChg>
-      <pc:sldChg chg="del">
-        <pc:chgData name="Riccardo Berta" userId="c8694f89-bba4-4576-b0a8-456619ca5a8c" providerId="ADAL" clId="{4967B734-A465-2844-BA15-7FBACE49D2F8}" dt="2022-10-04T06:54:04.705" v="53" actId="2696"/>
-        <pc:sldMkLst>
-          <pc:docMk/>
-          <pc:sldMk cId="1166550415" sldId="288"/>
-        </pc:sldMkLst>
-      </pc:sldChg>
-      <pc:sldChg chg="del">
-        <pc:chgData name="Riccardo Berta" userId="c8694f89-bba4-4576-b0a8-456619ca5a8c" providerId="ADAL" clId="{4967B734-A465-2844-BA15-7FBACE49D2F8}" dt="2022-10-04T06:54:12.030" v="67" actId="2696"/>
-        <pc:sldMkLst>
-          <pc:docMk/>
-          <pc:sldMk cId="0" sldId="344"/>
-        </pc:sldMkLst>
-      </pc:sldChg>
-      <pc:sldChg chg="del">
-        <pc:chgData name="Riccardo Berta" userId="c8694f89-bba4-4576-b0a8-456619ca5a8c" providerId="ADAL" clId="{4967B734-A465-2844-BA15-7FBACE49D2F8}" dt="2022-10-04T06:54:12.601" v="68" actId="2696"/>
-        <pc:sldMkLst>
-          <pc:docMk/>
-          <pc:sldMk cId="615642029" sldId="403"/>
-        </pc:sldMkLst>
-      </pc:sldChg>
-      <pc:sldMasterChg chg="delSldLayout">
-        <pc:chgData name="Riccardo Berta" userId="c8694f89-bba4-4576-b0a8-456619ca5a8c" providerId="ADAL" clId="{4967B734-A465-2844-BA15-7FBACE49D2F8}" dt="2022-10-04T06:54:12.601" v="68" actId="2696"/>
-        <pc:sldMasterMkLst>
-          <pc:docMk/>
-          <pc:sldMasterMk cId="0" sldId="2147483659"/>
-        </pc:sldMasterMkLst>
-        <pc:sldLayoutChg chg="del">
-          <pc:chgData name="Riccardo Berta" userId="c8694f89-bba4-4576-b0a8-456619ca5a8c" providerId="ADAL" clId="{4967B734-A465-2844-BA15-7FBACE49D2F8}" dt="2022-10-04T06:54:12.601" v="68" actId="2696"/>
-          <pc:sldLayoutMkLst>
-            <pc:docMk/>
-            <pc:sldMasterMk cId="0" sldId="2147483659"/>
-            <pc:sldLayoutMk cId="2937273629" sldId="2147483660"/>
-          </pc:sldLayoutMkLst>
-        </pc:sldLayoutChg>
-      </pc:sldMasterChg>
     </pc:docChg>
   </pc:docChgLst>
 </pc:chgInfo>
@@ -13338,13 +13338,14 @@
             <a:endParaRPr lang="en-GB" sz="2000" dirty="0"/>
           </a:p>
           <a:p>
+            <a:pPr lvl="0"/>
             <a:r>
               <a:rPr lang="en-GB" sz="1800" b="1" dirty="0">
                 <a:highlight>
                   <a:srgbClr val="FFFF00"/>
                 </a:highlight>
               </a:rPr>
-              <a:t>See “q-</a:t>
+              <a:t>See “</a:t>
             </a:r>
             <a:r>
               <a:rPr lang="en-GB" sz="1800" b="1" dirty="0" err="1">
@@ -13352,7 +13353,7 @@
                   <a:srgbClr val="FFFF00"/>
                 </a:highlight>
               </a:rPr>
-              <a:t>learning.ipynb</a:t>
+              <a:t>notebook.ipynb</a:t>
             </a:r>
             <a:r>
               <a:rPr lang="en-GB" sz="1800" b="1" dirty="0">
@@ -13360,7 +13361,7 @@
                   <a:srgbClr val="FFFF00"/>
                 </a:highlight>
               </a:rPr>
-              <a:t>” notebook</a:t>
+              <a:t>”</a:t>
             </a:r>
           </a:p>
           <a:p>
@@ -13816,13 +13817,14 @@
             <a:endParaRPr lang="en-GB" sz="1800" dirty="0"/>
           </a:p>
           <a:p>
+            <a:pPr lvl="0"/>
             <a:r>
               <a:rPr lang="en-GB" sz="1600" b="1" dirty="0">
                 <a:highlight>
                   <a:srgbClr val="FFFF00"/>
                 </a:highlight>
               </a:rPr>
-              <a:t>See “double-q-</a:t>
+              <a:t>See “</a:t>
             </a:r>
             <a:r>
               <a:rPr lang="en-GB" sz="1600" b="1" dirty="0" err="1">
@@ -13830,7 +13832,7 @@
                   <a:srgbClr val="FFFF00"/>
                 </a:highlight>
               </a:rPr>
-              <a:t>learning.ipynb</a:t>
+              <a:t>notebook.ipynb</a:t>
             </a:r>
             <a:r>
               <a:rPr lang="en-GB" sz="1600" b="1" dirty="0">
@@ -13838,7 +13840,7 @@
                   <a:srgbClr val="FFFF00"/>
                 </a:highlight>
               </a:rPr>
-              <a:t>” notebook</a:t>
+              <a:t>”</a:t>
             </a:r>
           </a:p>
           <a:p>
@@ -14328,6 +14330,7 @@
             <a:endParaRPr lang="en-GB" sz="1800" dirty="0"/>
           </a:p>
           <a:p>
+            <a:pPr lvl="0"/>
             <a:r>
               <a:rPr lang="en-GB" sz="1800" b="1" dirty="0">
                 <a:highlight>
@@ -14342,7 +14345,7 @@
                   <a:srgbClr val="FFFF00"/>
                 </a:highlight>
               </a:rPr>
-              <a:t>sarsa-lambda.ipynb</a:t>
+              <a:t>notebook.ipynb</a:t>
             </a:r>
             <a:r>
               <a:rPr lang="en-GB" sz="1800" b="1" dirty="0">
@@ -14350,7 +14353,7 @@
                   <a:srgbClr val="FFFF00"/>
                 </a:highlight>
               </a:rPr>
-              <a:t>” notebook</a:t>
+              <a:t>”</a:t>
             </a:r>
           </a:p>
           <a:p>
@@ -14607,13 +14610,14 @@
             <a:endParaRPr lang="en-GB" sz="1800" dirty="0"/>
           </a:p>
           <a:p>
+            <a:pPr lvl="0"/>
             <a:r>
               <a:rPr lang="en-GB" sz="1800" b="1" dirty="0">
                 <a:highlight>
                   <a:srgbClr val="FFFF00"/>
                 </a:highlight>
               </a:rPr>
-              <a:t>See “q-</a:t>
+              <a:t>See “</a:t>
             </a:r>
             <a:r>
               <a:rPr lang="en-GB" sz="1800" b="1" dirty="0" err="1">
@@ -14621,7 +14625,7 @@
                   <a:srgbClr val="FFFF00"/>
                 </a:highlight>
               </a:rPr>
-              <a:t>lambda.ipynb</a:t>
+              <a:t>notebook.ipynb</a:t>
             </a:r>
             <a:r>
               <a:rPr lang="en-GB" sz="1800" b="1" dirty="0">
@@ -14629,7 +14633,7 @@
                   <a:srgbClr val="FFFF00"/>
                 </a:highlight>
               </a:rPr>
-              <a:t>” notebook</a:t>
+              <a:t>”</a:t>
             </a:r>
           </a:p>
           <a:p>
@@ -15034,6 +15038,7 @@
             <a:endParaRPr lang="en-GB" sz="1800" dirty="0"/>
           </a:p>
           <a:p>
+            <a:pPr lvl="0"/>
             <a:r>
               <a:rPr lang="en-GB" sz="1800" b="1" dirty="0">
                 <a:highlight>
@@ -15048,7 +15053,7 @@
                   <a:srgbClr val="FFFF00"/>
                 </a:highlight>
               </a:rPr>
-              <a:t>comparison.ipynb</a:t>
+              <a:t>notebook.ipynb</a:t>
             </a:r>
             <a:r>
               <a:rPr lang="en-GB" sz="1800" b="1" dirty="0">
@@ -15056,7 +15061,7 @@
                   <a:srgbClr val="FFFF00"/>
                 </a:highlight>
               </a:rPr>
-              <a:t>” notebook</a:t>
+              <a:t>”</a:t>
             </a:r>
           </a:p>
           <a:p>
@@ -16065,7 +16070,7 @@
                   <a:srgbClr val="FFFF00"/>
                 </a:highlight>
               </a:rPr>
-              <a:t>See “monte-</a:t>
+              <a:t>See “</a:t>
             </a:r>
             <a:r>
               <a:rPr lang="en-GB" sz="1800" b="1" dirty="0" err="1">
@@ -16073,7 +16078,7 @@
                   <a:srgbClr val="FFFF00"/>
                 </a:highlight>
               </a:rPr>
-              <a:t>carlo</a:t>
+              <a:t>notebook.ipynb</a:t>
             </a:r>
             <a:r>
               <a:rPr lang="en-GB" sz="1800" b="1" dirty="0">
@@ -16081,23 +16086,7 @@
                   <a:srgbClr val="FFFF00"/>
                 </a:highlight>
               </a:rPr>
-              <a:t>-</a:t>
-            </a:r>
-            <a:r>
-              <a:rPr lang="en-GB" sz="1800" b="1" dirty="0" err="1">
-                <a:highlight>
-                  <a:srgbClr val="FFFF00"/>
-                </a:highlight>
-              </a:rPr>
-              <a:t>control.ipynb</a:t>
-            </a:r>
-            <a:r>
-              <a:rPr lang="en-GB" sz="1800" b="1" dirty="0">
-                <a:highlight>
-                  <a:srgbClr val="FFFF00"/>
-                </a:highlight>
-              </a:rPr>
-              <a:t>” notebook</a:t>
+              <a:t>”</a:t>
             </a:r>
           </a:p>
           <a:p>
@@ -16409,6 +16398,7 @@
             <a:endParaRPr lang="en-GB" sz="1600" dirty="0"/>
           </a:p>
           <a:p>
+            <a:pPr lvl="0"/>
             <a:r>
               <a:rPr lang="en-GB" sz="1800" b="1" dirty="0">
                 <a:highlight>
@@ -16423,7 +16413,7 @@
                   <a:srgbClr val="FFFF00"/>
                 </a:highlight>
               </a:rPr>
-              <a:t>sarsa.ipynb</a:t>
+              <a:t>notebook.ipynb</a:t>
             </a:r>
             <a:r>
               <a:rPr lang="en-GB" sz="1800" b="1" dirty="0">
@@ -16431,7 +16421,7 @@
                   <a:srgbClr val="FFFF00"/>
                 </a:highlight>
               </a:rPr>
-              <a:t>” notebook</a:t>
+              <a:t>”</a:t>
             </a:r>
           </a:p>
           <a:p>

--- a/05 - Policy Improvement/slides.pptx
+++ b/05 - Policy Improvement/slides.pptx
@@ -5,7 +5,7 @@
     <p:sldMasterId id="2147483659" r:id="rId1"/>
   </p:sldMasterIdLst>
   <p:notesMasterIdLst>
-    <p:notesMasterId r:id="rId23"/>
+    <p:notesMasterId r:id="rId24"/>
   </p:notesMasterIdLst>
   <p:sldIdLst>
     <p:sldId id="256" r:id="rId2"/>
@@ -29,23 +29,24 @@
     <p:sldId id="310" r:id="rId20"/>
     <p:sldId id="311" r:id="rId21"/>
     <p:sldId id="312" r:id="rId22"/>
+    <p:sldId id="313" r:id="rId23"/>
   </p:sldIdLst>
   <p:sldSz cx="9144000" cy="6858000" type="screen4x3"/>
   <p:notesSz cx="6858000" cy="9144000"/>
   <p:embeddedFontLst>
     <p:embeddedFont>
       <p:font typeface="Economica" panose="02000506040000020004" pitchFamily="2" charset="77"/>
-      <p:regular r:id="rId24"/>
-      <p:bold r:id="rId25"/>
-      <p:italic r:id="rId26"/>
-      <p:boldItalic r:id="rId27"/>
+      <p:regular r:id="rId25"/>
+      <p:bold r:id="rId26"/>
+      <p:italic r:id="rId27"/>
+      <p:boldItalic r:id="rId28"/>
     </p:embeddedFont>
     <p:embeddedFont>
       <p:font typeface="Open Sans" panose="020B0606030504020204" pitchFamily="34" charset="0"/>
-      <p:regular r:id="rId28"/>
-      <p:bold r:id="rId29"/>
-      <p:italic r:id="rId30"/>
-      <p:boldItalic r:id="rId31"/>
+      <p:regular r:id="rId29"/>
+      <p:bold r:id="rId30"/>
+      <p:italic r:id="rId31"/>
+      <p:boldItalic r:id="rId32"/>
     </p:embeddedFont>
   </p:embeddedFontLst>
   <p:defaultTextStyle>
@@ -7043,6 +7044,133 @@
     <p:extLst>
       <p:ext uri="{BB962C8B-B14F-4D97-AF65-F5344CB8AC3E}">
         <p14:creationId xmlns:p14="http://schemas.microsoft.com/office/powerpoint/2010/main" val="2135761137"/>
+      </p:ext>
+    </p:extLst>
+  </p:cSld>
+  <p:clrMapOvr>
+    <a:masterClrMapping/>
+  </p:clrMapOvr>
+</p:notes>
+</file>
+
+<file path=ppt/notesSlides/notesSlide22.xml><?xml version="1.0" encoding="utf-8"?>
+<p:notes xmlns:a="http://schemas.openxmlformats.org/drawingml/2006/main" xmlns:r="http://schemas.openxmlformats.org/officeDocument/2006/relationships" xmlns:p="http://schemas.openxmlformats.org/presentationml/2006/main" showMasterSp="0" showMasterPhAnim="0">
+  <p:cSld>
+    <p:spTree>
+      <p:nvGrpSpPr>
+        <p:cNvPr id="1" name="Shape 79">
+          <a:extLst>
+            <a:ext uri="{FF2B5EF4-FFF2-40B4-BE49-F238E27FC236}">
+              <a16:creationId xmlns:a16="http://schemas.microsoft.com/office/drawing/2014/main" id="{130F8901-F8A0-FDCA-B88D-A46CCDD6432A}"/>
+            </a:ext>
+          </a:extLst>
+        </p:cNvPr>
+        <p:cNvGrpSpPr/>
+        <p:nvPr/>
+      </p:nvGrpSpPr>
+      <p:grpSpPr>
+        <a:xfrm>
+          <a:off x="0" y="0"/>
+          <a:ext cx="0" cy="0"/>
+          <a:chOff x="0" y="0"/>
+          <a:chExt cx="0" cy="0"/>
+        </a:xfrm>
+      </p:grpSpPr>
+      <p:sp>
+        <p:nvSpPr>
+          <p:cNvPr id="80" name="Google Shape;80;geed6aedbf_0_0:notes">
+            <a:extLst>
+              <a:ext uri="{FF2B5EF4-FFF2-40B4-BE49-F238E27FC236}">
+                <a16:creationId xmlns:a16="http://schemas.microsoft.com/office/drawing/2014/main" id="{6E653C93-3DA5-E33C-C8DF-F20B6C8AACAE}"/>
+              </a:ext>
+            </a:extLst>
+          </p:cNvPr>
+          <p:cNvSpPr>
+            <a:spLocks noGrp="1" noRot="1" noChangeAspect="1"/>
+          </p:cNvSpPr>
+          <p:nvPr>
+            <p:ph type="sldImg" idx="2"/>
+          </p:nvPr>
+        </p:nvSpPr>
+        <p:spPr>
+          <a:xfrm>
+            <a:off x="1143000" y="685800"/>
+            <a:ext cx="4572000" cy="3429000"/>
+          </a:xfrm>
+          <a:custGeom>
+            <a:avLst/>
+            <a:gdLst/>
+            <a:ahLst/>
+            <a:cxnLst/>
+            <a:rect l="l" t="t" r="r" b="b"/>
+            <a:pathLst>
+              <a:path w="120000" h="120000" extrusionOk="0">
+                <a:moveTo>
+                  <a:pt x="0" y="0"/>
+                </a:moveTo>
+                <a:lnTo>
+                  <a:pt x="120000" y="0"/>
+                </a:lnTo>
+                <a:lnTo>
+                  <a:pt x="120000" y="120000"/>
+                </a:lnTo>
+                <a:lnTo>
+                  <a:pt x="0" y="120000"/>
+                </a:lnTo>
+                <a:close/>
+              </a:path>
+            </a:pathLst>
+          </a:custGeom>
+        </p:spPr>
+      </p:sp>
+      <p:sp>
+        <p:nvSpPr>
+          <p:cNvPr id="81" name="Google Shape;81;geed6aedbf_0_0:notes">
+            <a:extLst>
+              <a:ext uri="{FF2B5EF4-FFF2-40B4-BE49-F238E27FC236}">
+                <a16:creationId xmlns:a16="http://schemas.microsoft.com/office/drawing/2014/main" id="{BADD2FE3-8AFE-30AD-36FE-1B198DC214C6}"/>
+              </a:ext>
+            </a:extLst>
+          </p:cNvPr>
+          <p:cNvSpPr txBox="1">
+            <a:spLocks noGrp="1"/>
+          </p:cNvSpPr>
+          <p:nvPr>
+            <p:ph type="body" idx="1"/>
+          </p:nvPr>
+        </p:nvSpPr>
+        <p:spPr>
+          <a:xfrm>
+            <a:off x="685800" y="4343400"/>
+            <a:ext cx="5486400" cy="4114800"/>
+          </a:xfrm>
+          <a:prstGeom prst="rect">
+            <a:avLst/>
+          </a:prstGeom>
+        </p:spPr>
+        <p:txBody>
+          <a:bodyPr spcFirstLastPara="1" wrap="square" lIns="91425" tIns="91425" rIns="91425" bIns="91425" anchor="t" anchorCtr="0">
+            <a:noAutofit/>
+          </a:bodyPr>
+          <a:lstStyle/>
+          <a:p>
+            <a:pPr marL="0" lvl="0" indent="0" algn="l" rtl="0">
+              <a:spcBef>
+                <a:spcPts val="0"/>
+              </a:spcBef>
+              <a:spcAft>
+                <a:spcPts val="0"/>
+              </a:spcAft>
+              <a:buNone/>
+            </a:pPr>
+            <a:endParaRPr/>
+          </a:p>
+        </p:txBody>
+      </p:sp>
+    </p:spTree>
+    <p:extLst>
+      <p:ext uri="{BB962C8B-B14F-4D97-AF65-F5344CB8AC3E}">
+        <p14:creationId xmlns:p14="http://schemas.microsoft.com/office/powerpoint/2010/main" val="1493373002"/>
       </p:ext>
     </p:extLst>
   </p:cSld>
@@ -13092,7 +13220,11 @@
             <a:pPr lvl="0"/>
             <a:r>
               <a:rPr lang="en-GB" sz="1800" dirty="0"/>
-              <a:t>In SARSA and MC agent learns the same policy used for generating experience</a:t>
+              <a:t>In SARSA and MC agent </a:t>
+            </a:r>
+            <a:r>
+              <a:rPr lang="en-GB" sz="1800" b="1" dirty="0"/>
+              <a:t>learns the same policy used for generating experience</a:t>
             </a:r>
           </a:p>
           <a:p>
@@ -13150,15 +13282,11 @@
             <a:pPr lvl="1"/>
             <a:r>
               <a:rPr lang="en-GB" sz="1600" dirty="0"/>
-              <a:t>agent learns a </a:t>
+              <a:t>agent </a:t>
             </a:r>
             <a:r>
               <a:rPr lang="en-GB" sz="1600" b="1" dirty="0"/>
-              <a:t>different</a:t>
-            </a:r>
-            <a:r>
-              <a:rPr lang="en-GB" sz="1600" dirty="0"/>
-              <a:t> policy from the one used to generate experiences</a:t>
+              <a:t>learns a different policy from the one used to generate experiences</a:t>
             </a:r>
           </a:p>
           <a:p>
@@ -13313,70 +13441,35 @@
             <a:endParaRPr lang="en-GB" sz="1000" dirty="0"/>
           </a:p>
           <a:p>
-            <a:pPr lvl="1"/>
-            <a:r>
-              <a:rPr lang="en-GB" sz="1600" dirty="0"/>
-              <a:t>use action with the maximum estimated value in the next state, despite the action taken</a:t>
-            </a:r>
-          </a:p>
-          <a:p>
-            <a:pPr lvl="1"/>
+            <a:r>
+              <a:rPr lang="en-GB" sz="1800" dirty="0"/>
+              <a:t>We use action with the maximum estimated value in the next state, despite the action taken</a:t>
+            </a:r>
+          </a:p>
+          <a:p>
+            <a:endParaRPr lang="en-GB" sz="1800" dirty="0"/>
+          </a:p>
+          <a:p>
+            <a:endParaRPr lang="en-GB" sz="1800" dirty="0"/>
+          </a:p>
+          <a:p>
+            <a:endParaRPr lang="en-GB" sz="1800" dirty="0"/>
+          </a:p>
+          <a:p>
+            <a:endParaRPr lang="en-GB" sz="1800" dirty="0"/>
+          </a:p>
+          <a:p>
+            <a:endParaRPr lang="en-GB" sz="1000" dirty="0"/>
+          </a:p>
+          <a:p>
+            <a:r>
+              <a:rPr lang="en-GB" sz="1800" dirty="0"/>
+              <a:t>Q-learning converges faster because it is not restricted by the exploration-exploitation balance of the behaviour policy</a:t>
+            </a:r>
             <a:endParaRPr lang="en-GB" sz="1600" dirty="0"/>
           </a:p>
           <a:p>
-            <a:pPr lvl="1"/>
-            <a:endParaRPr lang="en-GB" sz="1600" dirty="0"/>
-          </a:p>
-          <a:p>
-            <a:pPr lvl="1"/>
-            <a:endParaRPr lang="en-GB" sz="1600" dirty="0"/>
-          </a:p>
-          <a:p>
-            <a:pPr marL="120650" lvl="0" indent="0">
-              <a:buNone/>
-            </a:pPr>
-            <a:endParaRPr lang="en-GB" sz="2000" dirty="0"/>
-          </a:p>
-          <a:p>
-            <a:pPr lvl="0"/>
-            <a:r>
-              <a:rPr lang="en-GB" sz="1800" b="1" dirty="0">
-                <a:highlight>
-                  <a:srgbClr val="FFFF00"/>
-                </a:highlight>
-              </a:rPr>
-              <a:t>See “</a:t>
-            </a:r>
-            <a:r>
-              <a:rPr lang="en-GB" sz="1800" b="1" dirty="0" err="1">
-                <a:highlight>
-                  <a:srgbClr val="FFFF00"/>
-                </a:highlight>
-              </a:rPr>
-              <a:t>notebook.ipynb</a:t>
-            </a:r>
-            <a:r>
-              <a:rPr lang="en-GB" sz="1800" b="1" dirty="0">
-                <a:highlight>
-                  <a:srgbClr val="FFFF00"/>
-                </a:highlight>
-              </a:rPr>
-              <a:t>”</a:t>
-            </a:r>
-          </a:p>
-          <a:p>
-            <a:pPr lvl="1"/>
-            <a:r>
-              <a:rPr lang="en-GB" sz="1600" dirty="0"/>
-              <a:t>see how faster the estimates track the true values</a:t>
-            </a:r>
-          </a:p>
-          <a:p>
-            <a:pPr lvl="1"/>
-            <a:r>
-              <a:rPr lang="en-GB" sz="1600" dirty="0"/>
-              <a:t>however the estimates are higher and jump around aggressively</a:t>
-            </a:r>
+            <a:endParaRPr lang="en-GB" sz="1400" dirty="0"/>
           </a:p>
           <a:p>
             <a:r>
@@ -13448,10 +13541,10 @@
       </p:sp>
       <p:pic>
         <p:nvPicPr>
-          <p:cNvPr id="5" name="Immagine 4">
+          <p:cNvPr id="3" name="Immagine 2" descr="Immagine che contiene Carattere, testo, calligrafia, bianco&#10;&#10;Descrizione generata automaticamente">
             <a:extLst>
               <a:ext uri="{FF2B5EF4-FFF2-40B4-BE49-F238E27FC236}">
-                <a16:creationId xmlns:a16="http://schemas.microsoft.com/office/drawing/2014/main" id="{2C86690A-D352-EBD0-6AA3-7E1EDEAA7188}"/>
+                <a16:creationId xmlns:a16="http://schemas.microsoft.com/office/drawing/2014/main" id="{7CBEE47E-3C8A-FD43-9B1E-B4E067073967}"/>
               </a:ext>
             </a:extLst>
           </p:cNvPr>
@@ -13468,8 +13561,8 @@
         </p:blipFill>
         <p:spPr>
           <a:xfrm>
-            <a:off x="1188657" y="2529462"/>
-            <a:ext cx="5418972" cy="1031645"/>
+            <a:off x="1070566" y="2220175"/>
+            <a:ext cx="3922901" cy="621000"/>
           </a:xfrm>
           <a:prstGeom prst="rect">
             <a:avLst/>
@@ -13478,10 +13571,10 @@
       </p:pic>
       <p:pic>
         <p:nvPicPr>
-          <p:cNvPr id="7" name="Immagine 6">
+          <p:cNvPr id="4" name="Immagine 3">
             <a:extLst>
               <a:ext uri="{FF2B5EF4-FFF2-40B4-BE49-F238E27FC236}">
-                <a16:creationId xmlns:a16="http://schemas.microsoft.com/office/drawing/2014/main" id="{968A0376-CAFF-1AAE-7BB3-A9EB14E4D4E9}"/>
+                <a16:creationId xmlns:a16="http://schemas.microsoft.com/office/drawing/2014/main" id="{8AFA13A4-A7FC-63A3-7660-AC77C9665BC5}"/>
               </a:ext>
             </a:extLst>
           </p:cNvPr>
@@ -13498,8 +13591,8 @@
         </p:blipFill>
         <p:spPr>
           <a:xfrm>
-            <a:off x="1275745" y="2072264"/>
-            <a:ext cx="6910314" cy="488608"/>
+            <a:off x="1070566" y="2867185"/>
+            <a:ext cx="4958274" cy="522667"/>
           </a:xfrm>
           <a:prstGeom prst="rect">
             <a:avLst/>
@@ -13580,10 +13673,10 @@
       </p:sp>
       <p:pic>
         <p:nvPicPr>
-          <p:cNvPr id="5" name="Immagine 4">
+          <p:cNvPr id="2" name="Immagine 1" descr="Immagine che contiene Carattere, Elementi grafici, logo, cerchio&#10;&#10;Descrizione generata automaticamente">
             <a:extLst>
               <a:ext uri="{FF2B5EF4-FFF2-40B4-BE49-F238E27FC236}">
-                <a16:creationId xmlns:a16="http://schemas.microsoft.com/office/drawing/2014/main" id="{ABA141A6-7934-20D1-BCA0-9B3E54EB2381}"/>
+                <a16:creationId xmlns:a16="http://schemas.microsoft.com/office/drawing/2014/main" id="{68C8F7D6-CF0D-9708-8774-44D256B57778}"/>
               </a:ext>
             </a:extLst>
           </p:cNvPr>
@@ -13600,8 +13693,38 @@
         </p:blipFill>
         <p:spPr>
           <a:xfrm>
-            <a:off x="202543" y="1140399"/>
-            <a:ext cx="8754046" cy="5155298"/>
+            <a:off x="8661328" y="65196"/>
+            <a:ext cx="407258" cy="495579"/>
+          </a:xfrm>
+          <a:prstGeom prst="rect">
+            <a:avLst/>
+          </a:prstGeom>
+        </p:spPr>
+      </p:pic>
+      <p:pic>
+        <p:nvPicPr>
+          <p:cNvPr id="4" name="Immagine 3" descr="Immagine che contiene testo, Diagramma, linea, schermata&#10;&#10;Descrizione generata automaticamente">
+            <a:extLst>
+              <a:ext uri="{FF2B5EF4-FFF2-40B4-BE49-F238E27FC236}">
+                <a16:creationId xmlns:a16="http://schemas.microsoft.com/office/drawing/2014/main" id="{4E9B7EAE-F9E5-0D1F-82CA-495249358196}"/>
+              </a:ext>
+            </a:extLst>
+          </p:cNvPr>
+          <p:cNvPicPr>
+            <a:picLocks noChangeAspect="1"/>
+          </p:cNvPicPr>
+          <p:nvPr/>
+        </p:nvPicPr>
+        <p:blipFill>
+          <a:blip r:embed="rId4"/>
+          <a:stretch>
+            <a:fillRect/>
+          </a:stretch>
+        </p:blipFill>
+        <p:spPr>
+          <a:xfrm>
+            <a:off x="311700" y="1043733"/>
+            <a:ext cx="8500648" cy="5393034"/>
           </a:xfrm>
           <a:prstGeom prst="rect">
             <a:avLst/>
@@ -13817,37 +13940,9 @@
             <a:endParaRPr lang="en-GB" sz="1800" dirty="0"/>
           </a:p>
           <a:p>
-            <a:pPr lvl="0"/>
-            <a:r>
-              <a:rPr lang="en-GB" sz="1600" b="1" dirty="0">
-                <a:highlight>
-                  <a:srgbClr val="FFFF00"/>
-                </a:highlight>
-              </a:rPr>
-              <a:t>See “</a:t>
-            </a:r>
-            <a:r>
-              <a:rPr lang="en-GB" sz="1600" b="1" dirty="0" err="1">
-                <a:highlight>
-                  <a:srgbClr val="FFFF00"/>
-                </a:highlight>
-              </a:rPr>
-              <a:t>notebook.ipynb</a:t>
-            </a:r>
-            <a:r>
-              <a:rPr lang="en-GB" sz="1600" b="1" dirty="0">
-                <a:highlight>
-                  <a:srgbClr val="FFFF00"/>
-                </a:highlight>
-              </a:rPr>
-              <a:t>”</a:t>
-            </a:r>
-          </a:p>
-          <a:p>
-            <a:pPr lvl="1"/>
             <a:r>
               <a:rPr lang="en-GB" dirty="0"/>
-              <a:t>it is slower than Q-learning to get the estimates to track the optimal state-value function</a:t>
+              <a:t>It is slower than Q-learning to get the estimates to track the optimal state-value function</a:t>
             </a:r>
           </a:p>
           <a:p>
@@ -13940,10 +14035,10 @@
       </p:sp>
       <p:pic>
         <p:nvPicPr>
-          <p:cNvPr id="3" name="Immagine 2">
+          <p:cNvPr id="4" name="Immagine 3" descr="Immagine che contiene testo, schermata, linea, Diagramma&#10;&#10;Descrizione generata automaticamente">
             <a:extLst>
               <a:ext uri="{FF2B5EF4-FFF2-40B4-BE49-F238E27FC236}">
-                <a16:creationId xmlns:a16="http://schemas.microsoft.com/office/drawing/2014/main" id="{126F8836-3D8F-860F-7D8A-94661E7F4270}"/>
+                <a16:creationId xmlns:a16="http://schemas.microsoft.com/office/drawing/2014/main" id="{CBD67E25-4346-DDC9-21F5-4F72EF8462BF}"/>
               </a:ext>
             </a:extLst>
           </p:cNvPr>
@@ -13960,8 +14055,38 @@
         </p:blipFill>
         <p:spPr>
           <a:xfrm>
-            <a:off x="139261" y="1163428"/>
-            <a:ext cx="8785499" cy="5121758"/>
+            <a:off x="179117" y="1043733"/>
+            <a:ext cx="8505558" cy="5477917"/>
+          </a:xfrm>
+          <a:prstGeom prst="rect">
+            <a:avLst/>
+          </a:prstGeom>
+        </p:spPr>
+      </p:pic>
+      <p:pic>
+        <p:nvPicPr>
+          <p:cNvPr id="5" name="Immagine 4" descr="Immagine che contiene Carattere, Elementi grafici, logo, cerchio&#10;&#10;Descrizione generata automaticamente">
+            <a:extLst>
+              <a:ext uri="{FF2B5EF4-FFF2-40B4-BE49-F238E27FC236}">
+                <a16:creationId xmlns:a16="http://schemas.microsoft.com/office/drawing/2014/main" id="{5A25C734-3339-4C50-AB30-1DAAA41C0694}"/>
+              </a:ext>
+            </a:extLst>
+          </p:cNvPr>
+          <p:cNvPicPr>
+            <a:picLocks noChangeAspect="1"/>
+          </p:cNvPicPr>
+          <p:nvPr/>
+        </p:nvPicPr>
+        <p:blipFill>
+          <a:blip r:embed="rId4"/>
+          <a:stretch>
+            <a:fillRect/>
+          </a:stretch>
+        </p:blipFill>
+        <p:spPr>
+          <a:xfrm>
+            <a:off x="8661328" y="65196"/>
+            <a:ext cx="407258" cy="495579"/>
           </a:xfrm>
           <a:prstGeom prst="rect">
             <a:avLst/>
@@ -14331,33 +14456,6 @@
           </a:p>
           <a:p>
             <a:pPr lvl="0"/>
-            <a:r>
-              <a:rPr lang="en-GB" sz="1800" b="1" dirty="0">
-                <a:highlight>
-                  <a:srgbClr val="FFFF00"/>
-                </a:highlight>
-              </a:rPr>
-              <a:t>See “</a:t>
-            </a:r>
-            <a:r>
-              <a:rPr lang="en-GB" sz="1800" b="1" dirty="0" err="1">
-                <a:highlight>
-                  <a:srgbClr val="FFFF00"/>
-                </a:highlight>
-              </a:rPr>
-              <a:t>notebook.ipynb</a:t>
-            </a:r>
-            <a:r>
-              <a:rPr lang="en-GB" sz="1800" b="1" dirty="0">
-                <a:highlight>
-                  <a:srgbClr val="FFFF00"/>
-                </a:highlight>
-              </a:rPr>
-              <a:t>”</a:t>
-            </a:r>
-          </a:p>
-          <a:p>
-            <a:pPr lvl="0"/>
             <a:endParaRPr lang="en-GB" sz="1600" dirty="0"/>
           </a:p>
           <a:p>
@@ -14372,10 +14470,10 @@
       </p:sp>
       <p:pic>
         <p:nvPicPr>
-          <p:cNvPr id="2" name="Immagine 1">
+          <p:cNvPr id="3" name="Immagine 2">
             <a:extLst>
               <a:ext uri="{FF2B5EF4-FFF2-40B4-BE49-F238E27FC236}">
-                <a16:creationId xmlns:a16="http://schemas.microsoft.com/office/drawing/2014/main" id="{9C1D6E73-5EAE-7303-D93F-A424DD95F1F2}"/>
+                <a16:creationId xmlns:a16="http://schemas.microsoft.com/office/drawing/2014/main" id="{9489F246-6649-77EF-FD3B-93D1E7273C76}"/>
               </a:ext>
             </a:extLst>
           </p:cNvPr>
@@ -14392,8 +14490,8 @@
         </p:blipFill>
         <p:spPr>
           <a:xfrm>
-            <a:off x="198404" y="1368487"/>
-            <a:ext cx="8747191" cy="4315624"/>
+            <a:off x="81786" y="1691529"/>
+            <a:ext cx="8980428" cy="3931774"/>
           </a:xfrm>
           <a:prstGeom prst="rect">
             <a:avLst/>
@@ -14474,10 +14572,10 @@
       </p:sp>
       <p:pic>
         <p:nvPicPr>
-          <p:cNvPr id="3" name="Immagine 2">
+          <p:cNvPr id="4" name="Immagine 3" descr="Immagine che contiene schermata, testo, Diagramma, linea&#10;&#10;Descrizione generata automaticamente">
             <a:extLst>
               <a:ext uri="{FF2B5EF4-FFF2-40B4-BE49-F238E27FC236}">
-                <a16:creationId xmlns:a16="http://schemas.microsoft.com/office/drawing/2014/main" id="{24CB1E68-82E2-31CF-D7F0-41E9267ED986}"/>
+                <a16:creationId xmlns:a16="http://schemas.microsoft.com/office/drawing/2014/main" id="{F41375B1-2490-8DBC-B703-9EFD17F2564B}"/>
               </a:ext>
             </a:extLst>
           </p:cNvPr>
@@ -14494,8 +14592,38 @@
         </p:blipFill>
         <p:spPr>
           <a:xfrm>
-            <a:off x="107604" y="1105640"/>
-            <a:ext cx="9013059" cy="5331127"/>
+            <a:off x="122263" y="1043733"/>
+            <a:ext cx="8637439" cy="5512050"/>
+          </a:xfrm>
+          <a:prstGeom prst="rect">
+            <a:avLst/>
+          </a:prstGeom>
+        </p:spPr>
+      </p:pic>
+      <p:pic>
+        <p:nvPicPr>
+          <p:cNvPr id="5" name="Immagine 4" descr="Immagine che contiene Carattere, Elementi grafici, logo, cerchio&#10;&#10;Descrizione generata automaticamente">
+            <a:extLst>
+              <a:ext uri="{FF2B5EF4-FFF2-40B4-BE49-F238E27FC236}">
+                <a16:creationId xmlns:a16="http://schemas.microsoft.com/office/drawing/2014/main" id="{4BF48627-9C8C-B945-5899-549DC22FAFAF}"/>
+              </a:ext>
+            </a:extLst>
+          </p:cNvPr>
+          <p:cNvPicPr>
+            <a:picLocks noChangeAspect="1"/>
+          </p:cNvPicPr>
+          <p:nvPr/>
+        </p:nvPicPr>
+        <p:blipFill>
+          <a:blip r:embed="rId4"/>
+          <a:stretch>
+            <a:fillRect/>
+          </a:stretch>
+        </p:blipFill>
+        <p:spPr>
+          <a:xfrm>
+            <a:off x="8661328" y="80694"/>
+            <a:ext cx="407258" cy="495579"/>
           </a:xfrm>
           <a:prstGeom prst="rect">
             <a:avLst/>
@@ -14610,34 +14738,9 @@
             <a:endParaRPr lang="en-GB" sz="1800" dirty="0"/>
           </a:p>
           <a:p>
-            <a:pPr lvl="0"/>
-            <a:r>
-              <a:rPr lang="en-GB" sz="1800" b="1" dirty="0">
-                <a:highlight>
-                  <a:srgbClr val="FFFF00"/>
-                </a:highlight>
-              </a:rPr>
-              <a:t>See “</a:t>
-            </a:r>
-            <a:r>
-              <a:rPr lang="en-GB" sz="1800" b="1" dirty="0" err="1">
-                <a:highlight>
-                  <a:srgbClr val="FFFF00"/>
-                </a:highlight>
-              </a:rPr>
-              <a:t>notebook.ipynb</a:t>
-            </a:r>
-            <a:r>
-              <a:rPr lang="en-GB" sz="1800" b="1" dirty="0">
-                <a:highlight>
-                  <a:srgbClr val="FFFF00"/>
-                </a:highlight>
-              </a:rPr>
-              <a:t>”</a:t>
-            </a:r>
-          </a:p>
-          <a:p>
-            <a:pPr lvl="0"/>
+            <a:pPr marL="120650" lvl="0" indent="0">
+              <a:buNone/>
+            </a:pPr>
             <a:endParaRPr lang="en-GB" dirty="0"/>
           </a:p>
         </p:txBody>
@@ -14716,10 +14819,10 @@
       </p:sp>
       <p:pic>
         <p:nvPicPr>
-          <p:cNvPr id="3" name="Immagine 2">
+          <p:cNvPr id="4" name="Immagine 3" descr="Immagine che contiene testo, schermata, Diagramma, linea&#10;&#10;Descrizione generata automaticamente">
             <a:extLst>
               <a:ext uri="{FF2B5EF4-FFF2-40B4-BE49-F238E27FC236}">
-                <a16:creationId xmlns:a16="http://schemas.microsoft.com/office/drawing/2014/main" id="{A1FB31E1-1582-ACEC-5903-97502DA05618}"/>
+                <a16:creationId xmlns:a16="http://schemas.microsoft.com/office/drawing/2014/main" id="{AD39471D-76C3-05DC-280A-FC3DCBE07D39}"/>
               </a:ext>
             </a:extLst>
           </p:cNvPr>
@@ -14736,8 +14839,38 @@
         </p:blipFill>
         <p:spPr>
           <a:xfrm>
-            <a:off x="172479" y="1302107"/>
-            <a:ext cx="8799042" cy="5067249"/>
+            <a:off x="123985" y="1043733"/>
+            <a:ext cx="8723730" cy="5589542"/>
+          </a:xfrm>
+          <a:prstGeom prst="rect">
+            <a:avLst/>
+          </a:prstGeom>
+        </p:spPr>
+      </p:pic>
+      <p:pic>
+        <p:nvPicPr>
+          <p:cNvPr id="5" name="Immagine 4" descr="Immagine che contiene Carattere, Elementi grafici, logo, cerchio&#10;&#10;Descrizione generata automaticamente">
+            <a:extLst>
+              <a:ext uri="{FF2B5EF4-FFF2-40B4-BE49-F238E27FC236}">
+                <a16:creationId xmlns:a16="http://schemas.microsoft.com/office/drawing/2014/main" id="{4206B38A-2A88-C9B8-978C-B0E3948B3066}"/>
+              </a:ext>
+            </a:extLst>
+          </p:cNvPr>
+          <p:cNvPicPr>
+            <a:picLocks noChangeAspect="1"/>
+          </p:cNvPicPr>
+          <p:nvPr/>
+        </p:nvPicPr>
+        <p:blipFill>
+          <a:blip r:embed="rId4"/>
+          <a:stretch>
+            <a:fillRect/>
+          </a:stretch>
+        </p:blipFill>
+        <p:spPr>
+          <a:xfrm>
+            <a:off x="8661328" y="80694"/>
+            <a:ext cx="407258" cy="495579"/>
           </a:xfrm>
           <a:prstGeom prst="rect">
             <a:avLst/>
@@ -15038,34 +15171,9 @@
             <a:endParaRPr lang="en-GB" sz="1800" dirty="0"/>
           </a:p>
           <a:p>
-            <a:pPr lvl="0"/>
-            <a:r>
-              <a:rPr lang="en-GB" sz="1800" b="1" dirty="0">
-                <a:highlight>
-                  <a:srgbClr val="FFFF00"/>
-                </a:highlight>
-              </a:rPr>
-              <a:t>See “</a:t>
-            </a:r>
-            <a:r>
-              <a:rPr lang="en-GB" sz="1800" b="1" dirty="0" err="1">
-                <a:highlight>
-                  <a:srgbClr val="FFFF00"/>
-                </a:highlight>
-              </a:rPr>
-              <a:t>notebook.ipynb</a:t>
-            </a:r>
-            <a:r>
-              <a:rPr lang="en-GB" sz="1800" b="1" dirty="0">
-                <a:highlight>
-                  <a:srgbClr val="FFFF00"/>
-                </a:highlight>
-              </a:rPr>
-              <a:t>”</a:t>
-            </a:r>
-          </a:p>
-          <a:p>
-            <a:pPr lvl="0"/>
+            <a:pPr marL="120650" lvl="0" indent="0">
+              <a:buNone/>
+            </a:pPr>
             <a:endParaRPr lang="en-GB" sz="1800" dirty="0"/>
           </a:p>
           <a:p>
@@ -15148,10 +15256,10 @@
       </p:sp>
       <p:pic>
         <p:nvPicPr>
-          <p:cNvPr id="3" name="Immagine 2">
+          <p:cNvPr id="4" name="Immagine 3" descr="Immagine che contiene testo, schermata, diagramma, Diagramma&#10;&#10;Descrizione generata automaticamente">
             <a:extLst>
               <a:ext uri="{FF2B5EF4-FFF2-40B4-BE49-F238E27FC236}">
-                <a16:creationId xmlns:a16="http://schemas.microsoft.com/office/drawing/2014/main" id="{8D9DA162-BE98-C7AA-24CF-93DB1C0A5F4D}"/>
+                <a16:creationId xmlns:a16="http://schemas.microsoft.com/office/drawing/2014/main" id="{EBA092CD-B9C7-BCB1-81C0-056F093BBE13}"/>
               </a:ext>
             </a:extLst>
           </p:cNvPr>
@@ -15168,8 +15276,8 @@
         </p:blipFill>
         <p:spPr>
           <a:xfrm>
-            <a:off x="172995" y="1019019"/>
-            <a:ext cx="8699080" cy="5665986"/>
+            <a:off x="417593" y="1043733"/>
+            <a:ext cx="8308813" cy="5698643"/>
           </a:xfrm>
           <a:prstGeom prst="rect">
             <a:avLst/>
@@ -15180,6 +15288,218 @@
     <p:extLst>
       <p:ext uri="{BB962C8B-B14F-4D97-AF65-F5344CB8AC3E}">
         <p14:creationId xmlns:p14="http://schemas.microsoft.com/office/powerpoint/2010/main" val="3125434564"/>
+      </p:ext>
+    </p:extLst>
+  </p:cSld>
+  <p:clrMapOvr>
+    <a:masterClrMapping/>
+  </p:clrMapOvr>
+</p:sld>
+</file>
+
+<file path=ppt/slides/slide22.xml><?xml version="1.0" encoding="utf-8"?>
+<p:sld xmlns:a="http://schemas.openxmlformats.org/drawingml/2006/main" xmlns:r="http://schemas.openxmlformats.org/officeDocument/2006/relationships" xmlns:p="http://schemas.openxmlformats.org/presentationml/2006/main">
+  <p:cSld>
+    <p:spTree>
+      <p:nvGrpSpPr>
+        <p:cNvPr id="1" name="Shape 82">
+          <a:extLst>
+            <a:ext uri="{FF2B5EF4-FFF2-40B4-BE49-F238E27FC236}">
+              <a16:creationId xmlns:a16="http://schemas.microsoft.com/office/drawing/2014/main" id="{BA07F3EB-7A84-D834-5180-5AF11FA3E115}"/>
+            </a:ext>
+          </a:extLst>
+        </p:cNvPr>
+        <p:cNvGrpSpPr/>
+        <p:nvPr/>
+      </p:nvGrpSpPr>
+      <p:grpSpPr>
+        <a:xfrm>
+          <a:off x="0" y="0"/>
+          <a:ext cx="0" cy="0"/>
+          <a:chOff x="0" y="0"/>
+          <a:chExt cx="0" cy="0"/>
+        </a:xfrm>
+      </p:grpSpPr>
+      <p:sp>
+        <p:nvSpPr>
+          <p:cNvPr id="83" name="Google Shape;83;p14">
+            <a:extLst>
+              <a:ext uri="{FF2B5EF4-FFF2-40B4-BE49-F238E27FC236}">
+                <a16:creationId xmlns:a16="http://schemas.microsoft.com/office/drawing/2014/main" id="{E9D5055E-76AF-4826-6692-34C9C4A80404}"/>
+              </a:ext>
+            </a:extLst>
+          </p:cNvPr>
+          <p:cNvSpPr txBox="1">
+            <a:spLocks noGrp="1"/>
+          </p:cNvSpPr>
+          <p:nvPr>
+            <p:ph type="title" idx="4294967295"/>
+          </p:nvPr>
+        </p:nvSpPr>
+        <p:spPr>
+          <a:xfrm>
+            <a:off x="311700" y="421233"/>
+            <a:ext cx="8520600" cy="622500"/>
+          </a:xfrm>
+          <a:prstGeom prst="rect">
+            <a:avLst/>
+          </a:prstGeom>
+        </p:spPr>
+        <p:txBody>
+          <a:bodyPr spcFirstLastPara="1" wrap="square" lIns="91425" tIns="91425" rIns="91425" bIns="91425" anchor="b" anchorCtr="0">
+            <a:noAutofit/>
+          </a:bodyPr>
+          <a:lstStyle/>
+          <a:p>
+            <a:pPr marL="0" lvl="0" indent="0" algn="l" rtl="0">
+              <a:spcBef>
+                <a:spcPts val="0"/>
+              </a:spcBef>
+              <a:spcAft>
+                <a:spcPts val="0"/>
+              </a:spcAft>
+              <a:buNone/>
+            </a:pPr>
+            <a:r>
+              <a:rPr lang="en-GB" dirty="0"/>
+              <a:t>Comparison (3)</a:t>
+            </a:r>
+            <a:endParaRPr dirty="0"/>
+          </a:p>
+        </p:txBody>
+      </p:sp>
+      <p:sp>
+        <p:nvSpPr>
+          <p:cNvPr id="84" name="Google Shape;84;p14">
+            <a:extLst>
+              <a:ext uri="{FF2B5EF4-FFF2-40B4-BE49-F238E27FC236}">
+                <a16:creationId xmlns:a16="http://schemas.microsoft.com/office/drawing/2014/main" id="{92C573BF-3A68-464B-1C4E-73D5ADFD4187}"/>
+              </a:ext>
+            </a:extLst>
+          </p:cNvPr>
+          <p:cNvSpPr txBox="1">
+            <a:spLocks noGrp="1"/>
+          </p:cNvSpPr>
+          <p:nvPr>
+            <p:ph type="body" idx="1"/>
+          </p:nvPr>
+        </p:nvSpPr>
+        <p:spPr>
+          <a:xfrm>
+            <a:off x="311700" y="1234697"/>
+            <a:ext cx="8520600" cy="5202070"/>
+          </a:xfrm>
+          <a:prstGeom prst="rect">
+            <a:avLst/>
+          </a:prstGeom>
+        </p:spPr>
+        <p:txBody>
+          <a:bodyPr spcFirstLastPara="1" wrap="square" lIns="91425" tIns="91425" rIns="91425" bIns="91425" anchor="t" anchorCtr="0">
+            <a:noAutofit/>
+          </a:bodyPr>
+          <a:lstStyle/>
+          <a:p>
+            <a:pPr lvl="0"/>
+            <a:r>
+              <a:rPr lang="en-GB" sz="1800" b="1" dirty="0"/>
+              <a:t>Monte Carlo </a:t>
+            </a:r>
+            <a:r>
+              <a:rPr lang="en-GB" sz="1800" dirty="0"/>
+              <a:t>is simple, but slow and limited to episodic tasks</a:t>
+            </a:r>
+          </a:p>
+          <a:p>
+            <a:pPr lvl="0"/>
+            <a:endParaRPr lang="en-GB" sz="1000" dirty="0"/>
+          </a:p>
+          <a:p>
+            <a:pPr lvl="0"/>
+            <a:r>
+              <a:rPr lang="en-GB" sz="1800" b="1" dirty="0" err="1"/>
+              <a:t>Sarsa</a:t>
+            </a:r>
+            <a:r>
+              <a:rPr lang="en-GB" sz="1800" dirty="0"/>
+              <a:t> is more conservative, focusing on actions based on the current policy, and works well when stability is needed</a:t>
+            </a:r>
+          </a:p>
+          <a:p>
+            <a:pPr lvl="0"/>
+            <a:endParaRPr lang="en-GB" sz="1000" b="1" dirty="0"/>
+          </a:p>
+          <a:p>
+            <a:pPr lvl="0"/>
+            <a:r>
+              <a:rPr lang="en-GB" sz="1800" b="1" dirty="0"/>
+              <a:t>Q-learning</a:t>
+            </a:r>
+            <a:r>
+              <a:rPr lang="en-GB" sz="1800" dirty="0"/>
+              <a:t> aggressively learns the optimal policy but is prone to overestimation</a:t>
+            </a:r>
+          </a:p>
+          <a:p>
+            <a:pPr lvl="0"/>
+            <a:endParaRPr lang="en-GB" sz="1000" b="1" dirty="0"/>
+          </a:p>
+          <a:p>
+            <a:pPr lvl="0"/>
+            <a:r>
+              <a:rPr lang="en-GB" sz="1800" b="1" dirty="0"/>
+              <a:t>Double Q-learning </a:t>
+            </a:r>
+            <a:r>
+              <a:rPr lang="en-GB" sz="1800" dirty="0"/>
+              <a:t>is a better alternative when stability is a concern, as it mitigates overestimation</a:t>
+            </a:r>
+          </a:p>
+          <a:p>
+            <a:pPr lvl="0"/>
+            <a:endParaRPr lang="en-GB" sz="1000" b="1" dirty="0"/>
+          </a:p>
+          <a:p>
+            <a:pPr lvl="0"/>
+            <a:r>
+              <a:rPr lang="en-GB" sz="1800" b="1" dirty="0" err="1"/>
+              <a:t>Sarsa</a:t>
+            </a:r>
+            <a:r>
+              <a:rPr lang="en-GB" sz="1800" b="1" dirty="0"/>
+              <a:t>(lambda) and Q(lambda) </a:t>
+            </a:r>
+            <a:r>
+              <a:rPr lang="en-GB" sz="1800" dirty="0"/>
+              <a:t>provide a middle ground between learning speed and robustness by using eligibility traces, with Q(lambda) being faster due to its off-policy nature </a:t>
+            </a:r>
+          </a:p>
+          <a:p>
+            <a:pPr lvl="0"/>
+            <a:endParaRPr lang="en-GB" sz="1000" dirty="0"/>
+          </a:p>
+          <a:p>
+            <a:pPr lvl="0"/>
+            <a:r>
+              <a:rPr lang="en-GB" sz="1800" dirty="0"/>
+              <a:t>The choice of algorithm often depends on the specific environment and the need for stability, exploration, and learning speed</a:t>
+            </a:r>
+          </a:p>
+          <a:p>
+            <a:pPr marL="120650" lvl="0" indent="0">
+              <a:buNone/>
+            </a:pPr>
+            <a:endParaRPr lang="en-GB" sz="1800" dirty="0"/>
+          </a:p>
+          <a:p>
+            <a:pPr lvl="0"/>
+            <a:endParaRPr lang="en-GB" dirty="0"/>
+          </a:p>
+        </p:txBody>
+      </p:sp>
+    </p:spTree>
+    <p:extLst>
+      <p:ext uri="{BB962C8B-B14F-4D97-AF65-F5344CB8AC3E}">
+        <p14:creationId xmlns:p14="http://schemas.microsoft.com/office/powerpoint/2010/main" val="3615810704"/>
       </p:ext>
     </p:extLst>
   </p:cSld>
@@ -15409,10 +15729,10 @@
       </p:pic>
       <p:pic>
         <p:nvPicPr>
-          <p:cNvPr id="13" name="Immagine 12">
+          <p:cNvPr id="3" name="Immagine 2">
             <a:extLst>
               <a:ext uri="{FF2B5EF4-FFF2-40B4-BE49-F238E27FC236}">
-                <a16:creationId xmlns:a16="http://schemas.microsoft.com/office/drawing/2014/main" id="{7EBAFC34-154E-3FA8-EB6E-9466B5A6EA92}"/>
+                <a16:creationId xmlns:a16="http://schemas.microsoft.com/office/drawing/2014/main" id="{4B37DF4F-0C2A-AE85-6C09-5457E6985828}"/>
               </a:ext>
             </a:extLst>
           </p:cNvPr>
@@ -15421,15 +15741,16 @@
           </p:cNvPicPr>
           <p:nvPr/>
         </p:nvPicPr>
-        <p:blipFill rotWithShape="1">
+        <p:blipFill>
           <a:blip r:embed="rId4"/>
-          <a:srcRect b="11829"/>
-          <a:stretch/>
+          <a:stretch>
+            <a:fillRect/>
+          </a:stretch>
         </p:blipFill>
         <p:spPr>
           <a:xfrm>
-            <a:off x="1096896" y="5307240"/>
-            <a:ext cx="1927323" cy="462597"/>
+            <a:off x="1131402" y="5240739"/>
+            <a:ext cx="2854002" cy="485296"/>
           </a:xfrm>
           <a:prstGeom prst="rect">
             <a:avLst/>
@@ -15586,10 +15907,10 @@
       </p:sp>
       <p:pic>
         <p:nvPicPr>
-          <p:cNvPr id="4" name="Immagine 3">
+          <p:cNvPr id="3" name="Immagine 2">
             <a:extLst>
               <a:ext uri="{FF2B5EF4-FFF2-40B4-BE49-F238E27FC236}">
-                <a16:creationId xmlns:a16="http://schemas.microsoft.com/office/drawing/2014/main" id="{E42A7C30-4A54-6AD9-42C1-359B8307A921}"/>
+                <a16:creationId xmlns:a16="http://schemas.microsoft.com/office/drawing/2014/main" id="{39F32C64-F137-AC51-7A60-34B37B71FBE1}"/>
               </a:ext>
             </a:extLst>
           </p:cNvPr>
@@ -15606,8 +15927,38 @@
         </p:blipFill>
         <p:spPr>
           <a:xfrm>
-            <a:off x="650630" y="3462953"/>
-            <a:ext cx="7417692" cy="2937602"/>
+            <a:off x="685800" y="3423976"/>
+            <a:ext cx="7772400" cy="3226989"/>
+          </a:xfrm>
+          <a:prstGeom prst="rect">
+            <a:avLst/>
+          </a:prstGeom>
+        </p:spPr>
+      </p:pic>
+      <p:pic>
+        <p:nvPicPr>
+          <p:cNvPr id="2" name="Immagine 1" descr="Immagine che contiene Carattere, Elementi grafici, logo, cerchio&#10;&#10;Descrizione generata automaticamente">
+            <a:extLst>
+              <a:ext uri="{FF2B5EF4-FFF2-40B4-BE49-F238E27FC236}">
+                <a16:creationId xmlns:a16="http://schemas.microsoft.com/office/drawing/2014/main" id="{AD57520A-6A99-3C80-398E-32EDE3FFC084}"/>
+              </a:ext>
+            </a:extLst>
+          </p:cNvPr>
+          <p:cNvPicPr>
+            <a:picLocks noChangeAspect="1"/>
+          </p:cNvPicPr>
+          <p:nvPr/>
+        </p:nvPicPr>
+        <p:blipFill>
+          <a:blip r:embed="rId4"/>
+          <a:stretch>
+            <a:fillRect/>
+          </a:stretch>
+        </p:blipFill>
+        <p:spPr>
+          <a:xfrm>
+            <a:off x="8661328" y="65196"/>
+            <a:ext cx="407258" cy="495579"/>
           </a:xfrm>
           <a:prstGeom prst="rect">
             <a:avLst/>
@@ -15698,7 +16049,7 @@
         </p:nvSpPr>
         <p:spPr>
           <a:xfrm>
-            <a:off x="311700" y="1129189"/>
+            <a:off x="311700" y="1375993"/>
             <a:ext cx="8520600" cy="5202070"/>
           </a:xfrm>
           <a:prstGeom prst="rect">
@@ -15714,28 +16065,8 @@
             <a:pPr lvl="0"/>
             <a:r>
               <a:rPr lang="en-GB" sz="1800" dirty="0"/>
-              <a:t>Policy improvement can be done by constructing each new policy 𝜋</a:t>
-            </a:r>
-            <a:r>
-              <a:rPr lang="en-GB" sz="1800" baseline="-25000" dirty="0"/>
-              <a:t>𝑘+1</a:t>
-            </a:r>
-            <a:r>
-              <a:rPr lang="en-GB" sz="1800" dirty="0"/>
-              <a:t>  as the greedy policy with respect to the new value function 𝑞</a:t>
-            </a:r>
-            <a:r>
-              <a:rPr lang="en-GB" sz="1800" baseline="-25000" dirty="0"/>
-              <a:t>𝜋𝑘</a:t>
-            </a:r>
-            <a:r>
-              <a:rPr lang="en-GB" sz="1800" dirty="0"/>
-              <a:t> </a:t>
-            </a:r>
-          </a:p>
-          <a:p>
-            <a:pPr lvl="0"/>
-            <a:endParaRPr lang="en-GB" sz="1600" dirty="0"/>
+              <a:t>The policy improvement theorem:</a:t>
+            </a:r>
           </a:p>
           <a:p>
             <a:pPr lvl="0"/>
@@ -15743,9 +16074,39 @@
           </a:p>
           <a:p>
             <a:pPr lvl="0"/>
+            <a:endParaRPr lang="en-GB" sz="1050" dirty="0"/>
+          </a:p>
+          <a:p>
+            <a:pPr lvl="1"/>
+            <a:r>
+              <a:rPr lang="en-GB" sz="1600" dirty="0"/>
+              <a:t>assures that each 𝜋</a:t>
+            </a:r>
+            <a:r>
+              <a:rPr lang="en-GB" sz="1600" baseline="-25000" dirty="0"/>
+              <a:t>𝑘+1 </a:t>
+            </a:r>
+            <a:r>
+              <a:rPr lang="en-GB" sz="1600" dirty="0"/>
+              <a:t>is better than 𝜋</a:t>
+            </a:r>
+            <a:r>
+              <a:rPr lang="en-GB" sz="1600" baseline="-25000" dirty="0"/>
+              <a:t>𝑘</a:t>
+            </a:r>
+          </a:p>
+          <a:p>
+            <a:pPr lvl="1"/>
+            <a:r>
+              <a:rPr lang="en-GB" sz="1600" dirty="0"/>
+              <a:t>converges to the optimal policy (and optimal value function)</a:t>
+            </a:r>
+          </a:p>
+          <a:p>
+            <a:pPr lvl="0"/>
             <a:r>
               <a:rPr lang="en-GB" sz="1800" dirty="0"/>
-              <a:t>The policy improvement theorem:</a:t>
+              <a:t>First, we need to estimate 𝑄(𝑠,𝑎) instead of 𝑉(𝑠) </a:t>
             </a:r>
           </a:p>
           <a:p>
@@ -15754,40 +16115,7 @@
           </a:p>
           <a:p>
             <a:pPr lvl="0"/>
-            <a:endParaRPr lang="en-GB" sz="1050" dirty="0"/>
-          </a:p>
-          <a:p>
-            <a:pPr lvl="1"/>
-            <a:r>
-              <a:rPr lang="en-GB" sz="1600" dirty="0"/>
-              <a:t>assures that each 𝜋</a:t>
-            </a:r>
-            <a:r>
-              <a:rPr lang="en-GB" sz="1600" baseline="-25000" dirty="0"/>
-              <a:t>𝑘+1 </a:t>
-            </a:r>
-            <a:r>
-              <a:rPr lang="en-GB" sz="1600" dirty="0"/>
-              <a:t>is better than 𝜋</a:t>
-            </a:r>
-            <a:r>
-              <a:rPr lang="en-GB" sz="1600" baseline="-25000" dirty="0"/>
-              <a:t>𝑘</a:t>
-            </a:r>
-          </a:p>
-          <a:p>
-            <a:pPr lvl="1"/>
-            <a:r>
-              <a:rPr lang="en-GB" sz="1600" dirty="0"/>
-              <a:t>converges to the optimal policy (and optimal value function)</a:t>
-            </a:r>
-          </a:p>
-          <a:p>
-            <a:pPr lvl="0"/>
-            <a:r>
-              <a:rPr lang="en-GB" sz="1800" dirty="0"/>
-              <a:t>First, we need to estimate 𝑄(𝑠,𝑎) instead of 𝑉(𝑠) </a:t>
-            </a:r>
+            <a:endParaRPr lang="en-GB" sz="1800" dirty="0"/>
           </a:p>
           <a:p>
             <a:pPr lvl="1"/>
@@ -15831,10 +16159,6 @@
               <a:rPr lang="en-GB" sz="1600" b="1" dirty="0"/>
               <a:t>decaying epsilon-greedy action-selection strategy</a:t>
             </a:r>
-            <a:endParaRPr lang="en-GB" sz="1600" dirty="0"/>
-          </a:p>
-          <a:p>
-            <a:pPr lvl="0"/>
             <a:endParaRPr lang="en-GB" sz="1800" dirty="0"/>
           </a:p>
           <a:p>
@@ -15865,8 +16189,8 @@
         </p:blipFill>
         <p:spPr>
           <a:xfrm>
-            <a:off x="928127" y="2834382"/>
-            <a:ext cx="7772400" cy="493485"/>
+            <a:off x="958336" y="1867220"/>
+            <a:ext cx="7767911" cy="493200"/>
           </a:xfrm>
           <a:prstGeom prst="rect">
             <a:avLst/>
@@ -15875,10 +16199,10 @@
       </p:pic>
       <p:pic>
         <p:nvPicPr>
-          <p:cNvPr id="5" name="Immagine 4">
+          <p:cNvPr id="3" name="Immagine 2">
             <a:extLst>
               <a:ext uri="{FF2B5EF4-FFF2-40B4-BE49-F238E27FC236}">
-                <a16:creationId xmlns:a16="http://schemas.microsoft.com/office/drawing/2014/main" id="{0465560E-15C6-71B2-DAE4-12B5F6315241}"/>
+                <a16:creationId xmlns:a16="http://schemas.microsoft.com/office/drawing/2014/main" id="{70187555-8F67-235A-B2B3-4EECD8B61F79}"/>
               </a:ext>
             </a:extLst>
           </p:cNvPr>
@@ -15895,8 +16219,8 @@
         </p:blipFill>
         <p:spPr>
           <a:xfrm>
-            <a:off x="830155" y="1829735"/>
-            <a:ext cx="2755900" cy="660400"/>
+            <a:off x="927340" y="3541764"/>
+            <a:ext cx="4555826" cy="449958"/>
           </a:xfrm>
           <a:prstGeom prst="rect">
             <a:avLst/>
@@ -16011,7 +16335,7 @@
             </a:r>
             <a:r>
               <a:rPr lang="en-GB" sz="1800" dirty="0"/>
-              <a:t> a single MC evaluation step and a single decaying epsilon-greedy action-selection improvement step</a:t>
+              <a:t> a single MC evaluation step and a single decaying epsilon-greedy action-selection improvement step </a:t>
             </a:r>
           </a:p>
           <a:p>
@@ -16063,34 +16387,9 @@
             <a:endParaRPr lang="en-GB" sz="1800" dirty="0"/>
           </a:p>
           <a:p>
-            <a:pPr lvl="0"/>
-            <a:r>
-              <a:rPr lang="en-GB" sz="1800" b="1" dirty="0">
-                <a:highlight>
-                  <a:srgbClr val="FFFF00"/>
-                </a:highlight>
-              </a:rPr>
-              <a:t>See “</a:t>
-            </a:r>
-            <a:r>
-              <a:rPr lang="en-GB" sz="1800" b="1" dirty="0" err="1">
-                <a:highlight>
-                  <a:srgbClr val="FFFF00"/>
-                </a:highlight>
-              </a:rPr>
-              <a:t>notebook.ipynb</a:t>
-            </a:r>
-            <a:r>
-              <a:rPr lang="en-GB" sz="1800" b="1" dirty="0">
-                <a:highlight>
-                  <a:srgbClr val="FFFF00"/>
-                </a:highlight>
-              </a:rPr>
-              <a:t>”</a:t>
-            </a:r>
-          </a:p>
-          <a:p>
-            <a:pPr lvl="0"/>
+            <a:pPr marL="120650" lvl="0" indent="0">
+              <a:buNone/>
+            </a:pPr>
             <a:endParaRPr lang="en-GB" sz="1600" dirty="0"/>
           </a:p>
           <a:p>
@@ -16105,10 +16404,10 @@
       </p:sp>
       <p:pic>
         <p:nvPicPr>
-          <p:cNvPr id="4" name="Immagine 3">
+          <p:cNvPr id="5" name="Immagine 4">
             <a:extLst>
               <a:ext uri="{FF2B5EF4-FFF2-40B4-BE49-F238E27FC236}">
-                <a16:creationId xmlns:a16="http://schemas.microsoft.com/office/drawing/2014/main" id="{4FC1B493-4715-3E10-EB60-04D4CC45DD4B}"/>
+                <a16:creationId xmlns:a16="http://schemas.microsoft.com/office/drawing/2014/main" id="{3232B7BA-9F8E-D16B-3813-18B1182F2B15}"/>
               </a:ext>
             </a:extLst>
           </p:cNvPr>
@@ -16125,8 +16424,8 @@
         </p:blipFill>
         <p:spPr>
           <a:xfrm>
-            <a:off x="535675" y="2025982"/>
-            <a:ext cx="7772400" cy="3619500"/>
+            <a:off x="311700" y="2549206"/>
+            <a:ext cx="8459513" cy="3306571"/>
           </a:xfrm>
           <a:prstGeom prst="rect">
             <a:avLst/>
@@ -16207,10 +16506,10 @@
       </p:sp>
       <p:pic>
         <p:nvPicPr>
-          <p:cNvPr id="6" name="Immagine 5">
+          <p:cNvPr id="3" name="Immagine 2" descr="Immagine che contiene schermata, testo, Diagramma, linea&#10;&#10;Descrizione generata automaticamente">
             <a:extLst>
               <a:ext uri="{FF2B5EF4-FFF2-40B4-BE49-F238E27FC236}">
-                <a16:creationId xmlns:a16="http://schemas.microsoft.com/office/drawing/2014/main" id="{EB8F7C6C-911C-6A5C-1B9D-735A7D8DBFD1}"/>
+                <a16:creationId xmlns:a16="http://schemas.microsoft.com/office/drawing/2014/main" id="{B9720390-8E87-9050-DBDD-04528E2AD726}"/>
               </a:ext>
             </a:extLst>
           </p:cNvPr>
@@ -16227,8 +16526,38 @@
         </p:blipFill>
         <p:spPr>
           <a:xfrm>
-            <a:off x="51720" y="1169692"/>
-            <a:ext cx="8780580" cy="5135574"/>
+            <a:off x="311700" y="965199"/>
+            <a:ext cx="8616308" cy="5471567"/>
+          </a:xfrm>
+          <a:prstGeom prst="rect">
+            <a:avLst/>
+          </a:prstGeom>
+        </p:spPr>
+      </p:pic>
+      <p:pic>
+        <p:nvPicPr>
+          <p:cNvPr id="4" name="Immagine 3" descr="Immagine che contiene Carattere, Elementi grafici, logo, cerchio&#10;&#10;Descrizione generata automaticamente">
+            <a:extLst>
+              <a:ext uri="{FF2B5EF4-FFF2-40B4-BE49-F238E27FC236}">
+                <a16:creationId xmlns:a16="http://schemas.microsoft.com/office/drawing/2014/main" id="{67A849F0-8E2E-8EAC-A585-96403E212507}"/>
+              </a:ext>
+            </a:extLst>
+          </p:cNvPr>
+          <p:cNvPicPr>
+            <a:picLocks noChangeAspect="1"/>
+          </p:cNvPicPr>
+          <p:nvPr/>
+        </p:nvPicPr>
+        <p:blipFill>
+          <a:blip r:embed="rId4"/>
+          <a:stretch>
+            <a:fillRect/>
+          </a:stretch>
+        </p:blipFill>
+        <p:spPr>
+          <a:xfrm>
+            <a:off x="8661328" y="65196"/>
+            <a:ext cx="407258" cy="495579"/>
           </a:xfrm>
           <a:prstGeom prst="rect">
             <a:avLst/>
@@ -16390,52 +16719,21 @@
             <a:endParaRPr lang="en-GB" sz="1600" dirty="0"/>
           </a:p>
           <a:p>
-            <a:pPr lvl="1"/>
+            <a:pPr marL="590550" lvl="1" indent="0">
+              <a:buNone/>
+            </a:pPr>
             <a:endParaRPr lang="en-GB" sz="1600" dirty="0"/>
           </a:p>
           <a:p>
-            <a:pPr lvl="1"/>
-            <a:endParaRPr lang="en-GB" sz="1600" dirty="0"/>
-          </a:p>
-          <a:p>
-            <a:pPr lvl="0"/>
-            <a:r>
-              <a:rPr lang="en-GB" sz="1800" b="1" dirty="0">
-                <a:highlight>
-                  <a:srgbClr val="FFFF00"/>
-                </a:highlight>
-              </a:rPr>
-              <a:t>See “</a:t>
-            </a:r>
-            <a:r>
-              <a:rPr lang="en-GB" sz="1800" b="1" dirty="0" err="1">
-                <a:highlight>
-                  <a:srgbClr val="FFFF00"/>
-                </a:highlight>
-              </a:rPr>
-              <a:t>notebook.ipynb</a:t>
-            </a:r>
-            <a:r>
-              <a:rPr lang="en-GB" sz="1800" b="1" dirty="0">
-                <a:highlight>
-                  <a:srgbClr val="FFFF00"/>
-                </a:highlight>
-              </a:rPr>
-              <a:t>”</a:t>
-            </a:r>
-          </a:p>
-          <a:p>
-            <a:pPr lvl="1"/>
-            <a:r>
-              <a:rPr lang="en-GB" sz="1600" dirty="0"/>
-              <a:t>see how SARSA has less variance than MC</a:t>
-            </a:r>
-          </a:p>
-          <a:p>
-            <a:pPr lvl="1"/>
-            <a:r>
-              <a:rPr lang="en-GB" sz="1600" dirty="0"/>
-              <a:t>it takes pretty much the same amount of time to get to the optimal values</a:t>
+            <a:r>
+              <a:rPr lang="en-GB" sz="1800" dirty="0"/>
+              <a:t>SARSA has less variance than MC</a:t>
+            </a:r>
+          </a:p>
+          <a:p>
+            <a:r>
+              <a:rPr lang="en-GB" sz="1800" dirty="0"/>
+              <a:t>SARSA is slower to converge</a:t>
             </a:r>
           </a:p>
           <a:p>
@@ -16456,10 +16754,10 @@
       </p:sp>
       <p:pic>
         <p:nvPicPr>
-          <p:cNvPr id="4" name="Immagine 3" descr="Immagine che contiene testo, Carattere, calligrafia, bianco&#10;&#10;Descrizione generata automaticamente">
+          <p:cNvPr id="3" name="Immagine 2">
             <a:extLst>
               <a:ext uri="{FF2B5EF4-FFF2-40B4-BE49-F238E27FC236}">
-                <a16:creationId xmlns:a16="http://schemas.microsoft.com/office/drawing/2014/main" id="{5EE6CF75-B550-82FA-5C95-5CF49B831237}"/>
+                <a16:creationId xmlns:a16="http://schemas.microsoft.com/office/drawing/2014/main" id="{CA7F88AC-CDCE-B72D-C5A2-C15FCE7A421E}"/>
               </a:ext>
             </a:extLst>
           </p:cNvPr>
@@ -16476,8 +16774,8 @@
         </p:blipFill>
         <p:spPr>
           <a:xfrm>
-            <a:off x="1218274" y="4103914"/>
-            <a:ext cx="5562600" cy="1054100"/>
+            <a:off x="1287543" y="4189997"/>
+            <a:ext cx="4958274" cy="522667"/>
           </a:xfrm>
           <a:prstGeom prst="rect">
             <a:avLst/>
@@ -16486,10 +16784,10 @@
       </p:pic>
       <p:pic>
         <p:nvPicPr>
-          <p:cNvPr id="6" name="Immagine 5">
+          <p:cNvPr id="7" name="Immagine 6" descr="Immagine che contiene Carattere, testo, bianco, tipografia&#10;&#10;Descrizione generata automaticamente">
             <a:extLst>
               <a:ext uri="{FF2B5EF4-FFF2-40B4-BE49-F238E27FC236}">
-                <a16:creationId xmlns:a16="http://schemas.microsoft.com/office/drawing/2014/main" id="{BFCE0AB2-6A4A-99B7-B56A-0F4EF3A82DA0}"/>
+                <a16:creationId xmlns:a16="http://schemas.microsoft.com/office/drawing/2014/main" id="{FCDD8038-A72C-A5BF-160E-B0459A4D5EE8}"/>
               </a:ext>
             </a:extLst>
           </p:cNvPr>
@@ -16506,8 +16804,8 @@
         </p:blipFill>
         <p:spPr>
           <a:xfrm>
-            <a:off x="1218274" y="3573287"/>
-            <a:ext cx="7204529" cy="426749"/>
+            <a:off x="1318538" y="3662712"/>
+            <a:ext cx="3392945" cy="525268"/>
           </a:xfrm>
           <a:prstGeom prst="rect">
             <a:avLst/>
@@ -16588,10 +16886,10 @@
       </p:sp>
       <p:pic>
         <p:nvPicPr>
-          <p:cNvPr id="6" name="Immagine 5">
+          <p:cNvPr id="3" name="Immagine 2" descr="Immagine che contiene linea, Diagramma, testo, diagramma&#10;&#10;Descrizione generata automaticamente">
             <a:extLst>
               <a:ext uri="{FF2B5EF4-FFF2-40B4-BE49-F238E27FC236}">
-                <a16:creationId xmlns:a16="http://schemas.microsoft.com/office/drawing/2014/main" id="{16BF8FDD-2D09-0143-B380-C495EBDCF1F5}"/>
+                <a16:creationId xmlns:a16="http://schemas.microsoft.com/office/drawing/2014/main" id="{8FE138E0-E4A8-9EC7-04A6-469C3C9A4F04}"/>
               </a:ext>
             </a:extLst>
           </p:cNvPr>
@@ -16608,8 +16906,38 @@
         </p:blipFill>
         <p:spPr>
           <a:xfrm>
-            <a:off x="311699" y="1156044"/>
-            <a:ext cx="8570571" cy="5012744"/>
+            <a:off x="311700" y="1043733"/>
+            <a:ext cx="8586832" cy="5393034"/>
+          </a:xfrm>
+          <a:prstGeom prst="rect">
+            <a:avLst/>
+          </a:prstGeom>
+        </p:spPr>
+      </p:pic>
+      <p:pic>
+        <p:nvPicPr>
+          <p:cNvPr id="4" name="Immagine 3" descr="Immagine che contiene Carattere, Elementi grafici, logo, cerchio&#10;&#10;Descrizione generata automaticamente">
+            <a:extLst>
+              <a:ext uri="{FF2B5EF4-FFF2-40B4-BE49-F238E27FC236}">
+                <a16:creationId xmlns:a16="http://schemas.microsoft.com/office/drawing/2014/main" id="{F0A53489-74B5-5BFB-FA42-EDCC80BF2C99}"/>
+              </a:ext>
+            </a:extLst>
+          </p:cNvPr>
+          <p:cNvPicPr>
+            <a:picLocks noChangeAspect="1"/>
+          </p:cNvPicPr>
+          <p:nvPr/>
+        </p:nvPicPr>
+        <p:blipFill>
+          <a:blip r:embed="rId4"/>
+          <a:stretch>
+            <a:fillRect/>
+          </a:stretch>
+        </p:blipFill>
+        <p:spPr>
+          <a:xfrm>
+            <a:off x="8661328" y="65196"/>
+            <a:ext cx="407258" cy="495579"/>
           </a:xfrm>
           <a:prstGeom prst="rect">
             <a:avLst/>
